--- a/Präsentation/slides.pptx
+++ b/Präsentation/slides.pptx
@@ -3229,8 +3229,8 @@
           <p:nvPr/>
         </p:nvSpPr>
         <p:spPr>
-          <a:xfrm flipH="1" flipV="1">
-            <a:off x="2965032" y="1946822"/>
+          <a:xfrm rot="-3960000" flipH="1" flipV="1">
+            <a:off x="7360519" y="6632053"/>
             <a:ext cx="658813" cy="1445172"/>
           </a:xfrm>
           <a:prstGeom prst="line">
@@ -3262,8 +3262,8 @@
           <p:nvPr/>
         </p:nvSpPr>
         <p:spPr>
-          <a:xfrm flipH="1" flipV="1">
-            <a:off x="2514005" y="2418628"/>
+          <a:xfrm rot="6300000" flipH="1" flipV="1">
+            <a:off x="7689924" y="6716000"/>
             <a:ext cx="495252" cy="1848248"/>
           </a:xfrm>
           <a:prstGeom prst="line">
@@ -3297,8 +3297,8 @@
           <p:nvPr/>
         </p:nvSpPr>
         <p:spPr>
-          <a:xfrm flipH="1" flipV="1">
-            <a:off x="2498824" y="2473848"/>
+          <a:xfrm rot="5580000" flipH="1" flipV="1">
+            <a:off x="7975668" y="6867037"/>
             <a:ext cx="118760" cy="2105120"/>
           </a:xfrm>
           <a:prstGeom prst="line">

--- a/Präsentation/slides.pptx
+++ b/Präsentation/slides.pptx
@@ -99,6 +99,11 @@
       </a:defRPr>
     </a:lvl9pPr>
   </p:defaultTextStyle>
+  <p:extLst>
+    <p:ext uri="{EFAFB233-063F-42B5-8137-9DF3F51BA10A}">
+      <p15:sldGuideLst xmlns:p15="http://schemas.microsoft.com/office/powerpoint/2012/main"/>
+    </p:ext>
+  </p:extLst>
 </p:presentation>
 </file>
 
@@ -2756,13 +2761,19 @@
       </p:sp>
       <p:pic>
         <p:nvPicPr>
-          <p:cNvPr id="42" name="n=1000_error=0__0.11981.png"/>
-          <p:cNvPicPr/>
+          <p:cNvPr id="7" name="Bild 6"/>
+          <p:cNvPicPr>
+            <a:picLocks noChangeAspect="1"/>
+          </p:cNvPicPr>
           <p:nvPr/>
         </p:nvPicPr>
         <p:blipFill>
           <a:blip r:embed="rId2">
-            <a:extLst/>
+            <a:extLst>
+              <a:ext uri="{28A0092B-C50C-407E-A947-70E740481C1C}">
+                <a14:useLocalDpi xmlns:a14="http://schemas.microsoft.com/office/drawing/2010/main" val="0"/>
+              </a:ext>
+            </a:extLst>
           </a:blip>
           <a:stretch>
             <a:fillRect/>
@@ -2770,15 +2781,12 @@
         </p:blipFill>
         <p:spPr>
           <a:xfrm>
-            <a:off x="6240363" y="2415331"/>
-            <a:ext cx="5863281" cy="4397461"/>
+            <a:off x="5940658" y="2268367"/>
+            <a:ext cx="6346216" cy="4759663"/>
           </a:xfrm>
           <a:prstGeom prst="rect">
             <a:avLst/>
           </a:prstGeom>
-          <a:ln w="12700">
-            <a:miter lim="400000"/>
-          </a:ln>
         </p:spPr>
       </p:pic>
     </p:spTree>
@@ -3384,114 +3392,6 @@
           </a:p>
         </p:txBody>
       </p:sp>
-      <p:pic>
-        <p:nvPicPr>
-          <p:cNvPr id="57" name="n=100_error=0__0.22828.png"/>
-          <p:cNvPicPr/>
-          <p:nvPr/>
-        </p:nvPicPr>
-        <p:blipFill>
-          <a:blip r:embed="rId2">
-            <a:extLst/>
-          </a:blip>
-          <a:stretch>
-            <a:fillRect/>
-          </a:stretch>
-        </p:blipFill>
-        <p:spPr>
-          <a:xfrm>
-            <a:off x="1291201" y="1701800"/>
-            <a:ext cx="4715082" cy="3536311"/>
-          </a:xfrm>
-          <a:prstGeom prst="rect">
-            <a:avLst/>
-          </a:prstGeom>
-          <a:ln w="12700">
-            <a:miter lim="400000"/>
-          </a:ln>
-        </p:spPr>
-      </p:pic>
-      <p:pic>
-        <p:nvPicPr>
-          <p:cNvPr id="58" name="n=100_error&gt;0__0.28122.png"/>
-          <p:cNvPicPr/>
-          <p:nvPr/>
-        </p:nvPicPr>
-        <p:blipFill>
-          <a:blip r:embed="rId3">
-            <a:extLst/>
-          </a:blip>
-          <a:stretch>
-            <a:fillRect/>
-          </a:stretch>
-        </p:blipFill>
-        <p:spPr>
-          <a:xfrm>
-            <a:off x="7279540" y="1701800"/>
-            <a:ext cx="4715082" cy="3536311"/>
-          </a:xfrm>
-          <a:prstGeom prst="rect">
-            <a:avLst/>
-          </a:prstGeom>
-          <a:ln w="12700">
-            <a:miter lim="400000"/>
-          </a:ln>
-        </p:spPr>
-      </p:pic>
-      <p:pic>
-        <p:nvPicPr>
-          <p:cNvPr id="59" name="n=1000_error=0__0.11981.png"/>
-          <p:cNvPicPr/>
-          <p:nvPr/>
-        </p:nvPicPr>
-        <p:blipFill>
-          <a:blip r:embed="rId4">
-            <a:extLst/>
-          </a:blip>
-          <a:stretch>
-            <a:fillRect/>
-          </a:stretch>
-        </p:blipFill>
-        <p:spPr>
-          <a:xfrm>
-            <a:off x="1291201" y="5577627"/>
-            <a:ext cx="4715082" cy="3536312"/>
-          </a:xfrm>
-          <a:prstGeom prst="rect">
-            <a:avLst/>
-          </a:prstGeom>
-          <a:ln w="12700">
-            <a:miter lim="400000"/>
-          </a:ln>
-        </p:spPr>
-      </p:pic>
-      <p:pic>
-        <p:nvPicPr>
-          <p:cNvPr id="60" name="n=1000_error&gt;0__0.13468.png"/>
-          <p:cNvPicPr/>
-          <p:nvPr/>
-        </p:nvPicPr>
-        <p:blipFill>
-          <a:blip r:embed="rId5">
-            <a:extLst/>
-          </a:blip>
-          <a:stretch>
-            <a:fillRect/>
-          </a:stretch>
-        </p:blipFill>
-        <p:spPr>
-          <a:xfrm>
-            <a:off x="7279540" y="5666527"/>
-            <a:ext cx="4715082" cy="3536312"/>
-          </a:xfrm>
-          <a:prstGeom prst="rect">
-            <a:avLst/>
-          </a:prstGeom>
-          <a:ln w="12700">
-            <a:miter lim="400000"/>
-          </a:ln>
-        </p:spPr>
-      </p:pic>
       <p:sp>
         <p:nvSpPr>
           <p:cNvPr id="61" name="Shape 61"/>
@@ -3500,8 +3400,8 @@
         </p:nvSpPr>
         <p:spPr>
           <a:xfrm>
-            <a:off x="2765431" y="5175250"/>
-            <a:ext cx="1766622" cy="647701"/>
+            <a:off x="2763885" y="5170806"/>
+            <a:ext cx="1769716" cy="656590"/>
           </a:xfrm>
           <a:prstGeom prst="rect">
             <a:avLst/>
@@ -3525,9 +3425,10 @@
               <a:defRPr sz="1800"/>
             </a:pPr>
             <a:r>
-              <a:rPr sz="3600"/>
-              <a:t>0.22828</a:t>
-            </a:r>
+              <a:rPr lang="de-DE" sz="3600" dirty="0" smtClean="0"/>
+              <a:t>0.20950</a:t>
+            </a:r>
+            <a:endParaRPr sz="3600" dirty="0"/>
           </a:p>
         </p:txBody>
       </p:sp>
@@ -3539,8 +3440,8 @@
         </p:nvSpPr>
         <p:spPr>
           <a:xfrm>
-            <a:off x="8753771" y="5175250"/>
-            <a:ext cx="1766621" cy="647701"/>
+            <a:off x="8803520" y="5222101"/>
+            <a:ext cx="1667123" cy="553998"/>
           </a:xfrm>
           <a:prstGeom prst="rect">
             <a:avLst/>
@@ -3564,9 +3465,10 @@
               <a:defRPr sz="1800"/>
             </a:pPr>
             <a:r>
-              <a:rPr sz="3600"/>
-              <a:t>0.28122</a:t>
-            </a:r>
+              <a:rPr lang="de-DE" sz="3600" dirty="0" smtClean="0"/>
+              <a:t>0.26697</a:t>
+            </a:r>
+            <a:endParaRPr sz="3600" dirty="0"/>
           </a:p>
         </p:txBody>
       </p:sp>
@@ -3578,8 +3480,8 @@
         </p:nvSpPr>
         <p:spPr>
           <a:xfrm>
-            <a:off x="2765431" y="9004300"/>
-            <a:ext cx="1766622" cy="647701"/>
+            <a:off x="2815181" y="9051151"/>
+            <a:ext cx="1667123" cy="553998"/>
           </a:xfrm>
           <a:prstGeom prst="rect">
             <a:avLst/>
@@ -3603,9 +3505,10 @@
               <a:defRPr sz="1800"/>
             </a:pPr>
             <a:r>
-              <a:rPr sz="3600"/>
-              <a:t>0.11981</a:t>
-            </a:r>
+              <a:rPr lang="de-DE" sz="3600" dirty="0" smtClean="0"/>
+              <a:t>0.12684</a:t>
+            </a:r>
+            <a:endParaRPr sz="3600" dirty="0"/>
           </a:p>
         </p:txBody>
       </p:sp>
@@ -3617,8 +3520,8 @@
         </p:nvSpPr>
         <p:spPr>
           <a:xfrm>
-            <a:off x="8753771" y="9004300"/>
-            <a:ext cx="1766621" cy="647701"/>
+            <a:off x="8803520" y="9051151"/>
+            <a:ext cx="1667123" cy="553998"/>
           </a:xfrm>
           <a:prstGeom prst="rect">
             <a:avLst/>
@@ -3642,12 +3545,133 @@
               <a:defRPr sz="1800"/>
             </a:pPr>
             <a:r>
-              <a:rPr sz="3600"/>
-              <a:t>0.13468</a:t>
-            </a:r>
+              <a:rPr lang="de-DE" sz="3600" dirty="0" smtClean="0"/>
+              <a:t>0.15181</a:t>
+            </a:r>
+            <a:endParaRPr sz="3600" dirty="0"/>
           </a:p>
         </p:txBody>
       </p:sp>
+      <p:pic>
+        <p:nvPicPr>
+          <p:cNvPr id="2" name="Bild 1"/>
+          <p:cNvPicPr>
+            <a:picLocks noChangeAspect="1"/>
+          </p:cNvPicPr>
+          <p:nvPr/>
+        </p:nvPicPr>
+        <p:blipFill>
+          <a:blip r:embed="rId2">
+            <a:extLst>
+              <a:ext uri="{28A0092B-C50C-407E-A947-70E740481C1C}">
+                <a14:useLocalDpi xmlns:a14="http://schemas.microsoft.com/office/drawing/2010/main" val="0"/>
+              </a:ext>
+            </a:extLst>
+          </a:blip>
+          <a:stretch>
+            <a:fillRect/>
+          </a:stretch>
+        </p:blipFill>
+        <p:spPr>
+          <a:xfrm>
+            <a:off x="1690268" y="2166019"/>
+            <a:ext cx="3916946" cy="2937710"/>
+          </a:xfrm>
+          <a:prstGeom prst="rect">
+            <a:avLst/>
+          </a:prstGeom>
+        </p:spPr>
+      </p:pic>
+      <p:pic>
+        <p:nvPicPr>
+          <p:cNvPr id="3" name="Bild 2"/>
+          <p:cNvPicPr>
+            <a:picLocks noChangeAspect="1"/>
+          </p:cNvPicPr>
+          <p:nvPr/>
+        </p:nvPicPr>
+        <p:blipFill>
+          <a:blip r:embed="rId3">
+            <a:extLst>
+              <a:ext uri="{28A0092B-C50C-407E-A947-70E740481C1C}">
+                <a14:useLocalDpi xmlns:a14="http://schemas.microsoft.com/office/drawing/2010/main" val="0"/>
+              </a:ext>
+            </a:extLst>
+          </a:blip>
+          <a:stretch>
+            <a:fillRect/>
+          </a:stretch>
+        </p:blipFill>
+        <p:spPr>
+          <a:xfrm>
+            <a:off x="7678606" y="2165718"/>
+            <a:ext cx="3916947" cy="2937710"/>
+          </a:xfrm>
+          <a:prstGeom prst="rect">
+            <a:avLst/>
+          </a:prstGeom>
+        </p:spPr>
+      </p:pic>
+      <p:pic>
+        <p:nvPicPr>
+          <p:cNvPr id="4" name="Bild 3"/>
+          <p:cNvPicPr>
+            <a:picLocks noChangeAspect="1"/>
+          </p:cNvPicPr>
+          <p:nvPr/>
+        </p:nvPicPr>
+        <p:blipFill>
+          <a:blip r:embed="rId4">
+            <a:extLst>
+              <a:ext uri="{28A0092B-C50C-407E-A947-70E740481C1C}">
+                <a14:useLocalDpi xmlns:a14="http://schemas.microsoft.com/office/drawing/2010/main" val="0"/>
+              </a:ext>
+            </a:extLst>
+          </a:blip>
+          <a:stretch>
+            <a:fillRect/>
+          </a:stretch>
+        </p:blipFill>
+        <p:spPr>
+          <a:xfrm>
+            <a:off x="7678607" y="5817938"/>
+            <a:ext cx="3916947" cy="2937710"/>
+          </a:xfrm>
+          <a:prstGeom prst="rect">
+            <a:avLst/>
+          </a:prstGeom>
+        </p:spPr>
+      </p:pic>
+      <p:pic>
+        <p:nvPicPr>
+          <p:cNvPr id="5" name="Bild 4"/>
+          <p:cNvPicPr>
+            <a:picLocks noChangeAspect="1"/>
+          </p:cNvPicPr>
+          <p:nvPr/>
+        </p:nvPicPr>
+        <p:blipFill>
+          <a:blip r:embed="rId5">
+            <a:extLst>
+              <a:ext uri="{28A0092B-C50C-407E-A947-70E740481C1C}">
+                <a14:useLocalDpi xmlns:a14="http://schemas.microsoft.com/office/drawing/2010/main" val="0"/>
+              </a:ext>
+            </a:extLst>
+          </a:blip>
+          <a:stretch>
+            <a:fillRect/>
+          </a:stretch>
+        </p:blipFill>
+        <p:spPr>
+          <a:xfrm>
+            <a:off x="1690268" y="5761455"/>
+            <a:ext cx="3916947" cy="2937710"/>
+          </a:xfrm>
+          <a:prstGeom prst="rect">
+            <a:avLst/>
+          </a:prstGeom>
+        </p:spPr>
+      </p:pic>
     </p:spTree>
   </p:cSld>
   <p:clrMapOvr>
@@ -3882,13 +3906,19 @@
       </p:sp>
       <p:pic>
         <p:nvPicPr>
-          <p:cNvPr id="73" name="n=100_error=0__0.22828.png"/>
-          <p:cNvPicPr/>
+          <p:cNvPr id="4" name="Bild 3"/>
+          <p:cNvPicPr>
+            <a:picLocks noChangeAspect="1"/>
+          </p:cNvPicPr>
           <p:nvPr/>
         </p:nvPicPr>
         <p:blipFill>
           <a:blip r:embed="rId2">
-            <a:extLst/>
+            <a:extLst>
+              <a:ext uri="{28A0092B-C50C-407E-A947-70E740481C1C}">
+                <a14:useLocalDpi xmlns:a14="http://schemas.microsoft.com/office/drawing/2010/main" val="0"/>
+              </a:ext>
+            </a:extLst>
           </a:blip>
           <a:stretch>
             <a:fillRect/>
@@ -3896,15 +3926,12 @@
         </p:blipFill>
         <p:spPr>
           <a:xfrm>
-            <a:off x="1888089" y="133367"/>
-            <a:ext cx="9228622" cy="6921466"/>
+            <a:off x="1918374" y="212932"/>
+            <a:ext cx="9168052" cy="6876038"/>
           </a:xfrm>
           <a:prstGeom prst="rect">
             <a:avLst/>
           </a:prstGeom>
-          <a:ln w="12700">
-            <a:miter lim="400000"/>
-          </a:ln>
         </p:spPr>
       </p:pic>
     </p:spTree>

--- a/Präsentation/slides.pptx
+++ b/Präsentation/slides.pptx
@@ -295,6 +295,67 @@
     </a:lvl9pPr>
   </p:notesStyle>
 </p:notesMaster>
+</file>
+
+<file path=ppt/notesSlides/notesSlide1.xml><?xml version="1.0" encoding="utf-8"?>
+<p:notes xmlns:a="http://schemas.openxmlformats.org/drawingml/2006/main" xmlns:r="http://schemas.openxmlformats.org/officeDocument/2006/relationships" xmlns:p="http://schemas.openxmlformats.org/presentationml/2006/main">
+  <p:cSld>
+    <p:spTree>
+      <p:nvGrpSpPr>
+        <p:cNvPr id="1" name=""/>
+        <p:cNvGrpSpPr/>
+        <p:nvPr/>
+      </p:nvGrpSpPr>
+      <p:grpSpPr>
+        <a:xfrm>
+          <a:off x="0" y="0"/>
+          <a:ext cx="0" cy="0"/>
+          <a:chOff x="0" y="0"/>
+          <a:chExt cx="0" cy="0"/>
+        </a:xfrm>
+      </p:grpSpPr>
+      <p:sp>
+        <p:nvSpPr>
+          <p:cNvPr id="2" name="Folienbildplatzhalter 1"/>
+          <p:cNvSpPr>
+            <a:spLocks noGrp="1" noRot="1" noChangeAspect="1"/>
+          </p:cNvSpPr>
+          <p:nvPr>
+            <p:ph type="sldImg"/>
+          </p:nvPr>
+        </p:nvSpPr>
+        <p:spPr/>
+      </p:sp>
+      <p:sp>
+        <p:nvSpPr>
+          <p:cNvPr id="3" name="Notizenplatzhalter 2"/>
+          <p:cNvSpPr>
+            <a:spLocks noGrp="1"/>
+          </p:cNvSpPr>
+          <p:nvPr>
+            <p:ph type="body" idx="1"/>
+          </p:nvPr>
+        </p:nvSpPr>
+        <p:spPr/>
+        <p:txBody>
+          <a:bodyPr/>
+          <a:lstStyle/>
+          <a:p>
+            <a:endParaRPr lang="de-DE" dirty="0"/>
+          </a:p>
+        </p:txBody>
+      </p:sp>
+    </p:spTree>
+    <p:extLst>
+      <p:ext uri="{BB962C8B-B14F-4D97-AF65-F5344CB8AC3E}">
+        <p14:creationId xmlns:p14="http://schemas.microsoft.com/office/powerpoint/2010/main" val="2014748561"/>
+      </p:ext>
+    </p:extLst>
+  </p:cSld>
+  <p:clrMapOvr>
+    <a:masterClrMapping/>
+  </p:clrMapOvr>
+</p:notes>
 </file>
 
 <file path=ppt/slideLayouts/slideLayout1.xml><?xml version="1.0" encoding="utf-8"?>
@@ -1981,14 +2042,16 @@
           </a:prstGeom>
         </p:spPr>
         <p:txBody>
-          <a:bodyPr/>
+          <a:bodyPr>
+            <a:normAutofit/>
+          </a:bodyPr>
           <a:lstStyle/>
           <a:p>
             <a:pPr lvl="0">
               <a:defRPr sz="1800"/>
             </a:pPr>
             <a:r>
-              <a:rPr sz="8000"/>
+              <a:rPr sz="6000" dirty="0"/>
               <a:t>C parameter</a:t>
             </a:r>
           </a:p>
@@ -2010,8 +2073,8 @@
         </p:blipFill>
         <p:spPr>
           <a:xfrm>
-            <a:off x="1422400" y="2089497"/>
-            <a:ext cx="10160000" cy="7620001"/>
+            <a:off x="628770" y="3797527"/>
+            <a:ext cx="5582249" cy="4186687"/>
           </a:xfrm>
           <a:prstGeom prst="rect">
             <a:avLst/>
@@ -2021,6 +2084,292 @@
           </a:ln>
         </p:spPr>
       </p:pic>
+      <p:sp>
+        <p:nvSpPr>
+          <p:cNvPr id="6" name="Textfeld 5"/>
+          <p:cNvSpPr txBox="1"/>
+          <p:nvPr/>
+        </p:nvSpPr>
+        <p:spPr>
+          <a:xfrm>
+            <a:off x="3035403" y="2603500"/>
+            <a:ext cx="1384995" cy="656590"/>
+          </a:xfrm>
+          <a:prstGeom prst="rect">
+            <a:avLst/>
+          </a:prstGeom>
+          <a:noFill/>
+          <a:ln w="12700" cap="flat">
+            <a:noFill/>
+            <a:miter lim="400000"/>
+          </a:ln>
+          <a:effectLst/>
+        </p:spPr>
+        <p:style>
+          <a:lnRef idx="0">
+            <a:scrgbClr r="0" g="0" b="0"/>
+          </a:lnRef>
+          <a:fillRef idx="0">
+            <a:scrgbClr r="0" g="0" b="0"/>
+          </a:fillRef>
+          <a:effectRef idx="0">
+            <a:scrgbClr r="0" g="0" b="0"/>
+          </a:effectRef>
+          <a:fontRef idx="none"/>
+        </p:style>
+        <p:txBody>
+          <a:bodyPr rot="0" spcFirstLastPara="1" vertOverflow="overflow" horzOverflow="overflow" vert="horz" wrap="none" lIns="50800" tIns="50800" rIns="50800" bIns="50800" numCol="1" spcCol="38100" rtlCol="0" anchor="ctr">
+            <a:spAutoFit/>
+          </a:bodyPr>
+          <a:lstStyle/>
+          <a:p>
+            <a:pPr marL="0" marR="0" indent="0" algn="ctr" defTabSz="584200" rtl="0" fontAlgn="auto" latinLnBrk="1" hangingPunct="0">
+              <a:lnSpc>
+                <a:spcPct val="100000"/>
+              </a:lnSpc>
+              <a:spcBef>
+                <a:spcPts val="0"/>
+              </a:spcBef>
+              <a:spcAft>
+                <a:spcPts val="0"/>
+              </a:spcAft>
+              <a:buClrTx/>
+              <a:buSzTx/>
+              <a:buFontTx/>
+              <a:buNone/>
+              <a:tabLst/>
+            </a:pPr>
+            <a:r>
+              <a:rPr kumimoji="0" lang="de-DE" sz="3600" b="0" i="0" u="none" strike="noStrike" cap="none" spc="0" normalizeH="0" baseline="0" dirty="0" smtClean="0">
+                <a:ln>
+                  <a:noFill/>
+                </a:ln>
+                <a:solidFill>
+                  <a:srgbClr val="000000"/>
+                </a:solidFill>
+                <a:effectLst/>
+                <a:uFillTx/>
+                <a:latin typeface="+mn-lt"/>
+                <a:ea typeface="+mn-ea"/>
+                <a:cs typeface="+mn-cs"/>
+                <a:sym typeface="Helvetica Light"/>
+              </a:rPr>
+              <a:t>Linear</a:t>
+            </a:r>
+            <a:endParaRPr kumimoji="0" lang="de-DE" sz="3600" b="0" i="0" u="none" strike="noStrike" cap="none" spc="0" normalizeH="0" baseline="0" dirty="0">
+              <a:ln>
+                <a:noFill/>
+              </a:ln>
+              <a:solidFill>
+                <a:srgbClr val="000000"/>
+              </a:solidFill>
+              <a:effectLst/>
+              <a:uFillTx/>
+              <a:latin typeface="+mn-lt"/>
+              <a:ea typeface="+mn-ea"/>
+              <a:cs typeface="+mn-cs"/>
+              <a:sym typeface="Helvetica Light"/>
+            </a:endParaRPr>
+          </a:p>
+        </p:txBody>
+      </p:sp>
+      <p:sp>
+        <p:nvSpPr>
+          <p:cNvPr id="7" name="Textfeld 6"/>
+          <p:cNvSpPr txBox="1"/>
+          <p:nvPr/>
+        </p:nvSpPr>
+        <p:spPr>
+          <a:xfrm>
+            <a:off x="8635244" y="2638006"/>
+            <a:ext cx="2051845" cy="656590"/>
+          </a:xfrm>
+          <a:prstGeom prst="rect">
+            <a:avLst/>
+          </a:prstGeom>
+          <a:noFill/>
+          <a:ln w="12700" cap="flat">
+            <a:noFill/>
+            <a:miter lim="400000"/>
+          </a:ln>
+          <a:effectLst/>
+        </p:spPr>
+        <p:style>
+          <a:lnRef idx="0">
+            <a:scrgbClr r="0" g="0" b="0"/>
+          </a:lnRef>
+          <a:fillRef idx="0">
+            <a:scrgbClr r="0" g="0" b="0"/>
+          </a:fillRef>
+          <a:effectRef idx="0">
+            <a:scrgbClr r="0" g="0" b="0"/>
+          </a:effectRef>
+          <a:fontRef idx="none"/>
+        </p:style>
+        <p:txBody>
+          <a:bodyPr rot="0" spcFirstLastPara="1" vertOverflow="overflow" horzOverflow="overflow" vert="horz" wrap="none" lIns="50800" tIns="50800" rIns="50800" bIns="50800" numCol="1" spcCol="38100" rtlCol="0" anchor="ctr">
+            <a:spAutoFit/>
+          </a:bodyPr>
+          <a:lstStyle/>
+          <a:p>
+            <a:pPr marL="0" marR="0" indent="0" algn="ctr" defTabSz="584200" rtl="0" fontAlgn="auto" latinLnBrk="1" hangingPunct="0">
+              <a:lnSpc>
+                <a:spcPct val="100000"/>
+              </a:lnSpc>
+              <a:spcBef>
+                <a:spcPts val="0"/>
+              </a:spcBef>
+              <a:spcAft>
+                <a:spcPts val="0"/>
+              </a:spcAft>
+              <a:buClrTx/>
+              <a:buSzTx/>
+              <a:buFontTx/>
+              <a:buNone/>
+              <a:tabLst/>
+            </a:pPr>
+            <a:r>
+              <a:rPr kumimoji="0" lang="de-DE" sz="3600" b="0" i="0" u="none" strike="noStrike" cap="none" spc="0" normalizeH="0" baseline="0" dirty="0" err="1" smtClean="0">
+                <a:ln>
+                  <a:noFill/>
+                </a:ln>
+                <a:solidFill>
+                  <a:srgbClr val="000000"/>
+                </a:solidFill>
+                <a:effectLst/>
+                <a:uFillTx/>
+                <a:latin typeface="+mn-lt"/>
+                <a:ea typeface="+mn-ea"/>
+                <a:cs typeface="+mn-cs"/>
+                <a:sym typeface="Helvetica Light"/>
+              </a:rPr>
+              <a:t>Gaussian</a:t>
+            </a:r>
+            <a:endParaRPr kumimoji="0" lang="de-DE" sz="3600" b="0" i="0" u="none" strike="noStrike" cap="none" spc="0" normalizeH="0" baseline="0" dirty="0">
+              <a:ln>
+                <a:noFill/>
+              </a:ln>
+              <a:solidFill>
+                <a:srgbClr val="000000"/>
+              </a:solidFill>
+              <a:effectLst/>
+              <a:uFillTx/>
+              <a:latin typeface="+mn-lt"/>
+              <a:ea typeface="+mn-ea"/>
+              <a:cs typeface="+mn-cs"/>
+              <a:sym typeface="Helvetica Light"/>
+            </a:endParaRPr>
+          </a:p>
+        </p:txBody>
+      </p:sp>
+      <p:pic>
+        <p:nvPicPr>
+          <p:cNvPr id="2" name="Bild 1"/>
+          <p:cNvPicPr>
+            <a:picLocks noChangeAspect="1"/>
+          </p:cNvPicPr>
+          <p:nvPr/>
+        </p:nvPicPr>
+        <p:blipFill>
+          <a:blip r:embed="rId3">
+            <a:extLst>
+              <a:ext uri="{28A0092B-C50C-407E-A947-70E740481C1C}">
+                <a14:useLocalDpi xmlns:a14="http://schemas.microsoft.com/office/drawing/2010/main" val="0"/>
+              </a:ext>
+            </a:extLst>
+          </a:blip>
+          <a:stretch>
+            <a:fillRect/>
+          </a:stretch>
+        </p:blipFill>
+        <p:spPr>
+          <a:xfrm>
+            <a:off x="6729280" y="3858728"/>
+            <a:ext cx="5569857" cy="4064283"/>
+          </a:xfrm>
+          <a:prstGeom prst="rect">
+            <a:avLst/>
+          </a:prstGeom>
+        </p:spPr>
+      </p:pic>
+      <p:sp>
+        <p:nvSpPr>
+          <p:cNvPr id="3" name="Rechteck 2"/>
+          <p:cNvSpPr/>
+          <p:nvPr/>
+        </p:nvSpPr>
+        <p:spPr>
+          <a:xfrm>
+            <a:off x="8017329" y="4980214"/>
+            <a:ext cx="473528" cy="2286000"/>
+          </a:xfrm>
+          <a:prstGeom prst="rect">
+            <a:avLst/>
+          </a:prstGeom>
+          <a:blipFill rotWithShape="1">
+            <a:blip r:embed="rId4">
+              <a:biLevel thresh="25000"/>
+            </a:blip>
+            <a:srcRect/>
+            <a:tile tx="0" ty="0" sx="100000" sy="100000" flip="none" algn="tl"/>
+          </a:blipFill>
+          <a:ln w="12700" cap="flat">
+            <a:noFill/>
+            <a:miter lim="400000"/>
+          </a:ln>
+          <a:effectLst/>
+        </p:spPr>
+        <p:style>
+          <a:lnRef idx="0">
+            <a:scrgbClr r="0" g="0" b="0"/>
+          </a:lnRef>
+          <a:fillRef idx="0">
+            <a:scrgbClr r="0" g="0" b="0"/>
+          </a:fillRef>
+          <a:effectRef idx="0">
+            <a:scrgbClr r="0" g="0" b="0"/>
+          </a:effectRef>
+          <a:fontRef idx="none"/>
+        </p:style>
+        <p:txBody>
+          <a:bodyPr rot="0" spcFirstLastPara="1" vertOverflow="overflow" horzOverflow="overflow" vert="horz" wrap="square" lIns="50800" tIns="50800" rIns="50800" bIns="50800" numCol="1" spcCol="38100" rtlCol="0" anchor="ctr">
+            <a:spAutoFit/>
+          </a:bodyPr>
+          <a:lstStyle/>
+          <a:p>
+            <a:pPr marL="0" marR="0" indent="0" algn="ctr" defTabSz="584200" rtl="0" fontAlgn="auto" latinLnBrk="1" hangingPunct="0">
+              <a:lnSpc>
+                <a:spcPct val="100000"/>
+              </a:lnSpc>
+              <a:spcBef>
+                <a:spcPts val="0"/>
+              </a:spcBef>
+              <a:spcAft>
+                <a:spcPts val="0"/>
+              </a:spcAft>
+              <a:buClrTx/>
+              <a:buSzTx/>
+              <a:buFontTx/>
+              <a:buNone/>
+              <a:tabLst/>
+            </a:pPr>
+            <a:endParaRPr kumimoji="0" lang="de-DE" sz="2400" b="0" i="0" u="none" strike="noStrike" cap="none" spc="0" normalizeH="0" baseline="0">
+              <a:ln>
+                <a:noFill/>
+              </a:ln>
+              <a:solidFill>
+                <a:srgbClr val="FFFFFF"/>
+              </a:solidFill>
+              <a:effectLst/>
+              <a:uFillTx/>
+              <a:latin typeface="+mn-lt"/>
+              <a:ea typeface="+mn-ea"/>
+              <a:cs typeface="+mn-cs"/>
+              <a:sym typeface="Helvetica Light"/>
+            </a:endParaRPr>
+          </a:p>
+        </p:txBody>
+      </p:sp>
     </p:spTree>
   </p:cSld>
   <p:clrMapOvr>
@@ -2063,14 +2412,16 @@
           </a:prstGeom>
         </p:spPr>
         <p:txBody>
-          <a:bodyPr/>
+          <a:bodyPr>
+            <a:normAutofit/>
+          </a:bodyPr>
           <a:lstStyle/>
           <a:p>
             <a:pPr lvl="0">
               <a:defRPr sz="1800"/>
             </a:pPr>
             <a:r>
-              <a:rPr sz="8000"/>
+              <a:rPr sz="6000" dirty="0"/>
               <a:t>Balance of Data</a:t>
             </a:r>
           </a:p>
@@ -2078,13 +2429,19 @@
       </p:sp>
       <p:pic>
         <p:nvPicPr>
-          <p:cNvPr id="79" name="change_Balances_2016-06-24 21:36:55_n=500_replication=200_C=1_kernel=linear_data= dataSimulation([0.8, 0.7, 0.9, -0.3], 1, intercept, n).png"/>
-          <p:cNvPicPr/>
+          <p:cNvPr id="2" name="Bild 1"/>
+          <p:cNvPicPr>
+            <a:picLocks noChangeAspect="1"/>
+          </p:cNvPicPr>
           <p:nvPr/>
         </p:nvPicPr>
         <p:blipFill>
           <a:blip r:embed="rId2">
-            <a:extLst/>
+            <a:extLst>
+              <a:ext uri="{28A0092B-C50C-407E-A947-70E740481C1C}">
+                <a14:useLocalDpi xmlns:a14="http://schemas.microsoft.com/office/drawing/2010/main" val="0"/>
+              </a:ext>
+            </a:extLst>
           </a:blip>
           <a:stretch>
             <a:fillRect/>
@@ -2092,17 +2449,222 @@
         </p:blipFill>
         <p:spPr>
           <a:xfrm>
-            <a:off x="1422400" y="2259756"/>
-            <a:ext cx="10160000" cy="7620001"/>
+            <a:off x="6563323" y="3720859"/>
+            <a:ext cx="5873633" cy="4405225"/>
           </a:xfrm>
           <a:prstGeom prst="rect">
             <a:avLst/>
           </a:prstGeom>
-          <a:ln w="12700">
+        </p:spPr>
+      </p:pic>
+      <p:pic>
+        <p:nvPicPr>
+          <p:cNvPr id="3" name="Bild 2"/>
+          <p:cNvPicPr>
+            <a:picLocks noChangeAspect="1"/>
+          </p:cNvPicPr>
+          <p:nvPr/>
+        </p:nvPicPr>
+        <p:blipFill>
+          <a:blip r:embed="rId3">
+            <a:extLst>
+              <a:ext uri="{28A0092B-C50C-407E-A947-70E740481C1C}">
+                <a14:useLocalDpi xmlns:a14="http://schemas.microsoft.com/office/drawing/2010/main" val="0"/>
+              </a:ext>
+            </a:extLst>
+          </a:blip>
+          <a:stretch>
+            <a:fillRect/>
+          </a:stretch>
+        </p:blipFill>
+        <p:spPr>
+          <a:xfrm>
+            <a:off x="710961" y="3686354"/>
+            <a:ext cx="5722550" cy="4439730"/>
+          </a:xfrm>
+          <a:prstGeom prst="rect">
+            <a:avLst/>
+          </a:prstGeom>
+        </p:spPr>
+      </p:pic>
+      <p:sp>
+        <p:nvSpPr>
+          <p:cNvPr id="4" name="Textfeld 3"/>
+          <p:cNvSpPr txBox="1"/>
+          <p:nvPr/>
+        </p:nvSpPr>
+        <p:spPr>
+          <a:xfrm>
+            <a:off x="3035403" y="2603500"/>
+            <a:ext cx="1384995" cy="656590"/>
+          </a:xfrm>
+          <a:prstGeom prst="rect">
+            <a:avLst/>
+          </a:prstGeom>
+          <a:noFill/>
+          <a:ln w="12700" cap="flat">
+            <a:noFill/>
             <a:miter lim="400000"/>
           </a:ln>
+          <a:effectLst/>
         </p:spPr>
-      </p:pic>
+        <p:style>
+          <a:lnRef idx="0">
+            <a:scrgbClr r="0" g="0" b="0"/>
+          </a:lnRef>
+          <a:fillRef idx="0">
+            <a:scrgbClr r="0" g="0" b="0"/>
+          </a:fillRef>
+          <a:effectRef idx="0">
+            <a:scrgbClr r="0" g="0" b="0"/>
+          </a:effectRef>
+          <a:fontRef idx="none"/>
+        </p:style>
+        <p:txBody>
+          <a:bodyPr rot="0" spcFirstLastPara="1" vertOverflow="overflow" horzOverflow="overflow" vert="horz" wrap="none" lIns="50800" tIns="50800" rIns="50800" bIns="50800" numCol="1" spcCol="38100" rtlCol="0" anchor="ctr">
+            <a:spAutoFit/>
+          </a:bodyPr>
+          <a:lstStyle/>
+          <a:p>
+            <a:pPr marL="0" marR="0" indent="0" algn="ctr" defTabSz="584200" rtl="0" fontAlgn="auto" latinLnBrk="1" hangingPunct="0">
+              <a:lnSpc>
+                <a:spcPct val="100000"/>
+              </a:lnSpc>
+              <a:spcBef>
+                <a:spcPts val="0"/>
+              </a:spcBef>
+              <a:spcAft>
+                <a:spcPts val="0"/>
+              </a:spcAft>
+              <a:buClrTx/>
+              <a:buSzTx/>
+              <a:buFontTx/>
+              <a:buNone/>
+              <a:tabLst/>
+            </a:pPr>
+            <a:r>
+              <a:rPr kumimoji="0" lang="de-DE" sz="3600" b="0" i="0" u="none" strike="noStrike" cap="none" spc="0" normalizeH="0" baseline="0" dirty="0" smtClean="0">
+                <a:ln>
+                  <a:noFill/>
+                </a:ln>
+                <a:solidFill>
+                  <a:srgbClr val="000000"/>
+                </a:solidFill>
+                <a:effectLst/>
+                <a:uFillTx/>
+                <a:latin typeface="+mn-lt"/>
+                <a:ea typeface="+mn-ea"/>
+                <a:cs typeface="+mn-cs"/>
+                <a:sym typeface="Helvetica Light"/>
+              </a:rPr>
+              <a:t>Linear</a:t>
+            </a:r>
+            <a:endParaRPr kumimoji="0" lang="de-DE" sz="3600" b="0" i="0" u="none" strike="noStrike" cap="none" spc="0" normalizeH="0" baseline="0" dirty="0">
+              <a:ln>
+                <a:noFill/>
+              </a:ln>
+              <a:solidFill>
+                <a:srgbClr val="000000"/>
+              </a:solidFill>
+              <a:effectLst/>
+              <a:uFillTx/>
+              <a:latin typeface="+mn-lt"/>
+              <a:ea typeface="+mn-ea"/>
+              <a:cs typeface="+mn-cs"/>
+              <a:sym typeface="Helvetica Light"/>
+            </a:endParaRPr>
+          </a:p>
+        </p:txBody>
+      </p:sp>
+      <p:sp>
+        <p:nvSpPr>
+          <p:cNvPr id="7" name="Textfeld 6"/>
+          <p:cNvSpPr txBox="1"/>
+          <p:nvPr/>
+        </p:nvSpPr>
+        <p:spPr>
+          <a:xfrm>
+            <a:off x="8635244" y="2638006"/>
+            <a:ext cx="2051845" cy="656590"/>
+          </a:xfrm>
+          <a:prstGeom prst="rect">
+            <a:avLst/>
+          </a:prstGeom>
+          <a:noFill/>
+          <a:ln w="12700" cap="flat">
+            <a:noFill/>
+            <a:miter lim="400000"/>
+          </a:ln>
+          <a:effectLst/>
+        </p:spPr>
+        <p:style>
+          <a:lnRef idx="0">
+            <a:scrgbClr r="0" g="0" b="0"/>
+          </a:lnRef>
+          <a:fillRef idx="0">
+            <a:scrgbClr r="0" g="0" b="0"/>
+          </a:fillRef>
+          <a:effectRef idx="0">
+            <a:scrgbClr r="0" g="0" b="0"/>
+          </a:effectRef>
+          <a:fontRef idx="none"/>
+        </p:style>
+        <p:txBody>
+          <a:bodyPr rot="0" spcFirstLastPara="1" vertOverflow="overflow" horzOverflow="overflow" vert="horz" wrap="none" lIns="50800" tIns="50800" rIns="50800" bIns="50800" numCol="1" spcCol="38100" rtlCol="0" anchor="ctr">
+            <a:spAutoFit/>
+          </a:bodyPr>
+          <a:lstStyle/>
+          <a:p>
+            <a:pPr marL="0" marR="0" indent="0" algn="ctr" defTabSz="584200" rtl="0" fontAlgn="auto" latinLnBrk="1" hangingPunct="0">
+              <a:lnSpc>
+                <a:spcPct val="100000"/>
+              </a:lnSpc>
+              <a:spcBef>
+                <a:spcPts val="0"/>
+              </a:spcBef>
+              <a:spcAft>
+                <a:spcPts val="0"/>
+              </a:spcAft>
+              <a:buClrTx/>
+              <a:buSzTx/>
+              <a:buFontTx/>
+              <a:buNone/>
+              <a:tabLst/>
+            </a:pPr>
+            <a:r>
+              <a:rPr kumimoji="0" lang="de-DE" sz="3600" b="0" i="0" u="none" strike="noStrike" cap="none" spc="0" normalizeH="0" baseline="0" dirty="0" err="1" smtClean="0">
+                <a:ln>
+                  <a:noFill/>
+                </a:ln>
+                <a:solidFill>
+                  <a:srgbClr val="000000"/>
+                </a:solidFill>
+                <a:effectLst/>
+                <a:uFillTx/>
+                <a:latin typeface="+mn-lt"/>
+                <a:ea typeface="+mn-ea"/>
+                <a:cs typeface="+mn-cs"/>
+                <a:sym typeface="Helvetica Light"/>
+              </a:rPr>
+              <a:t>Gaussian</a:t>
+            </a:r>
+            <a:endParaRPr kumimoji="0" lang="de-DE" sz="3600" b="0" i="0" u="none" strike="noStrike" cap="none" spc="0" normalizeH="0" baseline="0" dirty="0">
+              <a:ln>
+                <a:noFill/>
+              </a:ln>
+              <a:solidFill>
+                <a:srgbClr val="000000"/>
+              </a:solidFill>
+              <a:effectLst/>
+              <a:uFillTx/>
+              <a:latin typeface="+mn-lt"/>
+              <a:ea typeface="+mn-ea"/>
+              <a:cs typeface="+mn-cs"/>
+              <a:sym typeface="Helvetica Light"/>
+            </a:endParaRPr>
+          </a:p>
+        </p:txBody>
+      </p:sp>
     </p:spTree>
   </p:cSld>
   <p:clrMapOvr>
@@ -2145,7 +2707,9 @@
           </a:prstGeom>
         </p:spPr>
         <p:txBody>
-          <a:bodyPr/>
+          <a:bodyPr>
+            <a:normAutofit/>
+          </a:bodyPr>
           <a:lstStyle>
             <a:lvl1pPr defTabSz="525779">
               <a:defRPr sz="7200"/>
@@ -2156,7 +2720,7 @@
               <a:defRPr sz="1800"/>
             </a:pPr>
             <a:r>
-              <a:rPr sz="7200"/>
+              <a:rPr sz="6000" dirty="0"/>
               <a:t>Number of support vectors</a:t>
             </a:r>
           </a:p>
@@ -2164,13 +2728,19 @@
       </p:sp>
       <p:pic>
         <p:nvPicPr>
-          <p:cNvPr id="82" name="change_Support_Vectors_2016-06-24 20:51:56_n=1000_replication=100_C=1_kernel=linear_data= dataSimulation([0.8, 0.7, 0.9, -0.3], error, 0, n).png"/>
-          <p:cNvPicPr/>
+          <p:cNvPr id="2" name="Bild 1"/>
+          <p:cNvPicPr>
+            <a:picLocks noChangeAspect="1"/>
+          </p:cNvPicPr>
           <p:nvPr/>
         </p:nvPicPr>
         <p:blipFill>
           <a:blip r:embed="rId2">
-            <a:extLst/>
+            <a:extLst>
+              <a:ext uri="{28A0092B-C50C-407E-A947-70E740481C1C}">
+                <a14:useLocalDpi xmlns:a14="http://schemas.microsoft.com/office/drawing/2010/main" val="0"/>
+              </a:ext>
+            </a:extLst>
           </a:blip>
           <a:stretch>
             <a:fillRect/>
@@ -2178,17 +2748,456 @@
         </p:blipFill>
         <p:spPr>
           <a:xfrm>
-            <a:off x="1422400" y="1943100"/>
-            <a:ext cx="10160000" cy="7620000"/>
+            <a:off x="952500" y="3755366"/>
+            <a:ext cx="5290868" cy="3968151"/>
           </a:xfrm>
           <a:prstGeom prst="rect">
             <a:avLst/>
           </a:prstGeom>
-          <a:ln w="12700">
+        </p:spPr>
+      </p:pic>
+      <p:pic>
+        <p:nvPicPr>
+          <p:cNvPr id="4" name="Bild 3"/>
+          <p:cNvPicPr>
+            <a:picLocks noChangeAspect="1"/>
+          </p:cNvPicPr>
+          <p:nvPr/>
+        </p:nvPicPr>
+        <p:blipFill>
+          <a:blip r:embed="rId3">
+            <a:extLst>
+              <a:ext uri="{28A0092B-C50C-407E-A947-70E740481C1C}">
+                <a14:useLocalDpi xmlns:a14="http://schemas.microsoft.com/office/drawing/2010/main" val="0"/>
+              </a:ext>
+            </a:extLst>
+          </a:blip>
+          <a:stretch>
+            <a:fillRect/>
+          </a:stretch>
+        </p:blipFill>
+        <p:spPr>
+          <a:xfrm>
+            <a:off x="6762031" y="3755366"/>
+            <a:ext cx="5290269" cy="3967702"/>
+          </a:xfrm>
+          <a:prstGeom prst="rect">
+            <a:avLst/>
+          </a:prstGeom>
+        </p:spPr>
+      </p:pic>
+      <p:sp>
+        <p:nvSpPr>
+          <p:cNvPr id="7" name="Textfeld 6"/>
+          <p:cNvSpPr txBox="1"/>
+          <p:nvPr/>
+        </p:nvSpPr>
+        <p:spPr>
+          <a:xfrm>
+            <a:off x="3035403" y="2603500"/>
+            <a:ext cx="1384995" cy="656590"/>
+          </a:xfrm>
+          <a:prstGeom prst="rect">
+            <a:avLst/>
+          </a:prstGeom>
+          <a:noFill/>
+          <a:ln w="12700" cap="flat">
+            <a:noFill/>
             <a:miter lim="400000"/>
           </a:ln>
+          <a:effectLst/>
         </p:spPr>
-      </p:pic>
+        <p:style>
+          <a:lnRef idx="0">
+            <a:scrgbClr r="0" g="0" b="0"/>
+          </a:lnRef>
+          <a:fillRef idx="0">
+            <a:scrgbClr r="0" g="0" b="0"/>
+          </a:fillRef>
+          <a:effectRef idx="0">
+            <a:scrgbClr r="0" g="0" b="0"/>
+          </a:effectRef>
+          <a:fontRef idx="none"/>
+        </p:style>
+        <p:txBody>
+          <a:bodyPr rot="0" spcFirstLastPara="1" vertOverflow="overflow" horzOverflow="overflow" vert="horz" wrap="none" lIns="50800" tIns="50800" rIns="50800" bIns="50800" numCol="1" spcCol="38100" rtlCol="0" anchor="ctr">
+            <a:spAutoFit/>
+          </a:bodyPr>
+          <a:lstStyle/>
+          <a:p>
+            <a:pPr marL="0" marR="0" indent="0" algn="ctr" defTabSz="584200" rtl="0" fontAlgn="auto" latinLnBrk="1" hangingPunct="0">
+              <a:lnSpc>
+                <a:spcPct val="100000"/>
+              </a:lnSpc>
+              <a:spcBef>
+                <a:spcPts val="0"/>
+              </a:spcBef>
+              <a:spcAft>
+                <a:spcPts val="0"/>
+              </a:spcAft>
+              <a:buClrTx/>
+              <a:buSzTx/>
+              <a:buFontTx/>
+              <a:buNone/>
+              <a:tabLst/>
+            </a:pPr>
+            <a:r>
+              <a:rPr kumimoji="0" lang="de-DE" sz="3600" b="0" i="0" u="none" strike="noStrike" cap="none" spc="0" normalizeH="0" baseline="0" dirty="0" smtClean="0">
+                <a:ln>
+                  <a:noFill/>
+                </a:ln>
+                <a:solidFill>
+                  <a:srgbClr val="000000"/>
+                </a:solidFill>
+                <a:effectLst/>
+                <a:uFillTx/>
+                <a:latin typeface="+mn-lt"/>
+                <a:ea typeface="+mn-ea"/>
+                <a:cs typeface="+mn-cs"/>
+                <a:sym typeface="Helvetica Light"/>
+              </a:rPr>
+              <a:t>Linear</a:t>
+            </a:r>
+            <a:endParaRPr kumimoji="0" lang="de-DE" sz="3600" b="0" i="0" u="none" strike="noStrike" cap="none" spc="0" normalizeH="0" baseline="0" dirty="0">
+              <a:ln>
+                <a:noFill/>
+              </a:ln>
+              <a:solidFill>
+                <a:srgbClr val="000000"/>
+              </a:solidFill>
+              <a:effectLst/>
+              <a:uFillTx/>
+              <a:latin typeface="+mn-lt"/>
+              <a:ea typeface="+mn-ea"/>
+              <a:cs typeface="+mn-cs"/>
+              <a:sym typeface="Helvetica Light"/>
+            </a:endParaRPr>
+          </a:p>
+        </p:txBody>
+      </p:sp>
+      <p:sp>
+        <p:nvSpPr>
+          <p:cNvPr id="8" name="Textfeld 7"/>
+          <p:cNvSpPr txBox="1"/>
+          <p:nvPr/>
+        </p:nvSpPr>
+        <p:spPr>
+          <a:xfrm>
+            <a:off x="8635244" y="2638006"/>
+            <a:ext cx="2051845" cy="656590"/>
+          </a:xfrm>
+          <a:prstGeom prst="rect">
+            <a:avLst/>
+          </a:prstGeom>
+          <a:noFill/>
+          <a:ln w="12700" cap="flat">
+            <a:noFill/>
+            <a:miter lim="400000"/>
+          </a:ln>
+          <a:effectLst/>
+        </p:spPr>
+        <p:style>
+          <a:lnRef idx="0">
+            <a:scrgbClr r="0" g="0" b="0"/>
+          </a:lnRef>
+          <a:fillRef idx="0">
+            <a:scrgbClr r="0" g="0" b="0"/>
+          </a:fillRef>
+          <a:effectRef idx="0">
+            <a:scrgbClr r="0" g="0" b="0"/>
+          </a:effectRef>
+          <a:fontRef idx="none"/>
+        </p:style>
+        <p:txBody>
+          <a:bodyPr rot="0" spcFirstLastPara="1" vertOverflow="overflow" horzOverflow="overflow" vert="horz" wrap="none" lIns="50800" tIns="50800" rIns="50800" bIns="50800" numCol="1" spcCol="38100" rtlCol="0" anchor="ctr">
+            <a:spAutoFit/>
+          </a:bodyPr>
+          <a:lstStyle/>
+          <a:p>
+            <a:pPr marL="0" marR="0" indent="0" algn="ctr" defTabSz="584200" rtl="0" fontAlgn="auto" latinLnBrk="1" hangingPunct="0">
+              <a:lnSpc>
+                <a:spcPct val="100000"/>
+              </a:lnSpc>
+              <a:spcBef>
+                <a:spcPts val="0"/>
+              </a:spcBef>
+              <a:spcAft>
+                <a:spcPts val="0"/>
+              </a:spcAft>
+              <a:buClrTx/>
+              <a:buSzTx/>
+              <a:buFontTx/>
+              <a:buNone/>
+              <a:tabLst/>
+            </a:pPr>
+            <a:r>
+              <a:rPr kumimoji="0" lang="de-DE" sz="3600" b="0" i="0" u="none" strike="noStrike" cap="none" spc="0" normalizeH="0" baseline="0" dirty="0" err="1" smtClean="0">
+                <a:ln>
+                  <a:noFill/>
+                </a:ln>
+                <a:solidFill>
+                  <a:srgbClr val="000000"/>
+                </a:solidFill>
+                <a:effectLst/>
+                <a:uFillTx/>
+                <a:latin typeface="+mn-lt"/>
+                <a:ea typeface="+mn-ea"/>
+                <a:cs typeface="+mn-cs"/>
+                <a:sym typeface="Helvetica Light"/>
+              </a:rPr>
+              <a:t>Gaussian</a:t>
+            </a:r>
+            <a:endParaRPr kumimoji="0" lang="de-DE" sz="3600" b="0" i="0" u="none" strike="noStrike" cap="none" spc="0" normalizeH="0" baseline="0" dirty="0">
+              <a:ln>
+                <a:noFill/>
+              </a:ln>
+              <a:solidFill>
+                <a:srgbClr val="000000"/>
+              </a:solidFill>
+              <a:effectLst/>
+              <a:uFillTx/>
+              <a:latin typeface="+mn-lt"/>
+              <a:ea typeface="+mn-ea"/>
+              <a:cs typeface="+mn-cs"/>
+              <a:sym typeface="Helvetica Light"/>
+            </a:endParaRPr>
+          </a:p>
+        </p:txBody>
+      </p:sp>
+      <p:sp>
+        <p:nvSpPr>
+          <p:cNvPr id="9" name="Rechteck 8"/>
+          <p:cNvSpPr/>
+          <p:nvPr/>
+        </p:nvSpPr>
+        <p:spPr>
+          <a:xfrm>
+            <a:off x="8017329" y="4980214"/>
+            <a:ext cx="473528" cy="2286000"/>
+          </a:xfrm>
+          <a:prstGeom prst="rect">
+            <a:avLst/>
+          </a:prstGeom>
+          <a:blipFill rotWithShape="1">
+            <a:blip r:embed="rId4">
+              <a:biLevel thresh="25000"/>
+            </a:blip>
+            <a:srcRect/>
+            <a:tile tx="0" ty="0" sx="100000" sy="100000" flip="none" algn="tl"/>
+          </a:blipFill>
+          <a:ln w="12700" cap="flat">
+            <a:noFill/>
+            <a:miter lim="400000"/>
+          </a:ln>
+          <a:effectLst/>
+        </p:spPr>
+        <p:style>
+          <a:lnRef idx="0">
+            <a:scrgbClr r="0" g="0" b="0"/>
+          </a:lnRef>
+          <a:fillRef idx="0">
+            <a:scrgbClr r="0" g="0" b="0"/>
+          </a:fillRef>
+          <a:effectRef idx="0">
+            <a:scrgbClr r="0" g="0" b="0"/>
+          </a:effectRef>
+          <a:fontRef idx="none"/>
+        </p:style>
+        <p:txBody>
+          <a:bodyPr rot="0" spcFirstLastPara="1" vertOverflow="overflow" horzOverflow="overflow" vert="horz" wrap="square" lIns="50800" tIns="50800" rIns="50800" bIns="50800" numCol="1" spcCol="38100" rtlCol="0" anchor="ctr">
+            <a:spAutoFit/>
+          </a:bodyPr>
+          <a:lstStyle/>
+          <a:p>
+            <a:pPr marL="0" marR="0" indent="0" algn="ctr" defTabSz="584200" rtl="0" fontAlgn="auto" latinLnBrk="1" hangingPunct="0">
+              <a:lnSpc>
+                <a:spcPct val="100000"/>
+              </a:lnSpc>
+              <a:spcBef>
+                <a:spcPts val="0"/>
+              </a:spcBef>
+              <a:spcAft>
+                <a:spcPts val="0"/>
+              </a:spcAft>
+              <a:buClrTx/>
+              <a:buSzTx/>
+              <a:buFontTx/>
+              <a:buNone/>
+              <a:tabLst/>
+            </a:pPr>
+            <a:endParaRPr kumimoji="0" lang="de-DE" sz="2400" b="0" i="0" u="none" strike="noStrike" cap="none" spc="0" normalizeH="0" baseline="0">
+              <a:ln>
+                <a:noFill/>
+              </a:ln>
+              <a:solidFill>
+                <a:srgbClr val="FFFFFF"/>
+              </a:solidFill>
+              <a:effectLst/>
+              <a:uFillTx/>
+              <a:latin typeface="+mn-lt"/>
+              <a:ea typeface="+mn-ea"/>
+              <a:cs typeface="+mn-cs"/>
+              <a:sym typeface="Helvetica Light"/>
+            </a:endParaRPr>
+          </a:p>
+        </p:txBody>
+      </p:sp>
+      <p:sp>
+        <p:nvSpPr>
+          <p:cNvPr id="10" name="Rechteck 9"/>
+          <p:cNvSpPr/>
+          <p:nvPr/>
+        </p:nvSpPr>
+        <p:spPr>
+          <a:xfrm>
+            <a:off x="4446876" y="4724841"/>
+            <a:ext cx="940669" cy="2286000"/>
+          </a:xfrm>
+          <a:prstGeom prst="rect">
+            <a:avLst/>
+          </a:prstGeom>
+          <a:blipFill rotWithShape="1">
+            <a:blip r:embed="rId4">
+              <a:biLevel thresh="25000"/>
+            </a:blip>
+            <a:srcRect/>
+            <a:tile tx="0" ty="0" sx="100000" sy="100000" flip="none" algn="tl"/>
+          </a:blipFill>
+          <a:ln w="12700" cap="flat">
+            <a:noFill/>
+            <a:miter lim="400000"/>
+          </a:ln>
+          <a:effectLst/>
+        </p:spPr>
+        <p:style>
+          <a:lnRef idx="0">
+            <a:scrgbClr r="0" g="0" b="0"/>
+          </a:lnRef>
+          <a:fillRef idx="0">
+            <a:scrgbClr r="0" g="0" b="0"/>
+          </a:fillRef>
+          <a:effectRef idx="0">
+            <a:scrgbClr r="0" g="0" b="0"/>
+          </a:effectRef>
+          <a:fontRef idx="none"/>
+        </p:style>
+        <p:txBody>
+          <a:bodyPr rot="0" spcFirstLastPara="1" vertOverflow="overflow" horzOverflow="overflow" vert="horz" wrap="square" lIns="50800" tIns="50800" rIns="50800" bIns="50800" numCol="1" spcCol="38100" rtlCol="0" anchor="ctr">
+            <a:spAutoFit/>
+          </a:bodyPr>
+          <a:lstStyle/>
+          <a:p>
+            <a:pPr marL="0" marR="0" indent="0" algn="ctr" defTabSz="584200" rtl="0" fontAlgn="auto" latinLnBrk="1" hangingPunct="0">
+              <a:lnSpc>
+                <a:spcPct val="100000"/>
+              </a:lnSpc>
+              <a:spcBef>
+                <a:spcPts val="0"/>
+              </a:spcBef>
+              <a:spcAft>
+                <a:spcPts val="0"/>
+              </a:spcAft>
+              <a:buClrTx/>
+              <a:buSzTx/>
+              <a:buFontTx/>
+              <a:buNone/>
+              <a:tabLst/>
+            </a:pPr>
+            <a:endParaRPr kumimoji="0" lang="de-DE" sz="2400" b="0" i="0" u="none" strike="noStrike" cap="none" spc="0" normalizeH="0" baseline="0">
+              <a:ln>
+                <a:noFill/>
+              </a:ln>
+              <a:solidFill>
+                <a:srgbClr val="FFFFFF"/>
+              </a:solidFill>
+              <a:effectLst/>
+              <a:uFillTx/>
+              <a:latin typeface="+mn-lt"/>
+              <a:ea typeface="+mn-ea"/>
+              <a:cs typeface="+mn-cs"/>
+              <a:sym typeface="Helvetica Light"/>
+            </a:endParaRPr>
+          </a:p>
+        </p:txBody>
+      </p:sp>
+      <p:sp>
+        <p:nvSpPr>
+          <p:cNvPr id="11" name="Rechteck 10"/>
+          <p:cNvSpPr/>
+          <p:nvPr/>
+        </p:nvSpPr>
+        <p:spPr>
+          <a:xfrm>
+            <a:off x="10345168" y="4446462"/>
+            <a:ext cx="940669" cy="2286000"/>
+          </a:xfrm>
+          <a:prstGeom prst="rect">
+            <a:avLst/>
+          </a:prstGeom>
+          <a:blipFill rotWithShape="1">
+            <a:blip r:embed="rId4">
+              <a:biLevel thresh="25000"/>
+            </a:blip>
+            <a:srcRect/>
+            <a:tile tx="0" ty="0" sx="100000" sy="100000" flip="none" algn="tl"/>
+          </a:blipFill>
+          <a:ln w="12700" cap="flat">
+            <a:noFill/>
+            <a:miter lim="400000"/>
+          </a:ln>
+          <a:effectLst/>
+        </p:spPr>
+        <p:style>
+          <a:lnRef idx="0">
+            <a:scrgbClr r="0" g="0" b="0"/>
+          </a:lnRef>
+          <a:fillRef idx="0">
+            <a:scrgbClr r="0" g="0" b="0"/>
+          </a:fillRef>
+          <a:effectRef idx="0">
+            <a:scrgbClr r="0" g="0" b="0"/>
+          </a:effectRef>
+          <a:fontRef idx="none"/>
+        </p:style>
+        <p:txBody>
+          <a:bodyPr rot="0" spcFirstLastPara="1" vertOverflow="overflow" horzOverflow="overflow" vert="horz" wrap="square" lIns="50800" tIns="50800" rIns="50800" bIns="50800" numCol="1" spcCol="38100" rtlCol="0" anchor="ctr">
+            <a:spAutoFit/>
+          </a:bodyPr>
+          <a:lstStyle/>
+          <a:p>
+            <a:pPr marL="0" marR="0" indent="0" algn="ctr" defTabSz="584200" rtl="0" fontAlgn="auto" latinLnBrk="1" hangingPunct="0">
+              <a:lnSpc>
+                <a:spcPct val="100000"/>
+              </a:lnSpc>
+              <a:spcBef>
+                <a:spcPts val="0"/>
+              </a:spcBef>
+              <a:spcAft>
+                <a:spcPts val="0"/>
+              </a:spcAft>
+              <a:buClrTx/>
+              <a:buSzTx/>
+              <a:buFontTx/>
+              <a:buNone/>
+              <a:tabLst/>
+            </a:pPr>
+            <a:endParaRPr kumimoji="0" lang="de-DE" sz="2400" b="0" i="0" u="none" strike="noStrike" cap="none" spc="0" normalizeH="0" baseline="0">
+              <a:ln>
+                <a:noFill/>
+              </a:ln>
+              <a:solidFill>
+                <a:srgbClr val="FFFFFF"/>
+              </a:solidFill>
+              <a:effectLst/>
+              <a:uFillTx/>
+              <a:latin typeface="+mn-lt"/>
+              <a:ea typeface="+mn-ea"/>
+              <a:cs typeface="+mn-cs"/>
+              <a:sym typeface="Helvetica Light"/>
+            </a:endParaRPr>
+          </a:p>
+        </p:txBody>
+      </p:sp>
     </p:spTree>
   </p:cSld>
   <p:clrMapOvr>
@@ -2231,14 +3240,16 @@
           </a:prstGeom>
         </p:spPr>
         <p:txBody>
-          <a:bodyPr/>
+          <a:bodyPr>
+            <a:normAutofit/>
+          </a:bodyPr>
           <a:lstStyle/>
           <a:p>
             <a:pPr lvl="0">
               <a:defRPr sz="1800"/>
             </a:pPr>
             <a:r>
-              <a:rPr sz="8000"/>
+              <a:rPr sz="6000" dirty="0"/>
               <a:t>Conclusion</a:t>
             </a:r>
           </a:p>
@@ -2271,27 +3282,86 @@
               <a:defRPr sz="1800"/>
             </a:pPr>
             <a:r>
-              <a:rPr sz="3600"/>
-              <a:t>the C parameter</a:t>
-            </a:r>
+              <a:rPr lang="de-DE" sz="3600" b="1" dirty="0" smtClean="0"/>
+              <a:t>C-Parameter</a:t>
+            </a:r>
+            <a:r>
+              <a:rPr lang="de-DE" sz="3600" dirty="0" smtClean="0"/>
+              <a:t>: </a:t>
+            </a:r>
+            <a:r>
+              <a:rPr lang="de-DE" sz="3600" dirty="0" err="1" smtClean="0"/>
+              <a:t>both</a:t>
+            </a:r>
+            <a:r>
+              <a:rPr lang="de-DE" sz="3600" dirty="0" smtClean="0"/>
+              <a:t> same</a:t>
+            </a:r>
+            <a:endParaRPr sz="3600" dirty="0" smtClean="0"/>
           </a:p>
           <a:p>
             <a:pPr lvl="0">
               <a:defRPr sz="1800"/>
             </a:pPr>
             <a:r>
-              <a:rPr sz="3600"/>
-              <a:t>the balance of the data</a:t>
-            </a:r>
+              <a:rPr lang="de-DE" sz="3600" b="1" dirty="0" smtClean="0"/>
+              <a:t>Balance </a:t>
+            </a:r>
+            <a:r>
+              <a:rPr lang="de-DE" sz="3600" b="1" dirty="0" err="1" smtClean="0"/>
+              <a:t>of</a:t>
+            </a:r>
+            <a:r>
+              <a:rPr lang="de-DE" sz="3600" b="1" dirty="0" smtClean="0"/>
+              <a:t> Data</a:t>
+            </a:r>
+            <a:r>
+              <a:rPr lang="de-DE" sz="3600" dirty="0" smtClean="0"/>
+              <a:t>: </a:t>
+            </a:r>
+            <a:r>
+              <a:rPr lang="de-DE" sz="3600" dirty="0" err="1" smtClean="0"/>
+              <a:t>differnt</a:t>
+            </a:r>
+            <a:endParaRPr lang="de-DE" sz="3600" dirty="0" smtClean="0"/>
           </a:p>
           <a:p>
             <a:pPr lvl="0">
               <a:defRPr sz="1800"/>
             </a:pPr>
             <a:r>
-              <a:rPr sz="3600"/>
-              <a:t>the number of support vectors</a:t>
-            </a:r>
+              <a:rPr lang="de-DE" sz="3600" b="1" dirty="0" smtClean="0"/>
+              <a:t>The </a:t>
+            </a:r>
+            <a:r>
+              <a:rPr lang="de-DE" sz="3600" b="1" dirty="0" err="1" smtClean="0"/>
+              <a:t>attribute</a:t>
+            </a:r>
+            <a:r>
+              <a:rPr lang="de-DE" sz="3600" b="1" dirty="0" smtClean="0"/>
+              <a:t> </a:t>
+            </a:r>
+            <a:r>
+              <a:rPr sz="3600" b="1" dirty="0" smtClean="0"/>
+              <a:t>number </a:t>
+            </a:r>
+            <a:r>
+              <a:rPr sz="3600" b="1" dirty="0"/>
+              <a:t>of support </a:t>
+            </a:r>
+            <a:r>
+              <a:rPr sz="3600" b="1" dirty="0" smtClean="0"/>
+              <a:t>vector</a:t>
+            </a:r>
+            <a:r>
+              <a:rPr lang="de-DE" sz="3600" b="1" dirty="0" smtClean="0"/>
+              <a:t>s: </a:t>
+            </a:r>
+            <a:r>
+              <a:rPr lang="de-DE" sz="3600" dirty="0" smtClean="0"/>
+              <a:t>different</a:t>
+            </a:r>
+            <a:endParaRPr sz="3600" dirty="0"/>
           </a:p>
         </p:txBody>
       </p:sp>
@@ -2303,8 +3373,8 @@
         </p:nvSpPr>
         <p:spPr>
           <a:xfrm>
-            <a:off x="825118" y="2914650"/>
-            <a:ext cx="11354563" cy="647701"/>
+            <a:off x="2180722" y="2910206"/>
+            <a:ext cx="8643392" cy="656590"/>
           </a:xfrm>
           <a:prstGeom prst="rect">
             <a:avLst/>
@@ -2328,9 +3398,34 @@
               <a:defRPr sz="1800"/>
             </a:pPr>
             <a:r>
-              <a:rPr sz="3600"/>
-              <a:t>The variance of a support vector machine depends on </a:t>
-            </a:r>
+              <a:rPr lang="de-DE" sz="3600" dirty="0" err="1" smtClean="0"/>
+              <a:t>Influence</a:t>
+            </a:r>
+            <a:r>
+              <a:rPr lang="de-DE" sz="3600" dirty="0" smtClean="0"/>
+              <a:t> </a:t>
+            </a:r>
+            <a:r>
+              <a:rPr lang="de-DE" sz="3600" dirty="0" err="1" smtClean="0"/>
+              <a:t>of</a:t>
+            </a:r>
+            <a:r>
+              <a:rPr lang="de-DE" sz="3600" dirty="0" smtClean="0"/>
+              <a:t> different </a:t>
+            </a:r>
+            <a:r>
+              <a:rPr lang="de-DE" sz="3600" dirty="0" err="1" smtClean="0"/>
+              <a:t>aspects</a:t>
+            </a:r>
+            <a:r>
+              <a:rPr lang="de-DE" sz="3600" dirty="0" smtClean="0"/>
+              <a:t> on </a:t>
+            </a:r>
+            <a:r>
+              <a:rPr lang="de-DE" sz="3600" dirty="0" err="1" smtClean="0"/>
+              <a:t>variance</a:t>
+            </a:r>
+            <a:endParaRPr sz="3600" dirty="0"/>
           </a:p>
         </p:txBody>
       </p:sp>
@@ -2488,14 +3583,16 @@
           </a:prstGeom>
         </p:spPr>
         <p:txBody>
-          <a:bodyPr/>
+          <a:bodyPr>
+            <a:normAutofit/>
+          </a:bodyPr>
           <a:lstStyle/>
           <a:p>
             <a:pPr lvl="0">
               <a:defRPr sz="1800"/>
             </a:pPr>
             <a:r>
-              <a:rPr sz="8000" dirty="0"/>
+              <a:rPr sz="6000" dirty="0"/>
               <a:t>Support Vector Machine</a:t>
             </a:r>
           </a:p>
@@ -2512,51 +3609,222 @@
           </p:nvPr>
         </p:nvSpPr>
         <p:spPr>
+          <a:xfrm>
+            <a:off x="952500" y="3609244"/>
+            <a:ext cx="5155002" cy="5160274"/>
+          </a:xfrm>
           <a:prstGeom prst="rect">
             <a:avLst/>
           </a:prstGeom>
         </p:spPr>
         <p:txBody>
-          <a:bodyPr/>
+          <a:bodyPr>
+            <a:normAutofit fontScale="92500" lnSpcReduction="10000"/>
+          </a:bodyPr>
           <a:lstStyle/>
           <a:p>
             <a:pPr lvl="0">
               <a:defRPr sz="1800"/>
             </a:pPr>
             <a:r>
-              <a:rPr sz="3600" dirty="0"/>
-              <a:t>repetition</a:t>
-            </a:r>
+              <a:rPr lang="de-DE" sz="3600" dirty="0" err="1" smtClean="0"/>
+              <a:t>Uses</a:t>
+            </a:r>
+            <a:r>
+              <a:rPr lang="de-DE" sz="3600" dirty="0" smtClean="0"/>
+              <a:t> hyperplane in </a:t>
+            </a:r>
+            <a:r>
+              <a:rPr lang="de-DE" sz="3600" dirty="0" err="1" smtClean="0"/>
+              <a:t>feature</a:t>
+            </a:r>
+            <a:r>
+              <a:rPr lang="de-DE" sz="3600" dirty="0" smtClean="0"/>
+              <a:t> </a:t>
+            </a:r>
+            <a:r>
+              <a:rPr lang="de-DE" sz="3600" dirty="0" err="1" smtClean="0"/>
+              <a:t>space</a:t>
+            </a:r>
+            <a:r>
+              <a:rPr lang="de-DE" sz="3600" dirty="0" smtClean="0"/>
+              <a:t> </a:t>
+            </a:r>
+            <a:r>
+              <a:rPr lang="de-DE" sz="3600" dirty="0" err="1" smtClean="0"/>
+              <a:t>to</a:t>
+            </a:r>
+            <a:r>
+              <a:rPr lang="de-DE" sz="3600" dirty="0" smtClean="0"/>
+              <a:t> </a:t>
+            </a:r>
+            <a:r>
+              <a:rPr lang="de-DE" sz="3600" dirty="0" err="1" smtClean="0"/>
+              <a:t>seperate</a:t>
+            </a:r>
+            <a:r>
+              <a:rPr lang="de-DE" sz="3600" dirty="0" smtClean="0"/>
+              <a:t> </a:t>
+            </a:r>
+            <a:r>
+              <a:rPr lang="de-DE" sz="3600" dirty="0" err="1" smtClean="0"/>
+              <a:t>data</a:t>
+            </a:r>
+            <a:endParaRPr lang="de-DE" sz="3600" dirty="0" smtClean="0"/>
           </a:p>
           <a:p>
             <a:pPr lvl="0">
               <a:defRPr sz="1800"/>
             </a:pPr>
             <a:r>
-              <a:rPr sz="3600" dirty="0"/>
-              <a:t>no distribution</a:t>
-            </a:r>
+              <a:rPr lang="de-DE" sz="3600" dirty="0" smtClean="0"/>
+              <a:t>Dimension </a:t>
+            </a:r>
+            <a:r>
+              <a:rPr lang="de-DE" sz="3600" dirty="0" err="1" smtClean="0"/>
+              <a:t>of</a:t>
+            </a:r>
+            <a:r>
+              <a:rPr lang="de-DE" sz="3600" dirty="0" smtClean="0"/>
+              <a:t> </a:t>
+            </a:r>
+            <a:r>
+              <a:rPr lang="de-DE" sz="3600" dirty="0" err="1" smtClean="0"/>
+              <a:t>feature</a:t>
+            </a:r>
+            <a:r>
+              <a:rPr lang="de-DE" sz="3600" dirty="0" smtClean="0"/>
+              <a:t> </a:t>
+            </a:r>
+            <a:r>
+              <a:rPr lang="de-DE" sz="3600" dirty="0" err="1" smtClean="0"/>
+              <a:t>space</a:t>
+            </a:r>
+            <a:r>
+              <a:rPr lang="de-DE" sz="3600" dirty="0" smtClean="0"/>
+              <a:t> </a:t>
+            </a:r>
+            <a:r>
+              <a:rPr lang="de-DE" sz="3600" dirty="0" err="1" smtClean="0"/>
+              <a:t>controlled</a:t>
+            </a:r>
+            <a:r>
+              <a:rPr lang="de-DE" sz="3600" dirty="0" smtClean="0"/>
+              <a:t> </a:t>
+            </a:r>
+            <a:r>
+              <a:rPr lang="de-DE" sz="3600" dirty="0" err="1" smtClean="0"/>
+              <a:t>by</a:t>
+            </a:r>
+            <a:r>
+              <a:rPr lang="de-DE" sz="3600" dirty="0" smtClean="0"/>
+              <a:t> </a:t>
+            </a:r>
+            <a:r>
+              <a:rPr lang="de-DE" sz="3600" dirty="0" err="1" smtClean="0"/>
+              <a:t>choice</a:t>
+            </a:r>
+            <a:r>
+              <a:rPr lang="de-DE" sz="3600" dirty="0" smtClean="0"/>
+              <a:t> </a:t>
+            </a:r>
+            <a:r>
+              <a:rPr lang="de-DE" sz="3600" dirty="0" err="1" smtClean="0"/>
+              <a:t>of</a:t>
+            </a:r>
+            <a:r>
+              <a:rPr lang="de-DE" sz="3600" dirty="0" smtClean="0"/>
+              <a:t> </a:t>
+            </a:r>
+            <a:r>
+              <a:rPr lang="de-DE" sz="3600" dirty="0" err="1" smtClean="0"/>
+              <a:t>kernel</a:t>
+            </a:r>
+            <a:r>
+              <a:rPr lang="de-DE" sz="3600" dirty="0" smtClean="0"/>
+              <a:t> </a:t>
+            </a:r>
+            <a:r>
+              <a:rPr lang="de-DE" sz="3600" dirty="0" err="1" smtClean="0"/>
+              <a:t>function</a:t>
+            </a:r>
+            <a:endParaRPr lang="de-DE" sz="3600" dirty="0" smtClean="0"/>
           </a:p>
           <a:p>
             <a:pPr lvl="0">
               <a:defRPr sz="1800"/>
             </a:pPr>
             <a:r>
-              <a:rPr sz="3600" dirty="0"/>
-              <a:t>no variance</a:t>
+              <a:rPr lang="de-DE" sz="3600" dirty="0" err="1" smtClean="0"/>
+              <a:t>Commen</a:t>
+            </a:r>
+            <a:r>
+              <a:rPr lang="de-DE" sz="3600" dirty="0" smtClean="0"/>
+              <a:t> Kernels: linear, </a:t>
+            </a:r>
+            <a:r>
+              <a:rPr lang="de-DE" sz="3600" dirty="0" err="1" smtClean="0"/>
+              <a:t>polynomial</a:t>
+            </a:r>
+            <a:r>
+              <a:rPr lang="de-DE" sz="3600" dirty="0" smtClean="0"/>
+              <a:t>, </a:t>
+            </a:r>
+            <a:r>
+              <a:rPr lang="de-DE" sz="3600" dirty="0" err="1" smtClean="0"/>
+              <a:t>gaussian</a:t>
+            </a:r>
+            <a:r>
+              <a:rPr lang="de-DE" sz="3600" dirty="0" smtClean="0"/>
+              <a:t>(</a:t>
+            </a:r>
+            <a:r>
+              <a:rPr lang="de-DE" sz="3600" dirty="0" err="1" smtClean="0"/>
+              <a:t>rbf</a:t>
+            </a:r>
+            <a:r>
+              <a:rPr lang="de-DE" sz="3600" dirty="0" smtClean="0"/>
+              <a:t>)</a:t>
             </a:r>
           </a:p>
           <a:p>
             <a:pPr lvl="0">
               <a:defRPr sz="1800"/>
             </a:pPr>
-            <a:r>
-              <a:rPr sz="3600" dirty="0"/>
-              <a:t>no confidence intervals</a:t>
-            </a:r>
+            <a:endParaRPr sz="3600" dirty="0"/>
           </a:p>
         </p:txBody>
       </p:sp>
+      <p:pic>
+        <p:nvPicPr>
+          <p:cNvPr id="5" name="Bild 4"/>
+          <p:cNvPicPr>
+            <a:picLocks noChangeAspect="1"/>
+          </p:cNvPicPr>
+          <p:nvPr/>
+        </p:nvPicPr>
+        <p:blipFill>
+          <a:blip r:embed="rId2">
+            <a:extLst>
+              <a:ext uri="{28A0092B-C50C-407E-A947-70E740481C1C}">
+                <a14:useLocalDpi xmlns:a14="http://schemas.microsoft.com/office/drawing/2010/main" val="0"/>
+              </a:ext>
+            </a:extLst>
+          </a:blip>
+          <a:stretch>
+            <a:fillRect/>
+          </a:stretch>
+        </p:blipFill>
+        <p:spPr>
+          <a:xfrm>
+            <a:off x="6296774" y="3593669"/>
+            <a:ext cx="5883724" cy="4412793"/>
+          </a:xfrm>
+          <a:prstGeom prst="rect">
+            <a:avLst/>
+          </a:prstGeom>
+        </p:spPr>
+      </p:pic>
     </p:spTree>
   </p:cSld>
   <p:clrMapOvr>
@@ -2599,16 +3867,31 @@
           </a:prstGeom>
         </p:spPr>
         <p:txBody>
-          <a:bodyPr/>
+          <a:bodyPr>
+            <a:normAutofit/>
+          </a:bodyPr>
           <a:lstStyle/>
           <a:p>
             <a:pPr lvl="0">
               <a:defRPr sz="1800"/>
             </a:pPr>
             <a:r>
-              <a:rPr sz="8000"/>
-              <a:t>Problem</a:t>
-            </a:r>
+              <a:rPr lang="de-DE" sz="6000" dirty="0" err="1" smtClean="0"/>
+              <a:t>Why</a:t>
+            </a:r>
+            <a:r>
+              <a:rPr lang="de-DE" sz="6000" dirty="0" smtClean="0"/>
+              <a:t> </a:t>
+            </a:r>
+            <a:r>
+              <a:rPr lang="de-DE" sz="6000" dirty="0" err="1" smtClean="0"/>
+              <a:t>use</a:t>
+            </a:r>
+            <a:r>
+              <a:rPr lang="de-DE" sz="6000" dirty="0" smtClean="0"/>
+              <a:t> Bootstrapping ?</a:t>
+            </a:r>
+            <a:endParaRPr sz="6000" dirty="0"/>
           </a:p>
         </p:txBody>
       </p:sp>
@@ -2672,16 +3955,111 @@
         </p:nvSpPr>
         <p:spPr>
           <a:xfrm>
-            <a:off x="952500" y="2603500"/>
-            <a:ext cx="11099800" cy="2159000"/>
+            <a:off x="7504434" y="2871393"/>
+            <a:ext cx="4210238" cy="6502644"/>
           </a:xfrm>
           <a:prstGeom prst="rect">
             <a:avLst/>
           </a:prstGeom>
         </p:spPr>
         <p:txBody>
-          <a:bodyPr/>
+          <a:bodyPr>
+            <a:normAutofit/>
+          </a:bodyPr>
           <a:lstStyle/>
+          <a:p>
+            <a:pPr marL="342264" indent="-342264" defTabSz="449833">
+              <a:spcBef>
+                <a:spcPts val="3200"/>
+              </a:spcBef>
+              <a:defRPr sz="1800"/>
+            </a:pPr>
+            <a:r>
+              <a:rPr lang="de-DE" sz="2772" b="1" dirty="0"/>
+              <a:t>Goal: </a:t>
+            </a:r>
+            <a:r>
+              <a:rPr lang="de-DE" sz="2772" dirty="0"/>
+              <a:t>Find </a:t>
+            </a:r>
+            <a:r>
+              <a:rPr lang="de-DE" sz="2772" dirty="0" err="1"/>
+              <a:t>influence</a:t>
+            </a:r>
+            <a:r>
+              <a:rPr lang="de-DE" sz="2772" dirty="0"/>
+              <a:t> </a:t>
+            </a:r>
+            <a:r>
+              <a:rPr lang="de-DE" sz="2772" dirty="0" err="1"/>
+              <a:t>of</a:t>
+            </a:r>
+            <a:r>
+              <a:rPr lang="de-DE" sz="2772" dirty="0"/>
+              <a:t> </a:t>
+            </a:r>
+            <a:r>
+              <a:rPr lang="de-DE" sz="2772" dirty="0" err="1"/>
+              <a:t>tuning</a:t>
+            </a:r>
+            <a:r>
+              <a:rPr lang="de-DE" sz="2772" dirty="0"/>
+              <a:t> </a:t>
+            </a:r>
+            <a:r>
+              <a:rPr lang="de-DE" sz="2772" dirty="0" err="1"/>
+              <a:t>parameters</a:t>
+            </a:r>
+            <a:r>
+              <a:rPr lang="de-DE" sz="2772" dirty="0"/>
+              <a:t>, </a:t>
+            </a:r>
+            <a:r>
+              <a:rPr lang="de-DE" sz="2772" dirty="0" err="1"/>
+              <a:t>data</a:t>
+            </a:r>
+            <a:r>
+              <a:rPr lang="de-DE" sz="2772" dirty="0"/>
+              <a:t>-distribution </a:t>
+            </a:r>
+            <a:r>
+              <a:rPr lang="de-DE" sz="2772" dirty="0" err="1"/>
+              <a:t>and</a:t>
+            </a:r>
+            <a:r>
+              <a:rPr lang="de-DE" sz="2772" dirty="0"/>
+              <a:t> </a:t>
+            </a:r>
+            <a:r>
+              <a:rPr lang="de-DE" sz="2772" dirty="0" err="1"/>
+              <a:t>svm</a:t>
+            </a:r>
+            <a:r>
+              <a:rPr lang="de-DE" sz="2772" dirty="0"/>
+              <a:t>-attributes on </a:t>
+            </a:r>
+            <a:r>
+              <a:rPr lang="de-DE" sz="2772" dirty="0" err="1"/>
+              <a:t>variances</a:t>
+            </a:r>
+            <a:r>
+              <a:rPr lang="de-DE" sz="2772" dirty="0"/>
+              <a:t> </a:t>
+            </a:r>
+            <a:r>
+              <a:rPr lang="de-DE" sz="2772" dirty="0" err="1"/>
+              <a:t>of</a:t>
+            </a:r>
+            <a:r>
+              <a:rPr lang="de-DE" sz="2772" dirty="0"/>
+              <a:t> </a:t>
+            </a:r>
+            <a:r>
+              <a:rPr lang="de-DE" sz="2772" dirty="0" err="1" smtClean="0"/>
+              <a:t>predictions</a:t>
+            </a:r>
+            <a:endParaRPr lang="de-DE" sz="2772" dirty="0" smtClean="0"/>
+          </a:p>
           <a:p>
             <a:pPr marL="342264" lvl="0" indent="-342264" defTabSz="449833">
               <a:spcBef>
@@ -2690,9 +4068,70 @@
               <a:defRPr sz="1800"/>
             </a:pPr>
             <a:r>
-              <a:rPr sz="2772"/>
-              <a:t>no distribution</a:t>
-            </a:r>
+              <a:rPr lang="de-DE" sz="2772" b="1" dirty="0" smtClean="0"/>
+              <a:t>Problem: </a:t>
+            </a:r>
+            <a:r>
+              <a:rPr lang="de-DE" sz="2772" dirty="0"/>
+              <a:t>N</a:t>
+            </a:r>
+            <a:r>
+              <a:rPr sz="2772" dirty="0" smtClean="0"/>
+              <a:t>o </a:t>
+            </a:r>
+            <a:r>
+              <a:rPr lang="de-DE" sz="2772" dirty="0" err="1" smtClean="0"/>
+              <a:t>way</a:t>
+            </a:r>
+            <a:r>
+              <a:rPr lang="de-DE" sz="2772" dirty="0" smtClean="0"/>
+              <a:t> </a:t>
+            </a:r>
+            <a:r>
+              <a:rPr lang="de-DE" sz="2772" dirty="0" err="1" smtClean="0"/>
+              <a:t>to</a:t>
+            </a:r>
+            <a:r>
+              <a:rPr lang="de-DE" sz="2772" dirty="0" smtClean="0"/>
+              <a:t> </a:t>
+            </a:r>
+            <a:r>
+              <a:rPr lang="de-DE" sz="2772" dirty="0" err="1" smtClean="0"/>
+              <a:t>calculate</a:t>
+            </a:r>
+            <a:r>
+              <a:rPr lang="de-DE" sz="2772" dirty="0" smtClean="0"/>
+              <a:t> </a:t>
+            </a:r>
+            <a:r>
+              <a:rPr lang="de-DE" sz="2772" dirty="0" err="1" smtClean="0"/>
+              <a:t>uncertaincy</a:t>
+            </a:r>
+            <a:r>
+              <a:rPr lang="de-DE" sz="2772" dirty="0" smtClean="0"/>
+              <a:t> (</a:t>
+            </a:r>
+            <a:r>
+              <a:rPr lang="de-DE" sz="2772" dirty="0" err="1" smtClean="0"/>
+              <a:t>variance</a:t>
+            </a:r>
+            <a:r>
+              <a:rPr lang="de-DE" sz="2772" dirty="0" smtClean="0"/>
+              <a:t>) </a:t>
+            </a:r>
+            <a:r>
+              <a:rPr lang="de-DE" sz="2772" dirty="0" err="1" smtClean="0"/>
+              <a:t>of</a:t>
+            </a:r>
+            <a:r>
+              <a:rPr lang="de-DE" sz="2772" dirty="0" smtClean="0"/>
+              <a:t> </a:t>
+            </a:r>
+            <a:r>
+              <a:rPr lang="de-DE" sz="2772" dirty="0" err="1" smtClean="0"/>
+              <a:t>predicitons</a:t>
+            </a:r>
+            <a:endParaRPr sz="2772" dirty="0"/>
           </a:p>
           <a:p>
             <a:pPr marL="342264" lvl="0" indent="-342264" defTabSz="449833">
@@ -2702,8 +4141,40 @@
               <a:defRPr sz="1800"/>
             </a:pPr>
             <a:r>
-              <a:rPr sz="2772"/>
-              <a:t>no variance</a:t>
+              <a:rPr lang="de-DE" sz="2772" b="1" dirty="0" smtClean="0"/>
+              <a:t>Solution</a:t>
+            </a:r>
+            <a:r>
+              <a:rPr lang="de-DE" sz="2772" b="1" dirty="0" smtClean="0"/>
+              <a:t>: </a:t>
+            </a:r>
+            <a:r>
+              <a:rPr lang="de-DE" sz="2772" dirty="0" err="1"/>
+              <a:t>C</a:t>
+            </a:r>
+            <a:r>
+              <a:rPr lang="de-DE" sz="2772" dirty="0" err="1" smtClean="0"/>
+              <a:t>alculate</a:t>
+            </a:r>
+            <a:r>
+              <a:rPr lang="de-DE" sz="2772" dirty="0" smtClean="0"/>
+              <a:t> sample </a:t>
+            </a:r>
+            <a:r>
+              <a:rPr lang="de-DE" sz="2772" dirty="0" err="1" smtClean="0"/>
+              <a:t>variance</a:t>
+            </a:r>
+            <a:r>
+              <a:rPr lang="de-DE" sz="2772" dirty="0" smtClean="0"/>
+              <a:t> </a:t>
+            </a:r>
+            <a:r>
+              <a:rPr lang="de-DE" sz="2772" dirty="0" err="1" smtClean="0"/>
+              <a:t>based</a:t>
+            </a:r>
+            <a:r>
+              <a:rPr lang="de-DE" sz="2772" dirty="0" smtClean="0"/>
+              <a:t> on bootstrapping</a:t>
             </a:r>
           </a:p>
           <a:p>
@@ -2713,49 +4184,7 @@
               </a:spcBef>
               <a:defRPr sz="1800"/>
             </a:pPr>
-            <a:r>
-              <a:rPr sz="2772"/>
-              <a:t>no confidence intervals</a:t>
-            </a:r>
-          </a:p>
-        </p:txBody>
-      </p:sp>
-      <p:sp>
-        <p:nvSpPr>
-          <p:cNvPr id="41" name="Shape 41"/>
-          <p:cNvSpPr/>
-          <p:nvPr/>
-        </p:nvSpPr>
-        <p:spPr>
-          <a:xfrm>
-            <a:off x="972489" y="7283450"/>
-            <a:ext cx="5421022" cy="647701"/>
-          </a:xfrm>
-          <a:prstGeom prst="rect">
-            <a:avLst/>
-          </a:prstGeom>
-          <a:ln w="12700">
-            <a:miter lim="400000"/>
-          </a:ln>
-          <a:extLst>
-            <a:ext uri="{C572A759-6A51-4108-AA02-DFA0A04FC94B}">
-              <ma14:wrappingTextBoxFlag xmlns:ma14="http://schemas.microsoft.com/office/mac/drawingml/2011/main" val="1"/>
-            </a:ext>
-          </a:extLst>
-        </p:spPr>
-        <p:txBody>
-          <a:bodyPr wrap="none" lIns="50800" tIns="50800" rIns="50800" bIns="50800" anchor="ctr">
-            <a:spAutoFit/>
-          </a:bodyPr>
-          <a:lstStyle/>
-          <a:p>
-            <a:pPr lvl="0">
-              <a:defRPr sz="1800"/>
-            </a:pPr>
-            <a:r>
-              <a:rPr sz="3600"/>
-              <a:t>-&gt; Bootstrapping the SVM</a:t>
-            </a:r>
+            <a:endParaRPr sz="2772" dirty="0"/>
           </a:p>
         </p:txBody>
       </p:sp>
@@ -2781,8 +4210,8 @@
         </p:blipFill>
         <p:spPr>
           <a:xfrm>
-            <a:off x="5940658" y="2268367"/>
-            <a:ext cx="6346216" cy="4759663"/>
+            <a:off x="476275" y="2603500"/>
+            <a:ext cx="7028159" cy="5271120"/>
           </a:xfrm>
           <a:prstGeom prst="rect">
             <a:avLst/>
@@ -2831,16 +4260,31 @@
           </a:prstGeom>
         </p:spPr>
         <p:txBody>
-          <a:bodyPr/>
+          <a:bodyPr>
+            <a:normAutofit/>
+          </a:bodyPr>
           <a:lstStyle/>
           <a:p>
             <a:pPr lvl="0">
               <a:defRPr sz="1800"/>
             </a:pPr>
             <a:r>
-              <a:rPr sz="8000"/>
-              <a:t>What is Bootstrap</a:t>
-            </a:r>
+              <a:rPr lang="de-DE" sz="6000" dirty="0" err="1" smtClean="0"/>
+              <a:t>Application</a:t>
+            </a:r>
+            <a:r>
+              <a:rPr lang="de-DE" sz="6000" dirty="0" smtClean="0"/>
+              <a:t> </a:t>
+            </a:r>
+            <a:r>
+              <a:rPr lang="de-DE" sz="6000" dirty="0" err="1" smtClean="0"/>
+              <a:t>of</a:t>
+            </a:r>
+            <a:r>
+              <a:rPr sz="6000" dirty="0" smtClean="0"/>
+              <a:t> Bootstrap</a:t>
+            </a:r>
+            <a:endParaRPr sz="6000" dirty="0"/>
           </a:p>
         </p:txBody>
       </p:sp>
@@ -2867,36 +4311,14 @@
               <a:defRPr sz="1800"/>
             </a:pPr>
             <a:r>
-              <a:rPr sz="3600"/>
-              <a:t>practice to estimate properties of an estimator</a:t>
-            </a:r>
-          </a:p>
-          <a:p>
-            <a:pPr lvl="1">
-              <a:defRPr sz="1800"/>
-            </a:pPr>
-            <a:r>
-              <a:rPr sz="3600"/>
-              <a:t>for example the variance</a:t>
-            </a:r>
-          </a:p>
-          <a:p>
-            <a:pPr lvl="0">
-              <a:defRPr sz="1800"/>
-            </a:pPr>
-            <a:r>
-              <a:rPr sz="3600"/>
-              <a:t>samples from sample</a:t>
-            </a:r>
-          </a:p>
-          <a:p>
-            <a:pPr lvl="0">
-              <a:defRPr sz="1800"/>
-            </a:pPr>
-            <a:r>
-              <a:rPr sz="3600"/>
-              <a:t>… maybe with formula</a:t>
-            </a:r>
+              <a:rPr lang="de-DE" sz="3600" dirty="0" smtClean="0"/>
+              <a:t>PSEUDO CODE OF </a:t>
+            </a:r>
+            <a:r>
+              <a:rPr lang="de-DE" sz="3600" dirty="0" err="1" smtClean="0"/>
+              <a:t>BOOTSTRAPt</a:t>
+            </a:r>
+            <a:endParaRPr sz="3600" dirty="0"/>
           </a:p>
         </p:txBody>
       </p:sp>
@@ -2942,16 +4364,39 @@
           </a:prstGeom>
         </p:spPr>
         <p:txBody>
-          <a:bodyPr/>
+          <a:bodyPr>
+            <a:normAutofit/>
+          </a:bodyPr>
           <a:lstStyle/>
           <a:p>
             <a:pPr lvl="0">
               <a:defRPr sz="1800"/>
             </a:pPr>
             <a:r>
-              <a:rPr sz="8000"/>
-              <a:t>Idea</a:t>
-            </a:r>
+              <a:rPr lang="de-DE" sz="6000" dirty="0" err="1" smtClean="0"/>
+              <a:t>Why</a:t>
+            </a:r>
+            <a:r>
+              <a:rPr lang="de-DE" sz="6000" dirty="0" smtClean="0"/>
+              <a:t> </a:t>
+            </a:r>
+            <a:r>
+              <a:rPr lang="de-DE" sz="6000" dirty="0" err="1" smtClean="0"/>
+              <a:t>use</a:t>
+            </a:r>
+            <a:r>
+              <a:rPr lang="de-DE" sz="6000" dirty="0" smtClean="0"/>
+              <a:t> </a:t>
+            </a:r>
+            <a:r>
+              <a:rPr lang="de-DE" sz="6000" dirty="0" err="1" smtClean="0"/>
+              <a:t>distance</a:t>
+            </a:r>
+            <a:r>
+              <a:rPr lang="de-DE" sz="6000" dirty="0" smtClean="0"/>
+              <a:t>?</a:t>
+            </a:r>
+            <a:endParaRPr sz="6000" dirty="0"/>
           </a:p>
         </p:txBody>
       </p:sp>
@@ -2963,7 +4408,7 @@
         </p:nvSpPr>
         <p:spPr>
           <a:xfrm flipV="1">
-            <a:off x="2970783" y="4319885"/>
+            <a:off x="5392985" y="6232521"/>
             <a:ext cx="6659315" cy="2866430"/>
           </a:xfrm>
           <a:prstGeom prst="line">
@@ -2993,7 +4438,7 @@
         </p:nvSpPr>
         <p:spPr>
           <a:xfrm flipV="1">
-            <a:off x="2928763" y="5505747"/>
+            <a:off x="5350965" y="7418383"/>
             <a:ext cx="6743354" cy="494706"/>
           </a:xfrm>
           <a:prstGeom prst="line">
@@ -3025,7 +4470,7 @@
         </p:nvSpPr>
         <p:spPr>
           <a:xfrm flipV="1">
-            <a:off x="2754337" y="4817169"/>
+            <a:off x="5176539" y="6729805"/>
             <a:ext cx="7092207" cy="1871862"/>
           </a:xfrm>
           <a:prstGeom prst="line">
@@ -3057,7 +4502,7 @@
         </p:nvSpPr>
         <p:spPr>
           <a:xfrm>
-            <a:off x="7355954" y="3380329"/>
+            <a:off x="9778156" y="5292965"/>
             <a:ext cx="163116" cy="151062"/>
           </a:xfrm>
           <a:custGeom>
@@ -3135,7 +4580,7 @@
         </p:nvSpPr>
         <p:spPr>
           <a:xfrm flipH="1" flipV="1">
-            <a:off x="7465417" y="3547119"/>
+            <a:off x="9887619" y="5459755"/>
             <a:ext cx="658813" cy="1445172"/>
           </a:xfrm>
           <a:prstGeom prst="line">
@@ -3168,7 +4613,7 @@
         </p:nvSpPr>
         <p:spPr>
           <a:xfrm flipH="1" flipV="1">
-            <a:off x="7442299" y="3489176"/>
+            <a:off x="9864501" y="5401812"/>
             <a:ext cx="495252" cy="1848248"/>
           </a:xfrm>
           <a:prstGeom prst="line">
@@ -3203,7 +4648,7 @@
         </p:nvSpPr>
         <p:spPr>
           <a:xfrm flipH="1" flipV="1">
-            <a:off x="7427118" y="3544396"/>
+            <a:off x="9849320" y="5457032"/>
             <a:ext cx="118760" cy="2105120"/>
           </a:xfrm>
           <a:prstGeom prst="line">
@@ -3232,104 +4677,246 @@
       </p:sp>
       <p:sp>
         <p:nvSpPr>
-          <p:cNvPr id="10" name="Shape 52"/>
-          <p:cNvSpPr/>
-          <p:nvPr/>
+          <p:cNvPr id="15" name="Shape 40"/>
+          <p:cNvSpPr>
+            <a:spLocks noGrp="1"/>
+          </p:cNvSpPr>
+          <p:nvPr>
+            <p:ph type="body" idx="1"/>
+          </p:nvPr>
         </p:nvSpPr>
         <p:spPr>
-          <a:xfrm rot="-3960000" flipH="1" flipV="1">
-            <a:off x="7360519" y="6632053"/>
-            <a:ext cx="658813" cy="1445172"/>
+          <a:xfrm>
+            <a:off x="1136335" y="3391994"/>
+            <a:ext cx="6784092" cy="3485248"/>
           </a:xfrm>
-          <a:prstGeom prst="line">
+          <a:prstGeom prst="rect">
             <a:avLst/>
           </a:prstGeom>
-          <a:ln w="38100" cap="rnd">
-            <a:solidFill/>
-            <a:custDash>
-              <a:ds d="100000" sp="200000"/>
-            </a:custDash>
-            <a:miter lim="400000"/>
-          </a:ln>
         </p:spPr>
         <p:txBody>
-          <a:bodyPr lIns="50800" tIns="50800" rIns="50800" bIns="50800" anchor="ctr"/>
+          <a:bodyPr>
+            <a:normAutofit/>
+          </a:bodyPr>
           <a:lstStyle/>
           <a:p>
-            <a:pPr lvl="0">
-              <a:defRPr sz="2400"/>
-            </a:pPr>
-            <a:endParaRPr/>
-          </a:p>
-        </p:txBody>
-      </p:sp>
-      <p:sp>
-        <p:nvSpPr>
-          <p:cNvPr id="11" name="Shape 53"/>
-          <p:cNvSpPr/>
-          <p:nvPr/>
-        </p:nvSpPr>
-        <p:spPr>
-          <a:xfrm rot="6300000" flipH="1" flipV="1">
-            <a:off x="7689924" y="6716000"/>
-            <a:ext cx="495252" cy="1848248"/>
-          </a:xfrm>
-          <a:prstGeom prst="line">
-            <a:avLst/>
-          </a:prstGeom>
-          <a:ln w="38100" cap="rnd">
-            <a:solidFill>
-              <a:srgbClr val="BD5B0C"/>
-            </a:solidFill>
-            <a:custDash>
-              <a:ds d="100000" sp="200000"/>
-            </a:custDash>
-            <a:miter lim="400000"/>
-          </a:ln>
-        </p:spPr>
-        <p:txBody>
-          <a:bodyPr lIns="0" tIns="0" rIns="0" bIns="0" anchor="ctr"/>
-          <a:lstStyle/>
-          <a:p>
-            <a:pPr lvl="0">
-              <a:defRPr sz="2400"/>
-            </a:pPr>
-            <a:endParaRPr/>
-          </a:p>
-        </p:txBody>
-      </p:sp>
-      <p:sp>
-        <p:nvSpPr>
-          <p:cNvPr id="12" name="Shape 54"/>
-          <p:cNvSpPr/>
-          <p:nvPr/>
-        </p:nvSpPr>
-        <p:spPr>
-          <a:xfrm rot="5580000" flipH="1" flipV="1">
-            <a:off x="7975668" y="6867037"/>
-            <a:ext cx="118760" cy="2105120"/>
-          </a:xfrm>
-          <a:prstGeom prst="line">
-            <a:avLst/>
-          </a:prstGeom>
-          <a:ln w="38100" cap="rnd">
-            <a:solidFill>
-              <a:srgbClr val="00882B"/>
-            </a:solidFill>
-            <a:custDash>
-              <a:ds d="100000" sp="200000"/>
-            </a:custDash>
-            <a:miter lim="400000"/>
-          </a:ln>
-        </p:spPr>
-        <p:txBody>
-          <a:bodyPr lIns="0" tIns="0" rIns="0" bIns="0" anchor="ctr"/>
-          <a:lstStyle/>
-          <a:p>
-            <a:pPr lvl="0">
-              <a:defRPr sz="2400"/>
-            </a:pPr>
-            <a:endParaRPr/>
+            <a:pPr marL="342264" lvl="0" indent="-342264" defTabSz="449833">
+              <a:spcBef>
+                <a:spcPts val="3200"/>
+              </a:spcBef>
+              <a:defRPr sz="1800"/>
+            </a:pPr>
+            <a:r>
+              <a:rPr lang="de-DE" sz="2772" b="1" dirty="0" smtClean="0"/>
+              <a:t>Problem</a:t>
+            </a:r>
+            <a:r>
+              <a:rPr lang="de-DE" sz="2772" dirty="0" smtClean="0"/>
+              <a:t>: </a:t>
+            </a:r>
+            <a:r>
+              <a:rPr lang="de-DE" sz="2772" dirty="0" err="1" smtClean="0"/>
+              <a:t>Predictions</a:t>
+            </a:r>
+            <a:r>
+              <a:rPr lang="de-DE" sz="2772" dirty="0" smtClean="0"/>
+              <a:t> </a:t>
+            </a:r>
+            <a:r>
+              <a:rPr lang="de-DE" sz="2772" dirty="0" err="1" smtClean="0"/>
+              <a:t>are</a:t>
+            </a:r>
+            <a:r>
+              <a:rPr lang="de-DE" sz="2772" dirty="0" smtClean="0"/>
+              <a:t> </a:t>
+            </a:r>
+            <a:r>
+              <a:rPr lang="de-DE" sz="2772" dirty="0" err="1" smtClean="0"/>
+              <a:t>only</a:t>
+            </a:r>
+            <a:r>
+              <a:rPr lang="de-DE" sz="2772" dirty="0" smtClean="0"/>
+              <a:t> </a:t>
+            </a:r>
+            <a:r>
+              <a:rPr lang="de-DE" sz="2772" dirty="0" err="1" smtClean="0"/>
+              <a:t>binary</a:t>
+            </a:r>
+            <a:r>
+              <a:rPr lang="de-DE" sz="2772" dirty="0" smtClean="0"/>
+              <a:t> variables</a:t>
+            </a:r>
+            <a:r>
+              <a:rPr lang="de-DE" sz="2772" dirty="0"/>
+              <a:t> </a:t>
+            </a:r>
+            <a:r>
+              <a:rPr lang="de-DE" sz="2772" dirty="0" err="1" smtClean="0"/>
+              <a:t>and</a:t>
+            </a:r>
+            <a:r>
+              <a:rPr lang="de-DE" sz="2772" dirty="0" smtClean="0"/>
+              <a:t> </a:t>
+            </a:r>
+            <a:r>
+              <a:rPr lang="de-DE" sz="2772" dirty="0" err="1" smtClean="0"/>
+              <a:t>therefore</a:t>
+            </a:r>
+            <a:r>
+              <a:rPr lang="de-DE" sz="2772" dirty="0" smtClean="0"/>
+              <a:t> </a:t>
+            </a:r>
+            <a:r>
+              <a:rPr lang="de-DE" sz="2772" dirty="0" err="1" smtClean="0"/>
+              <a:t>might</a:t>
+            </a:r>
+            <a:r>
+              <a:rPr lang="de-DE" sz="2772" dirty="0" smtClean="0"/>
+              <a:t> </a:t>
+            </a:r>
+            <a:r>
+              <a:rPr lang="de-DE" sz="2772" dirty="0" err="1" smtClean="0"/>
+              <a:t>be</a:t>
+            </a:r>
+            <a:r>
+              <a:rPr lang="de-DE" sz="2772" dirty="0" smtClean="0"/>
+              <a:t> </a:t>
+            </a:r>
+            <a:r>
+              <a:rPr lang="de-DE" sz="2772" dirty="0" err="1" smtClean="0"/>
+              <a:t>identical</a:t>
+            </a:r>
+            <a:r>
+              <a:rPr lang="de-DE" sz="2772" dirty="0"/>
+              <a:t> </a:t>
+            </a:r>
+            <a:r>
+              <a:rPr lang="de-DE" sz="2772" dirty="0" err="1" smtClean="0"/>
+              <a:t>across</a:t>
+            </a:r>
+            <a:r>
+              <a:rPr lang="de-DE" sz="2772" dirty="0" smtClean="0"/>
+              <a:t> all </a:t>
+            </a:r>
+            <a:r>
+              <a:rPr lang="de-DE" sz="2772" dirty="0" err="1" smtClean="0"/>
+              <a:t>bootstrap</a:t>
+            </a:r>
+            <a:r>
+              <a:rPr lang="de-DE" sz="2772" dirty="0" smtClean="0"/>
+              <a:t> </a:t>
+            </a:r>
+            <a:r>
+              <a:rPr lang="de-DE" sz="2772" dirty="0" err="1" smtClean="0"/>
+              <a:t>samples</a:t>
+            </a:r>
+            <a:endParaRPr lang="de-DE" sz="2772" dirty="0" smtClean="0"/>
+          </a:p>
+          <a:p>
+            <a:pPr marL="342264" lvl="0" indent="-342264" defTabSz="449833">
+              <a:spcBef>
+                <a:spcPts val="3200"/>
+              </a:spcBef>
+              <a:defRPr sz="1800"/>
+            </a:pPr>
+            <a:r>
+              <a:rPr lang="de-DE" sz="2772" b="1" dirty="0" smtClean="0"/>
+              <a:t>Solution</a:t>
+            </a:r>
+            <a:r>
+              <a:rPr lang="de-DE" sz="2772" dirty="0" smtClean="0"/>
+              <a:t>: </a:t>
+            </a:r>
+            <a:r>
+              <a:rPr lang="de-DE" sz="2772" dirty="0" err="1" smtClean="0"/>
+              <a:t>Use</a:t>
+            </a:r>
+            <a:r>
+              <a:rPr lang="de-DE" sz="2772" dirty="0" smtClean="0"/>
+              <a:t> minimal </a:t>
+            </a:r>
+            <a:r>
+              <a:rPr lang="de-DE" sz="2772" dirty="0" err="1" smtClean="0"/>
+              <a:t>distance</a:t>
+            </a:r>
+            <a:r>
+              <a:rPr lang="de-DE" sz="2772" dirty="0" smtClean="0"/>
+              <a:t> </a:t>
+            </a:r>
+            <a:r>
+              <a:rPr lang="de-DE" sz="2772" dirty="0" err="1" smtClean="0"/>
+              <a:t>of</a:t>
+            </a:r>
+            <a:r>
+              <a:rPr lang="de-DE" sz="2772" dirty="0" smtClean="0"/>
+              <a:t> </a:t>
+            </a:r>
+            <a:r>
+              <a:rPr lang="de-DE" sz="2772" dirty="0" err="1" smtClean="0"/>
+              <a:t>predictionpoint</a:t>
+            </a:r>
+            <a:r>
+              <a:rPr lang="de-DE" sz="2772" dirty="0" smtClean="0"/>
+              <a:t> </a:t>
+            </a:r>
+            <a:r>
+              <a:rPr lang="de-DE" sz="2772" dirty="0" err="1" smtClean="0"/>
+              <a:t>to</a:t>
+            </a:r>
+            <a:r>
+              <a:rPr lang="de-DE" sz="2772" dirty="0" smtClean="0"/>
+              <a:t> </a:t>
+            </a:r>
+            <a:r>
+              <a:rPr lang="de-DE" sz="2772" dirty="0" err="1" smtClean="0"/>
+              <a:t>decision</a:t>
+            </a:r>
+            <a:r>
+              <a:rPr lang="de-DE" sz="2772" dirty="0" smtClean="0"/>
+              <a:t> </a:t>
+            </a:r>
+            <a:r>
+              <a:rPr lang="de-DE" sz="2772" dirty="0" err="1" smtClean="0"/>
+              <a:t>boundary</a:t>
+            </a:r>
+            <a:r>
+              <a:rPr lang="de-DE" sz="2772" dirty="0" smtClean="0"/>
+              <a:t> </a:t>
+            </a:r>
+            <a:r>
+              <a:rPr lang="de-DE" sz="2772" dirty="0" err="1" smtClean="0"/>
+              <a:t>as</a:t>
+            </a:r>
+            <a:r>
+              <a:rPr lang="de-DE" sz="2772" dirty="0" smtClean="0"/>
+              <a:t> real </a:t>
+            </a:r>
+            <a:r>
+              <a:rPr lang="de-DE" sz="2772" dirty="0" err="1" smtClean="0"/>
+              <a:t>valued</a:t>
+            </a:r>
+            <a:r>
+              <a:rPr lang="de-DE" sz="2772" dirty="0" smtClean="0"/>
+              <a:t> </a:t>
+            </a:r>
+            <a:r>
+              <a:rPr lang="de-DE" sz="2772" dirty="0" err="1" smtClean="0"/>
+              <a:t>substitue</a:t>
+            </a:r>
+            <a:r>
+              <a:rPr lang="de-DE" sz="2772" dirty="0" smtClean="0"/>
+              <a:t> </a:t>
+            </a:r>
+            <a:endParaRPr sz="2772" dirty="0"/>
+          </a:p>
+          <a:p>
+            <a:pPr marL="342264" lvl="0" indent="-342264" defTabSz="449833">
+              <a:spcBef>
+                <a:spcPts val="3200"/>
+              </a:spcBef>
+              <a:defRPr sz="1800"/>
+            </a:pPr>
+            <a:endParaRPr sz="2772" dirty="0"/>
           </a:p>
         </p:txBody>
       </p:sp>
@@ -3386,9 +4973,10 @@
               <a:defRPr sz="1800"/>
             </a:pPr>
             <a:r>
-              <a:rPr sz="8000"/>
-              <a:t>Idea</a:t>
-            </a:r>
+              <a:rPr lang="de-DE" sz="6000" dirty="0" err="1" smtClean="0"/>
+              <a:t>Example</a:t>
+            </a:r>
+            <a:endParaRPr sz="6000" dirty="0"/>
           </a:p>
         </p:txBody>
       </p:sp>
@@ -3604,7 +5192,7 @@
         </p:blipFill>
         <p:spPr>
           <a:xfrm>
-            <a:off x="7678606" y="2165718"/>
+            <a:off x="7540584" y="2208995"/>
             <a:ext cx="3916947" cy="2937710"/>
           </a:xfrm>
           <a:prstGeom prst="rect">
@@ -3721,7 +5309,7 @@
               <a:defRPr sz="1800"/>
             </a:pPr>
             <a:r>
-              <a:rPr sz="8000"/>
+              <a:rPr sz="6000" dirty="0"/>
               <a:t>Implementation</a:t>
             </a:r>
           </a:p>
@@ -3750,7 +5338,7 @@
               <a:defRPr sz="1800"/>
             </a:pPr>
             <a:r>
-              <a:rPr sz="3600"/>
+              <a:rPr sz="3600" dirty="0"/>
               <a:t>what we did</a:t>
             </a:r>
           </a:p>
@@ -3759,7 +5347,7 @@
               <a:defRPr sz="1800"/>
             </a:pPr>
             <a:r>
-              <a:rPr sz="3600"/>
+              <a:rPr sz="3600" dirty="0"/>
               <a:t>keine Ahnung was wir da genau hinschreiben. uns fällt was ein</a:t>
             </a:r>
           </a:p>
@@ -3891,14 +5479,16 @@
           </a:prstGeom>
         </p:spPr>
         <p:txBody>
-          <a:bodyPr/>
+          <a:bodyPr>
+            <a:normAutofit/>
+          </a:bodyPr>
           <a:lstStyle/>
           <a:p>
             <a:pPr lvl="0">
               <a:defRPr sz="1800"/>
             </a:pPr>
             <a:r>
-              <a:rPr sz="8000"/>
+              <a:rPr sz="6000" dirty="0"/>
               <a:t>What we found out</a:t>
             </a:r>
           </a:p>

--- a/Präsentation/slides.pptx
+++ b/Präsentation/slides.pptx
@@ -13,14 +13,14 @@
     <p:sldId id="258" r:id="rId4"/>
     <p:sldId id="259" r:id="rId5"/>
     <p:sldId id="260" r:id="rId6"/>
-    <p:sldId id="261" r:id="rId7"/>
-    <p:sldId id="262" r:id="rId8"/>
-    <p:sldId id="263" r:id="rId9"/>
-    <p:sldId id="264" r:id="rId10"/>
-    <p:sldId id="265" r:id="rId11"/>
-    <p:sldId id="266" r:id="rId12"/>
-    <p:sldId id="267" r:id="rId13"/>
-    <p:sldId id="268" r:id="rId14"/>
+    <p:sldId id="263" r:id="rId7"/>
+    <p:sldId id="261" r:id="rId8"/>
+    <p:sldId id="270" r:id="rId9"/>
+    <p:sldId id="265" r:id="rId10"/>
+    <p:sldId id="266" r:id="rId11"/>
+    <p:sldId id="267" r:id="rId12"/>
+    <p:sldId id="268" r:id="rId13"/>
+    <p:sldId id="271" r:id="rId14"/>
     <p:sldId id="269" r:id="rId15"/>
   </p:sldIdLst>
   <p:sldSz cx="13004800" cy="9753600"/>
@@ -101,7 +101,7 @@
   </p:defaultTextStyle>
   <p:extLst>
     <p:ext uri="{EFAFB233-063F-42B5-8137-9DF3F51BA10A}">
-      <p15:sldGuideLst xmlns:p15="http://schemas.microsoft.com/office/powerpoint/2012/main"/>
+      <p15:sldGuideLst xmlns:p15="http://schemas.microsoft.com/office/powerpoint/2012/main" xmlns=""/>
     </p:ext>
   </p:extLst>
 </p:presentation>
@@ -523,37 +523,11 @@
   <p:clrMapOvr>
     <a:masterClrMapping/>
   </p:clrMapOvr>
-  <p:transition spd="med"/>
+  <p:transition xmlns:p14="http://schemas.microsoft.com/office/powerpoint/2010/main" spd="med"/>
 </p:sldLayout>
 </file>
 
 <file path=ppt/slideLayouts/slideLayout10.xml><?xml version="1.0" encoding="utf-8"?>
-<p:sldLayout xmlns:a="http://schemas.openxmlformats.org/drawingml/2006/main" xmlns:r="http://schemas.openxmlformats.org/officeDocument/2006/relationships" xmlns:p="http://schemas.openxmlformats.org/presentationml/2006/main" type="tx">
-  <p:cSld name="Zitat">
-    <p:spTree>
-      <p:nvGrpSpPr>
-        <p:cNvPr id="1" name=""/>
-        <p:cNvGrpSpPr/>
-        <p:nvPr/>
-      </p:nvGrpSpPr>
-      <p:grpSpPr>
-        <a:xfrm>
-          <a:off x="0" y="0"/>
-          <a:ext cx="0" cy="0"/>
-          <a:chOff x="0" y="0"/>
-          <a:chExt cx="0" cy="0"/>
-        </a:xfrm>
-      </p:grpSpPr>
-    </p:spTree>
-  </p:cSld>
-  <p:clrMapOvr>
-    <a:masterClrMapping/>
-  </p:clrMapOvr>
-  <p:transition spd="med"/>
-</p:sldLayout>
-</file>
-
-<file path=ppt/slideLayouts/slideLayout11.xml><?xml version="1.0" encoding="utf-8"?>
 <p:sldLayout xmlns:a="http://schemas.openxmlformats.org/drawingml/2006/main" xmlns:r="http://schemas.openxmlformats.org/officeDocument/2006/relationships" xmlns:p="http://schemas.openxmlformats.org/presentationml/2006/main" type="tx">
   <p:cSld name="Foto">
     <p:spTree>
@@ -575,11 +549,11 @@
   <p:clrMapOvr>
     <a:masterClrMapping/>
   </p:clrMapOvr>
-  <p:transition spd="med"/>
+  <p:transition xmlns:p14="http://schemas.microsoft.com/office/powerpoint/2010/main" spd="med"/>
 </p:sldLayout>
 </file>
 
-<file path=ppt/slideLayouts/slideLayout12.xml><?xml version="1.0" encoding="utf-8"?>
+<file path=ppt/slideLayouts/slideLayout11.xml><?xml version="1.0" encoding="utf-8"?>
 <p:sldLayout xmlns:a="http://schemas.openxmlformats.org/drawingml/2006/main" xmlns:r="http://schemas.openxmlformats.org/officeDocument/2006/relationships" xmlns:p="http://schemas.openxmlformats.org/presentationml/2006/main" type="tx">
   <p:cSld name="Leer">
     <p:spTree>
@@ -601,180 +575,11 @@
   <p:clrMapOvr>
     <a:masterClrMapping/>
   </p:clrMapOvr>
-  <p:transition spd="med"/>
+  <p:transition xmlns:p14="http://schemas.microsoft.com/office/powerpoint/2010/main" spd="med"/>
 </p:sldLayout>
 </file>
 
 <file path=ppt/slideLayouts/slideLayout2.xml><?xml version="1.0" encoding="utf-8"?>
-<p:sldLayout xmlns:a="http://schemas.openxmlformats.org/drawingml/2006/main" xmlns:r="http://schemas.openxmlformats.org/officeDocument/2006/relationships" xmlns:p="http://schemas.openxmlformats.org/presentationml/2006/main" type="tx">
-  <p:cSld name="Foto - Horizontal">
-    <p:spTree>
-      <p:nvGrpSpPr>
-        <p:cNvPr id="1" name=""/>
-        <p:cNvGrpSpPr/>
-        <p:nvPr/>
-      </p:nvGrpSpPr>
-      <p:grpSpPr>
-        <a:xfrm>
-          <a:off x="0" y="0"/>
-          <a:ext cx="0" cy="0"/>
-          <a:chOff x="0" y="0"/>
-          <a:chExt cx="0" cy="0"/>
-        </a:xfrm>
-      </p:grpSpPr>
-      <p:sp>
-        <p:nvSpPr>
-          <p:cNvPr id="8" name="Shape 8"/>
-          <p:cNvSpPr>
-            <a:spLocks noGrp="1"/>
-          </p:cNvSpPr>
-          <p:nvPr>
-            <p:ph type="title"/>
-          </p:nvPr>
-        </p:nvSpPr>
-        <p:spPr>
-          <a:xfrm>
-            <a:off x="1270000" y="6718300"/>
-            <a:ext cx="10464800" cy="1422400"/>
-          </a:xfrm>
-          <a:prstGeom prst="rect">
-            <a:avLst/>
-          </a:prstGeom>
-        </p:spPr>
-        <p:txBody>
-          <a:bodyPr anchor="b"/>
-          <a:lstStyle/>
-          <a:p>
-            <a:pPr lvl="0">
-              <a:defRPr sz="1800"/>
-            </a:pPr>
-            <a:r>
-              <a:rPr sz="8000"/>
-              <a:t>Titeltext</a:t>
-            </a:r>
-          </a:p>
-        </p:txBody>
-      </p:sp>
-      <p:sp>
-        <p:nvSpPr>
-          <p:cNvPr id="9" name="Shape 9"/>
-          <p:cNvSpPr>
-            <a:spLocks noGrp="1"/>
-          </p:cNvSpPr>
-          <p:nvPr>
-            <p:ph type="body" idx="1"/>
-          </p:nvPr>
-        </p:nvSpPr>
-        <p:spPr>
-          <a:xfrm>
-            <a:off x="1270000" y="8191500"/>
-            <a:ext cx="10464800" cy="1130300"/>
-          </a:xfrm>
-          <a:prstGeom prst="rect">
-            <a:avLst/>
-          </a:prstGeom>
-        </p:spPr>
-        <p:txBody>
-          <a:bodyPr anchor="t"/>
-          <a:lstStyle>
-            <a:lvl1pPr marL="0" indent="0" algn="ctr">
-              <a:spcBef>
-                <a:spcPts val="0"/>
-              </a:spcBef>
-              <a:buSzTx/>
-              <a:buNone/>
-              <a:defRPr sz="3200"/>
-            </a:lvl1pPr>
-            <a:lvl2pPr marL="0" indent="228600" algn="ctr">
-              <a:spcBef>
-                <a:spcPts val="0"/>
-              </a:spcBef>
-              <a:buSzTx/>
-              <a:buNone/>
-              <a:defRPr sz="3200"/>
-            </a:lvl2pPr>
-            <a:lvl3pPr marL="0" indent="457200" algn="ctr">
-              <a:spcBef>
-                <a:spcPts val="0"/>
-              </a:spcBef>
-              <a:buSzTx/>
-              <a:buNone/>
-              <a:defRPr sz="3200"/>
-            </a:lvl3pPr>
-            <a:lvl4pPr marL="0" indent="685800" algn="ctr">
-              <a:spcBef>
-                <a:spcPts val="0"/>
-              </a:spcBef>
-              <a:buSzTx/>
-              <a:buNone/>
-              <a:defRPr sz="3200"/>
-            </a:lvl4pPr>
-            <a:lvl5pPr marL="0" indent="914400" algn="ctr">
-              <a:spcBef>
-                <a:spcPts val="0"/>
-              </a:spcBef>
-              <a:buSzTx/>
-              <a:buNone/>
-              <a:defRPr sz="3200"/>
-            </a:lvl5pPr>
-          </a:lstStyle>
-          <a:p>
-            <a:pPr lvl="0">
-              <a:defRPr sz="1800"/>
-            </a:pPr>
-            <a:r>
-              <a:rPr sz="3200"/>
-              <a:t>Textebene 1</a:t>
-            </a:r>
-          </a:p>
-          <a:p>
-            <a:pPr lvl="1">
-              <a:defRPr sz="1800"/>
-            </a:pPr>
-            <a:r>
-              <a:rPr sz="3200"/>
-              <a:t>Textebene 2</a:t>
-            </a:r>
-          </a:p>
-          <a:p>
-            <a:pPr lvl="2">
-              <a:defRPr sz="1800"/>
-            </a:pPr>
-            <a:r>
-              <a:rPr sz="3200"/>
-              <a:t>Textebene 3</a:t>
-            </a:r>
-          </a:p>
-          <a:p>
-            <a:pPr lvl="3">
-              <a:defRPr sz="1800"/>
-            </a:pPr>
-            <a:r>
-              <a:rPr sz="3200"/>
-              <a:t>Textebene 4</a:t>
-            </a:r>
-          </a:p>
-          <a:p>
-            <a:pPr lvl="4">
-              <a:defRPr sz="1800"/>
-            </a:pPr>
-            <a:r>
-              <a:rPr sz="3200"/>
-              <a:t>Textebene 5</a:t>
-            </a:r>
-          </a:p>
-        </p:txBody>
-      </p:sp>
-    </p:spTree>
-  </p:cSld>
-  <p:clrMapOvr>
-    <a:masterClrMapping/>
-  </p:clrMapOvr>
-  <p:transition spd="med"/>
-</p:sldLayout>
-</file>
-
-<file path=ppt/slideLayouts/slideLayout3.xml><?xml version="1.0" encoding="utf-8"?>
 <p:sldLayout xmlns:a="http://schemas.openxmlformats.org/drawingml/2006/main" xmlns:r="http://schemas.openxmlformats.org/officeDocument/2006/relationships" xmlns:p="http://schemas.openxmlformats.org/presentationml/2006/main" type="tx">
   <p:cSld name="Titel - Mitte">
     <p:spTree>
@@ -829,11 +634,11 @@
   <p:clrMapOvr>
     <a:masterClrMapping/>
   </p:clrMapOvr>
-  <p:transition spd="med"/>
+  <p:transition xmlns:p14="http://schemas.microsoft.com/office/powerpoint/2010/main" spd="med"/>
 </p:sldLayout>
 </file>
 
-<file path=ppt/slideLayouts/slideLayout4.xml><?xml version="1.0" encoding="utf-8"?>
+<file path=ppt/slideLayouts/slideLayout3.xml><?xml version="1.0" encoding="utf-8"?>
 <p:sldLayout xmlns:a="http://schemas.openxmlformats.org/drawingml/2006/main" xmlns:r="http://schemas.openxmlformats.org/officeDocument/2006/relationships" xmlns:p="http://schemas.openxmlformats.org/presentationml/2006/main" type="tx">
   <p:cSld name="Foto - Vertikal">
     <p:spTree>
@@ -1002,11 +807,11 @@
   <p:clrMapOvr>
     <a:masterClrMapping/>
   </p:clrMapOvr>
-  <p:transition spd="med"/>
+  <p:transition xmlns:p14="http://schemas.microsoft.com/office/powerpoint/2010/main" spd="med"/>
 </p:sldLayout>
 </file>
 
-<file path=ppt/slideLayouts/slideLayout5.xml><?xml version="1.0" encoding="utf-8"?>
+<file path=ppt/slideLayouts/slideLayout4.xml><?xml version="1.0" encoding="utf-8"?>
 <p:sldLayout xmlns:a="http://schemas.openxmlformats.org/drawingml/2006/main" xmlns:r="http://schemas.openxmlformats.org/officeDocument/2006/relationships" xmlns:p="http://schemas.openxmlformats.org/presentationml/2006/main" type="tx">
   <p:cSld name="Titel - Oben">
     <p:spTree>
@@ -1057,11 +862,11 @@
   <p:clrMapOvr>
     <a:masterClrMapping/>
   </p:clrMapOvr>
-  <p:transition spd="med"/>
+  <p:transition xmlns:p14="http://schemas.microsoft.com/office/powerpoint/2010/main" spd="med"/>
 </p:sldLayout>
 </file>
 
-<file path=ppt/slideLayouts/slideLayout6.xml><?xml version="1.0" encoding="utf-8"?>
+<file path=ppt/slideLayouts/slideLayout5.xml><?xml version="1.0" encoding="utf-8"?>
 <p:sldLayout xmlns:a="http://schemas.openxmlformats.org/drawingml/2006/main" xmlns:r="http://schemas.openxmlformats.org/officeDocument/2006/relationships" xmlns:p="http://schemas.openxmlformats.org/presentationml/2006/main" type="tx">
   <p:cSld name="Titel &amp; Aufzählung">
     <p:spTree>
@@ -1177,11 +982,11 @@
   <p:clrMapOvr>
     <a:masterClrMapping/>
   </p:clrMapOvr>
-  <p:transition spd="med"/>
+  <p:transition xmlns:p14="http://schemas.microsoft.com/office/powerpoint/2010/main" spd="med"/>
 </p:sldLayout>
 </file>
 
-<file path=ppt/slideLayouts/slideLayout7.xml><?xml version="1.0" encoding="utf-8"?>
+<file path=ppt/slideLayouts/slideLayout6.xml><?xml version="1.0" encoding="utf-8"?>
 <p:sldLayout xmlns:a="http://schemas.openxmlformats.org/drawingml/2006/main" xmlns:r="http://schemas.openxmlformats.org/officeDocument/2006/relationships" xmlns:p="http://schemas.openxmlformats.org/presentationml/2006/main" type="tx">
   <p:cSld name="Titel, Aufzählung &amp; Foto">
     <p:spTree>
@@ -1332,11 +1137,11 @@
   <p:clrMapOvr>
     <a:masterClrMapping/>
   </p:clrMapOvr>
-  <p:transition spd="med"/>
+  <p:transition xmlns:p14="http://schemas.microsoft.com/office/powerpoint/2010/main" spd="med"/>
 </p:sldLayout>
 </file>
 
-<file path=ppt/slideLayouts/slideLayout8.xml><?xml version="1.0" encoding="utf-8"?>
+<file path=ppt/slideLayouts/slideLayout7.xml><?xml version="1.0" encoding="utf-8"?>
 <p:sldLayout xmlns:a="http://schemas.openxmlformats.org/drawingml/2006/main" xmlns:r="http://schemas.openxmlformats.org/officeDocument/2006/relationships" xmlns:p="http://schemas.openxmlformats.org/presentationml/2006/main" type="tx">
   <p:cSld name="Punkte">
     <p:spTree>
@@ -1427,11 +1232,11 @@
   <p:clrMapOvr>
     <a:masterClrMapping/>
   </p:clrMapOvr>
-  <p:transition spd="med"/>
+  <p:transition xmlns:p14="http://schemas.microsoft.com/office/powerpoint/2010/main" spd="med"/>
 </p:sldLayout>
 </file>
 
-<file path=ppt/slideLayouts/slideLayout9.xml><?xml version="1.0" encoding="utf-8"?>
+<file path=ppt/slideLayouts/slideLayout8.xml><?xml version="1.0" encoding="utf-8"?>
 <p:sldLayout xmlns:a="http://schemas.openxmlformats.org/drawingml/2006/main" xmlns:r="http://schemas.openxmlformats.org/officeDocument/2006/relationships" xmlns:p="http://schemas.openxmlformats.org/presentationml/2006/main" type="tx">
   <p:cSld name="Foto - 3 Stück">
     <p:spTree>
@@ -1453,7 +1258,33 @@
   <p:clrMapOvr>
     <a:masterClrMapping/>
   </p:clrMapOvr>
-  <p:transition spd="med"/>
+  <p:transition xmlns:p14="http://schemas.microsoft.com/office/powerpoint/2010/main" spd="med"/>
+</p:sldLayout>
+</file>
+
+<file path=ppt/slideLayouts/slideLayout9.xml><?xml version="1.0" encoding="utf-8"?>
+<p:sldLayout xmlns:a="http://schemas.openxmlformats.org/drawingml/2006/main" xmlns:r="http://schemas.openxmlformats.org/officeDocument/2006/relationships" xmlns:p="http://schemas.openxmlformats.org/presentationml/2006/main" type="tx">
+  <p:cSld name="Zitat">
+    <p:spTree>
+      <p:nvGrpSpPr>
+        <p:cNvPr id="1" name=""/>
+        <p:cNvGrpSpPr/>
+        <p:nvPr/>
+      </p:nvGrpSpPr>
+      <p:grpSpPr>
+        <a:xfrm>
+          <a:off x="0" y="0"/>
+          <a:ext cx="0" cy="0"/>
+          <a:chOff x="0" y="0"/>
+          <a:chExt cx="0" cy="0"/>
+        </a:xfrm>
+      </p:grpSpPr>
+    </p:spTree>
+  </p:cSld>
+  <p:clrMapOvr>
+    <a:masterClrMapping/>
+  </p:clrMapOvr>
+  <p:transition xmlns:p14="http://schemas.microsoft.com/office/powerpoint/2010/main" spd="med"/>
 </p:sldLayout>
 </file>
 
@@ -1609,19 +1440,18 @@
   <p:clrMap bg1="lt1" tx1="dk1" bg2="lt2" tx2="dk2" accent1="accent1" accent2="accent2" accent3="accent3" accent4="accent4" accent5="accent5" accent6="accent6" hlink="hlink" folHlink="folHlink"/>
   <p:sldLayoutIdLst>
     <p:sldLayoutId id="2147483649" r:id="rId1"/>
-    <p:sldLayoutId id="2147483650" r:id="rId2"/>
-    <p:sldLayoutId id="2147483651" r:id="rId3"/>
-    <p:sldLayoutId id="2147483652" r:id="rId4"/>
-    <p:sldLayoutId id="2147483653" r:id="rId5"/>
-    <p:sldLayoutId id="2147483654" r:id="rId6"/>
-    <p:sldLayoutId id="2147483655" r:id="rId7"/>
-    <p:sldLayoutId id="2147483656" r:id="rId8"/>
-    <p:sldLayoutId id="2147483657" r:id="rId9"/>
-    <p:sldLayoutId id="2147483658" r:id="rId10"/>
-    <p:sldLayoutId id="2147483659" r:id="rId11"/>
-    <p:sldLayoutId id="2147483660" r:id="rId12"/>
+    <p:sldLayoutId id="2147483651" r:id="rId2"/>
+    <p:sldLayoutId id="2147483652" r:id="rId3"/>
+    <p:sldLayoutId id="2147483653" r:id="rId4"/>
+    <p:sldLayoutId id="2147483654" r:id="rId5"/>
+    <p:sldLayoutId id="2147483655" r:id="rId6"/>
+    <p:sldLayoutId id="2147483656" r:id="rId7"/>
+    <p:sldLayoutId id="2147483657" r:id="rId8"/>
+    <p:sldLayoutId id="2147483658" r:id="rId9"/>
+    <p:sldLayoutId id="2147483659" r:id="rId10"/>
+    <p:sldLayoutId id="2147483660" r:id="rId11"/>
   </p:sldLayoutIdLst>
-  <p:transition spd="med"/>
+  <p:transition xmlns:p14="http://schemas.microsoft.com/office/powerpoint/2010/main" spd="med"/>
   <p:txStyles>
     <p:titleStyle>
       <a:lvl1pPr algn="ctr" defTabSz="584200">
@@ -1994,9 +1824,30 @@
               <a:defRPr sz="1800"/>
             </a:pPr>
             <a:r>
-              <a:rPr sz="3200"/>
-              <a:t>maybe names or something else</a:t>
-            </a:r>
+              <a:rPr lang="en-GB" sz="3200" dirty="0" smtClean="0"/>
+              <a:t>Patricia </a:t>
+            </a:r>
+            <a:r>
+              <a:rPr lang="en-GB" sz="3200" dirty="0" err="1" smtClean="0"/>
+              <a:t>Craja</a:t>
+            </a:r>
+            <a:r>
+              <a:rPr lang="en-GB" sz="3200" dirty="0" smtClean="0"/>
+              <a:t>, Thomas </a:t>
+            </a:r>
+            <a:r>
+              <a:rPr lang="en-GB" sz="3200" dirty="0" err="1" smtClean="0"/>
+              <a:t>Goerttler</a:t>
+            </a:r>
+            <a:r>
+              <a:rPr lang="en-GB" sz="3200" dirty="0" smtClean="0"/>
+              <a:t>, Christian </a:t>
+            </a:r>
+            <a:r>
+              <a:rPr lang="en-GB" sz="3200" dirty="0" err="1" smtClean="0"/>
+              <a:t>Koopmann</a:t>
+            </a:r>
+            <a:endParaRPr sz="3200" dirty="0"/>
           </a:p>
         </p:txBody>
       </p:sp>
@@ -2005,381 +1856,11 @@
   <p:clrMapOvr>
     <a:masterClrMapping/>
   </p:clrMapOvr>
-  <p:transition spd="med"/>
+  <p:transition xmlns:p14="http://schemas.microsoft.com/office/powerpoint/2010/main" spd="med"/>
 </p:sld>
 </file>
 
 <file path=ppt/slides/slide10.xml><?xml version="1.0" encoding="utf-8"?>
-<p:sld xmlns:a="http://schemas.openxmlformats.org/drawingml/2006/main" xmlns:r="http://schemas.openxmlformats.org/officeDocument/2006/relationships" xmlns:p="http://schemas.openxmlformats.org/presentationml/2006/main">
-  <p:cSld>
-    <p:spTree>
-      <p:nvGrpSpPr>
-        <p:cNvPr id="1" name=""/>
-        <p:cNvGrpSpPr/>
-        <p:nvPr/>
-      </p:nvGrpSpPr>
-      <p:grpSpPr>
-        <a:xfrm>
-          <a:off x="0" y="0"/>
-          <a:ext cx="0" cy="0"/>
-          <a:chOff x="0" y="0"/>
-          <a:chExt cx="0" cy="0"/>
-        </a:xfrm>
-      </p:grpSpPr>
-      <p:sp>
-        <p:nvSpPr>
-          <p:cNvPr id="75" name="Shape 75"/>
-          <p:cNvSpPr>
-            <a:spLocks noGrp="1"/>
-          </p:cNvSpPr>
-          <p:nvPr>
-            <p:ph type="title"/>
-          </p:nvPr>
-        </p:nvSpPr>
-        <p:spPr>
-          <a:prstGeom prst="rect">
-            <a:avLst/>
-          </a:prstGeom>
-        </p:spPr>
-        <p:txBody>
-          <a:bodyPr>
-            <a:normAutofit/>
-          </a:bodyPr>
-          <a:lstStyle/>
-          <a:p>
-            <a:pPr lvl="0">
-              <a:defRPr sz="1800"/>
-            </a:pPr>
-            <a:r>
-              <a:rPr sz="6000" dirty="0"/>
-              <a:t>C parameter</a:t>
-            </a:r>
-          </a:p>
-        </p:txBody>
-      </p:sp>
-      <p:pic>
-        <p:nvPicPr>
-          <p:cNvPr id="76" name="change_C_2016-06-24 18:19:36_n=100_replication=1000_numver_of_datasets=10_kernel=linear_data= dataSimulation([0.8, 0.7, 0.9, -0.3], 1, 0, n).png"/>
-          <p:cNvPicPr/>
-          <p:nvPr/>
-        </p:nvPicPr>
-        <p:blipFill>
-          <a:blip r:embed="rId2">
-            <a:extLst/>
-          </a:blip>
-          <a:stretch>
-            <a:fillRect/>
-          </a:stretch>
-        </p:blipFill>
-        <p:spPr>
-          <a:xfrm>
-            <a:off x="628770" y="3797527"/>
-            <a:ext cx="5582249" cy="4186687"/>
-          </a:xfrm>
-          <a:prstGeom prst="rect">
-            <a:avLst/>
-          </a:prstGeom>
-          <a:ln w="12700">
-            <a:miter lim="400000"/>
-          </a:ln>
-        </p:spPr>
-      </p:pic>
-      <p:sp>
-        <p:nvSpPr>
-          <p:cNvPr id="6" name="Textfeld 5"/>
-          <p:cNvSpPr txBox="1"/>
-          <p:nvPr/>
-        </p:nvSpPr>
-        <p:spPr>
-          <a:xfrm>
-            <a:off x="3035403" y="2603500"/>
-            <a:ext cx="1384995" cy="656590"/>
-          </a:xfrm>
-          <a:prstGeom prst="rect">
-            <a:avLst/>
-          </a:prstGeom>
-          <a:noFill/>
-          <a:ln w="12700" cap="flat">
-            <a:noFill/>
-            <a:miter lim="400000"/>
-          </a:ln>
-          <a:effectLst/>
-        </p:spPr>
-        <p:style>
-          <a:lnRef idx="0">
-            <a:scrgbClr r="0" g="0" b="0"/>
-          </a:lnRef>
-          <a:fillRef idx="0">
-            <a:scrgbClr r="0" g="0" b="0"/>
-          </a:fillRef>
-          <a:effectRef idx="0">
-            <a:scrgbClr r="0" g="0" b="0"/>
-          </a:effectRef>
-          <a:fontRef idx="none"/>
-        </p:style>
-        <p:txBody>
-          <a:bodyPr rot="0" spcFirstLastPara="1" vertOverflow="overflow" horzOverflow="overflow" vert="horz" wrap="none" lIns="50800" tIns="50800" rIns="50800" bIns="50800" numCol="1" spcCol="38100" rtlCol="0" anchor="ctr">
-            <a:spAutoFit/>
-          </a:bodyPr>
-          <a:lstStyle/>
-          <a:p>
-            <a:pPr marL="0" marR="0" indent="0" algn="ctr" defTabSz="584200" rtl="0" fontAlgn="auto" latinLnBrk="1" hangingPunct="0">
-              <a:lnSpc>
-                <a:spcPct val="100000"/>
-              </a:lnSpc>
-              <a:spcBef>
-                <a:spcPts val="0"/>
-              </a:spcBef>
-              <a:spcAft>
-                <a:spcPts val="0"/>
-              </a:spcAft>
-              <a:buClrTx/>
-              <a:buSzTx/>
-              <a:buFontTx/>
-              <a:buNone/>
-              <a:tabLst/>
-            </a:pPr>
-            <a:r>
-              <a:rPr kumimoji="0" lang="de-DE" sz="3600" b="0" i="0" u="none" strike="noStrike" cap="none" spc="0" normalizeH="0" baseline="0" dirty="0" smtClean="0">
-                <a:ln>
-                  <a:noFill/>
-                </a:ln>
-                <a:solidFill>
-                  <a:srgbClr val="000000"/>
-                </a:solidFill>
-                <a:effectLst/>
-                <a:uFillTx/>
-                <a:latin typeface="+mn-lt"/>
-                <a:ea typeface="+mn-ea"/>
-                <a:cs typeface="+mn-cs"/>
-                <a:sym typeface="Helvetica Light"/>
-              </a:rPr>
-              <a:t>Linear</a:t>
-            </a:r>
-            <a:endParaRPr kumimoji="0" lang="de-DE" sz="3600" b="0" i="0" u="none" strike="noStrike" cap="none" spc="0" normalizeH="0" baseline="0" dirty="0">
-              <a:ln>
-                <a:noFill/>
-              </a:ln>
-              <a:solidFill>
-                <a:srgbClr val="000000"/>
-              </a:solidFill>
-              <a:effectLst/>
-              <a:uFillTx/>
-              <a:latin typeface="+mn-lt"/>
-              <a:ea typeface="+mn-ea"/>
-              <a:cs typeface="+mn-cs"/>
-              <a:sym typeface="Helvetica Light"/>
-            </a:endParaRPr>
-          </a:p>
-        </p:txBody>
-      </p:sp>
-      <p:sp>
-        <p:nvSpPr>
-          <p:cNvPr id="7" name="Textfeld 6"/>
-          <p:cNvSpPr txBox="1"/>
-          <p:nvPr/>
-        </p:nvSpPr>
-        <p:spPr>
-          <a:xfrm>
-            <a:off x="8635244" y="2638006"/>
-            <a:ext cx="2051845" cy="656590"/>
-          </a:xfrm>
-          <a:prstGeom prst="rect">
-            <a:avLst/>
-          </a:prstGeom>
-          <a:noFill/>
-          <a:ln w="12700" cap="flat">
-            <a:noFill/>
-            <a:miter lim="400000"/>
-          </a:ln>
-          <a:effectLst/>
-        </p:spPr>
-        <p:style>
-          <a:lnRef idx="0">
-            <a:scrgbClr r="0" g="0" b="0"/>
-          </a:lnRef>
-          <a:fillRef idx="0">
-            <a:scrgbClr r="0" g="0" b="0"/>
-          </a:fillRef>
-          <a:effectRef idx="0">
-            <a:scrgbClr r="0" g="0" b="0"/>
-          </a:effectRef>
-          <a:fontRef idx="none"/>
-        </p:style>
-        <p:txBody>
-          <a:bodyPr rot="0" spcFirstLastPara="1" vertOverflow="overflow" horzOverflow="overflow" vert="horz" wrap="none" lIns="50800" tIns="50800" rIns="50800" bIns="50800" numCol="1" spcCol="38100" rtlCol="0" anchor="ctr">
-            <a:spAutoFit/>
-          </a:bodyPr>
-          <a:lstStyle/>
-          <a:p>
-            <a:pPr marL="0" marR="0" indent="0" algn="ctr" defTabSz="584200" rtl="0" fontAlgn="auto" latinLnBrk="1" hangingPunct="0">
-              <a:lnSpc>
-                <a:spcPct val="100000"/>
-              </a:lnSpc>
-              <a:spcBef>
-                <a:spcPts val="0"/>
-              </a:spcBef>
-              <a:spcAft>
-                <a:spcPts val="0"/>
-              </a:spcAft>
-              <a:buClrTx/>
-              <a:buSzTx/>
-              <a:buFontTx/>
-              <a:buNone/>
-              <a:tabLst/>
-            </a:pPr>
-            <a:r>
-              <a:rPr kumimoji="0" lang="de-DE" sz="3600" b="0" i="0" u="none" strike="noStrike" cap="none" spc="0" normalizeH="0" baseline="0" dirty="0" err="1" smtClean="0">
-                <a:ln>
-                  <a:noFill/>
-                </a:ln>
-                <a:solidFill>
-                  <a:srgbClr val="000000"/>
-                </a:solidFill>
-                <a:effectLst/>
-                <a:uFillTx/>
-                <a:latin typeface="+mn-lt"/>
-                <a:ea typeface="+mn-ea"/>
-                <a:cs typeface="+mn-cs"/>
-                <a:sym typeface="Helvetica Light"/>
-              </a:rPr>
-              <a:t>Gaussian</a:t>
-            </a:r>
-            <a:endParaRPr kumimoji="0" lang="de-DE" sz="3600" b="0" i="0" u="none" strike="noStrike" cap="none" spc="0" normalizeH="0" baseline="0" dirty="0">
-              <a:ln>
-                <a:noFill/>
-              </a:ln>
-              <a:solidFill>
-                <a:srgbClr val="000000"/>
-              </a:solidFill>
-              <a:effectLst/>
-              <a:uFillTx/>
-              <a:latin typeface="+mn-lt"/>
-              <a:ea typeface="+mn-ea"/>
-              <a:cs typeface="+mn-cs"/>
-              <a:sym typeface="Helvetica Light"/>
-            </a:endParaRPr>
-          </a:p>
-        </p:txBody>
-      </p:sp>
-      <p:pic>
-        <p:nvPicPr>
-          <p:cNvPr id="2" name="Bild 1"/>
-          <p:cNvPicPr>
-            <a:picLocks noChangeAspect="1"/>
-          </p:cNvPicPr>
-          <p:nvPr/>
-        </p:nvPicPr>
-        <p:blipFill>
-          <a:blip r:embed="rId3">
-            <a:extLst>
-              <a:ext uri="{28A0092B-C50C-407E-A947-70E740481C1C}">
-                <a14:useLocalDpi xmlns:a14="http://schemas.microsoft.com/office/drawing/2010/main" val="0"/>
-              </a:ext>
-            </a:extLst>
-          </a:blip>
-          <a:stretch>
-            <a:fillRect/>
-          </a:stretch>
-        </p:blipFill>
-        <p:spPr>
-          <a:xfrm>
-            <a:off x="6729280" y="3858728"/>
-            <a:ext cx="5569857" cy="4064283"/>
-          </a:xfrm>
-          <a:prstGeom prst="rect">
-            <a:avLst/>
-          </a:prstGeom>
-        </p:spPr>
-      </p:pic>
-      <p:sp>
-        <p:nvSpPr>
-          <p:cNvPr id="3" name="Rechteck 2"/>
-          <p:cNvSpPr/>
-          <p:nvPr/>
-        </p:nvSpPr>
-        <p:spPr>
-          <a:xfrm>
-            <a:off x="8017329" y="4980214"/>
-            <a:ext cx="473528" cy="2286000"/>
-          </a:xfrm>
-          <a:prstGeom prst="rect">
-            <a:avLst/>
-          </a:prstGeom>
-          <a:blipFill rotWithShape="1">
-            <a:blip r:embed="rId4">
-              <a:biLevel thresh="25000"/>
-            </a:blip>
-            <a:srcRect/>
-            <a:tile tx="0" ty="0" sx="100000" sy="100000" flip="none" algn="tl"/>
-          </a:blipFill>
-          <a:ln w="12700" cap="flat">
-            <a:noFill/>
-            <a:miter lim="400000"/>
-          </a:ln>
-          <a:effectLst/>
-        </p:spPr>
-        <p:style>
-          <a:lnRef idx="0">
-            <a:scrgbClr r="0" g="0" b="0"/>
-          </a:lnRef>
-          <a:fillRef idx="0">
-            <a:scrgbClr r="0" g="0" b="0"/>
-          </a:fillRef>
-          <a:effectRef idx="0">
-            <a:scrgbClr r="0" g="0" b="0"/>
-          </a:effectRef>
-          <a:fontRef idx="none"/>
-        </p:style>
-        <p:txBody>
-          <a:bodyPr rot="0" spcFirstLastPara="1" vertOverflow="overflow" horzOverflow="overflow" vert="horz" wrap="square" lIns="50800" tIns="50800" rIns="50800" bIns="50800" numCol="1" spcCol="38100" rtlCol="0" anchor="ctr">
-            <a:spAutoFit/>
-          </a:bodyPr>
-          <a:lstStyle/>
-          <a:p>
-            <a:pPr marL="0" marR="0" indent="0" algn="ctr" defTabSz="584200" rtl="0" fontAlgn="auto" latinLnBrk="1" hangingPunct="0">
-              <a:lnSpc>
-                <a:spcPct val="100000"/>
-              </a:lnSpc>
-              <a:spcBef>
-                <a:spcPts val="0"/>
-              </a:spcBef>
-              <a:spcAft>
-                <a:spcPts val="0"/>
-              </a:spcAft>
-              <a:buClrTx/>
-              <a:buSzTx/>
-              <a:buFontTx/>
-              <a:buNone/>
-              <a:tabLst/>
-            </a:pPr>
-            <a:endParaRPr kumimoji="0" lang="de-DE" sz="2400" b="0" i="0" u="none" strike="noStrike" cap="none" spc="0" normalizeH="0" baseline="0">
-              <a:ln>
-                <a:noFill/>
-              </a:ln>
-              <a:solidFill>
-                <a:srgbClr val="FFFFFF"/>
-              </a:solidFill>
-              <a:effectLst/>
-              <a:uFillTx/>
-              <a:latin typeface="+mn-lt"/>
-              <a:ea typeface="+mn-ea"/>
-              <a:cs typeface="+mn-cs"/>
-              <a:sym typeface="Helvetica Light"/>
-            </a:endParaRPr>
-          </a:p>
-        </p:txBody>
-      </p:sp>
-    </p:spTree>
-  </p:cSld>
-  <p:clrMapOvr>
-    <a:masterClrMapping/>
-  </p:clrMapOvr>
-  <p:transition spd="med"/>
-</p:sld>
-</file>
-
-<file path=ppt/slides/slide11.xml><?xml version="1.0" encoding="utf-8"?>
 <p:sld xmlns:a="http://schemas.openxmlformats.org/drawingml/2006/main" xmlns:r="http://schemas.openxmlformats.org/officeDocument/2006/relationships" xmlns:p="http://schemas.openxmlformats.org/presentationml/2006/main">
   <p:cSld>
     <p:spTree>
@@ -2449,7 +1930,7 @@
         </p:blipFill>
         <p:spPr>
           <a:xfrm>
-            <a:off x="6563323" y="3720859"/>
+            <a:off x="799694" y="3720859"/>
             <a:ext cx="5873633" cy="4405225"/>
           </a:xfrm>
           <a:prstGeom prst="rect">
@@ -2479,7 +1960,7 @@
         </p:blipFill>
         <p:spPr>
           <a:xfrm>
-            <a:off x="710961" y="3686354"/>
+            <a:off x="6673327" y="3720859"/>
             <a:ext cx="5722550" cy="4439730"/>
           </a:xfrm>
           <a:prstGeom prst="rect">
@@ -2670,11 +2151,11 @@
   <p:clrMapOvr>
     <a:masterClrMapping/>
   </p:clrMapOvr>
-  <p:transition spd="med"/>
+  <p:transition xmlns:p14="http://schemas.microsoft.com/office/powerpoint/2010/main" spd="med"/>
 </p:sld>
 </file>
 
-<file path=ppt/slides/slide12.xml><?xml version="1.0" encoding="utf-8"?>
+<file path=ppt/slides/slide11.xml><?xml version="1.0" encoding="utf-8"?>
 <p:sld xmlns:a="http://schemas.openxmlformats.org/drawingml/2006/main" xmlns:r="http://schemas.openxmlformats.org/officeDocument/2006/relationships" xmlns:p="http://schemas.openxmlformats.org/presentationml/2006/main">
   <p:cSld>
     <p:spTree>
@@ -3203,7 +2684,388 @@
   <p:clrMapOvr>
     <a:masterClrMapping/>
   </p:clrMapOvr>
-  <p:transition spd="med"/>
+  <p:transition xmlns:p14="http://schemas.microsoft.com/office/powerpoint/2010/main" spd="med"/>
+</p:sld>
+</file>
+
+<file path=ppt/slides/slide12.xml><?xml version="1.0" encoding="utf-8"?>
+<p:sld xmlns:a="http://schemas.openxmlformats.org/drawingml/2006/main" xmlns:r="http://schemas.openxmlformats.org/officeDocument/2006/relationships" xmlns:p="http://schemas.openxmlformats.org/presentationml/2006/main">
+  <p:cSld>
+    <p:spTree>
+      <p:nvGrpSpPr>
+        <p:cNvPr id="1" name=""/>
+        <p:cNvGrpSpPr/>
+        <p:nvPr/>
+      </p:nvGrpSpPr>
+      <p:grpSpPr>
+        <a:xfrm>
+          <a:off x="0" y="0"/>
+          <a:ext cx="0" cy="0"/>
+          <a:chOff x="0" y="0"/>
+          <a:chExt cx="0" cy="0"/>
+        </a:xfrm>
+      </p:grpSpPr>
+      <p:sp>
+        <p:nvSpPr>
+          <p:cNvPr id="84" name="Shape 84"/>
+          <p:cNvSpPr>
+            <a:spLocks noGrp="1"/>
+          </p:cNvSpPr>
+          <p:nvPr>
+            <p:ph type="title"/>
+          </p:nvPr>
+        </p:nvSpPr>
+        <p:spPr>
+          <a:prstGeom prst="rect">
+            <a:avLst/>
+          </a:prstGeom>
+        </p:spPr>
+        <p:txBody>
+          <a:bodyPr>
+            <a:normAutofit/>
+          </a:bodyPr>
+          <a:lstStyle/>
+          <a:p>
+            <a:pPr lvl="0">
+              <a:defRPr sz="1800"/>
+            </a:pPr>
+            <a:r>
+              <a:rPr sz="6000" dirty="0"/>
+              <a:t>Conclusion</a:t>
+            </a:r>
+          </a:p>
+        </p:txBody>
+      </p:sp>
+      <p:sp>
+        <p:nvSpPr>
+          <p:cNvPr id="85" name="Shape 85"/>
+          <p:cNvSpPr>
+            <a:spLocks noGrp="1"/>
+          </p:cNvSpPr>
+          <p:nvPr>
+            <p:ph type="body" idx="1"/>
+          </p:nvPr>
+        </p:nvSpPr>
+        <p:spPr>
+          <a:xfrm>
+            <a:off x="952500" y="4065785"/>
+            <a:ext cx="11099800" cy="3592315"/>
+          </a:xfrm>
+          <a:prstGeom prst="rect">
+            <a:avLst/>
+          </a:prstGeom>
+        </p:spPr>
+        <p:txBody>
+          <a:bodyPr>
+            <a:normAutofit/>
+          </a:bodyPr>
+          <a:lstStyle/>
+          <a:p>
+            <a:pPr lvl="0">
+              <a:defRPr sz="1800"/>
+            </a:pPr>
+            <a:r>
+              <a:rPr lang="de-DE" sz="2800" b="1" dirty="0" smtClean="0"/>
+              <a:t>C-Parameter</a:t>
+            </a:r>
+            <a:r>
+              <a:rPr lang="de-DE" sz="2800" dirty="0" smtClean="0"/>
+              <a:t>: </a:t>
+            </a:r>
+            <a:r>
+              <a:rPr lang="en-GB" sz="2800" dirty="0" smtClean="0"/>
+              <a:t>Positive but decreasing influence on variance</a:t>
+            </a:r>
+            <a:endParaRPr sz="2800" dirty="0" smtClean="0"/>
+          </a:p>
+          <a:p>
+            <a:pPr lvl="0">
+              <a:defRPr sz="1800"/>
+            </a:pPr>
+            <a:r>
+              <a:rPr lang="de-DE" sz="2800" b="1" dirty="0" smtClean="0"/>
+              <a:t>Balance </a:t>
+            </a:r>
+            <a:r>
+              <a:rPr lang="de-DE" sz="2800" b="1" dirty="0" err="1" smtClean="0"/>
+              <a:t>of</a:t>
+            </a:r>
+            <a:r>
+              <a:rPr lang="de-DE" sz="2800" b="1" dirty="0" smtClean="0"/>
+              <a:t> Data</a:t>
+            </a:r>
+            <a:r>
+              <a:rPr lang="de-DE" sz="2800" dirty="0" smtClean="0"/>
+              <a:t>: </a:t>
+            </a:r>
+            <a:r>
+              <a:rPr lang="de-DE" sz="2800" dirty="0" smtClean="0"/>
+              <a:t>Positive </a:t>
+            </a:r>
+            <a:r>
+              <a:rPr lang="de-DE" sz="2800" dirty="0" err="1" smtClean="0"/>
+              <a:t>Quadratic</a:t>
+            </a:r>
+            <a:r>
+              <a:rPr lang="de-DE" sz="2800" dirty="0" smtClean="0"/>
+              <a:t> </a:t>
+            </a:r>
+            <a:r>
+              <a:rPr lang="de-DE" sz="2800" dirty="0" err="1" smtClean="0"/>
+              <a:t>influence</a:t>
+            </a:r>
+            <a:r>
+              <a:rPr lang="de-DE" sz="2800" dirty="0" smtClean="0"/>
+              <a:t> </a:t>
+            </a:r>
+            <a:r>
+              <a:rPr lang="de-DE" sz="2800" dirty="0" err="1" smtClean="0"/>
+              <a:t>for</a:t>
+            </a:r>
+            <a:r>
+              <a:rPr lang="de-DE" sz="2800" dirty="0" smtClean="0"/>
+              <a:t> Linear </a:t>
+            </a:r>
+            <a:r>
+              <a:rPr lang="de-DE" sz="2800" dirty="0" err="1" smtClean="0"/>
+              <a:t>and</a:t>
+            </a:r>
+            <a:r>
+              <a:rPr lang="de-DE" sz="2800" dirty="0" smtClean="0"/>
+              <a:t> negative </a:t>
+            </a:r>
+            <a:r>
+              <a:rPr lang="de-DE" sz="2800" dirty="0" err="1" smtClean="0"/>
+              <a:t>quadratic</a:t>
+            </a:r>
+            <a:r>
+              <a:rPr lang="de-DE" sz="2800" dirty="0" smtClean="0"/>
+              <a:t> </a:t>
+            </a:r>
+            <a:r>
+              <a:rPr lang="de-DE" sz="2800" dirty="0" err="1" smtClean="0"/>
+              <a:t>influence</a:t>
+            </a:r>
+            <a:r>
+              <a:rPr lang="de-DE" sz="2800" dirty="0" smtClean="0"/>
+              <a:t> </a:t>
+            </a:r>
+            <a:r>
+              <a:rPr lang="de-DE" sz="2800" dirty="0" err="1" smtClean="0"/>
+              <a:t>for</a:t>
+            </a:r>
+            <a:r>
+              <a:rPr lang="de-DE" sz="2800" dirty="0" smtClean="0"/>
+              <a:t> </a:t>
+            </a:r>
+            <a:r>
+              <a:rPr lang="de-DE" sz="2800" dirty="0" err="1" smtClean="0"/>
+              <a:t>Gaussian</a:t>
+            </a:r>
+            <a:r>
+              <a:rPr lang="de-DE" sz="2800" dirty="0" smtClean="0"/>
+              <a:t> SVM. </a:t>
+            </a:r>
+            <a:r>
+              <a:rPr lang="de-DE" sz="2800" dirty="0" err="1" smtClean="0"/>
+              <a:t>Both</a:t>
+            </a:r>
+            <a:r>
+              <a:rPr lang="de-DE" sz="2800" dirty="0" smtClean="0"/>
+              <a:t> </a:t>
+            </a:r>
+            <a:r>
+              <a:rPr lang="de-DE" sz="2800" dirty="0" err="1" smtClean="0"/>
+              <a:t>with</a:t>
+            </a:r>
+            <a:r>
+              <a:rPr lang="de-DE" sz="2800" dirty="0" smtClean="0"/>
+              <a:t> </a:t>
+            </a:r>
+            <a:r>
+              <a:rPr lang="de-DE" sz="2800" dirty="0" err="1" smtClean="0"/>
+              <a:t>extremum</a:t>
+            </a:r>
+            <a:r>
+              <a:rPr lang="de-DE" sz="2800" dirty="0" smtClean="0"/>
+              <a:t> </a:t>
+            </a:r>
+            <a:r>
+              <a:rPr lang="de-DE" sz="2800" dirty="0" err="1" smtClean="0"/>
+              <a:t>around</a:t>
+            </a:r>
+            <a:r>
+              <a:rPr lang="de-DE" sz="2800" dirty="0" smtClean="0"/>
+              <a:t> 0.5 (</a:t>
+            </a:r>
+            <a:r>
+              <a:rPr lang="de-DE" sz="2800" dirty="0" err="1" smtClean="0"/>
+              <a:t>perfect</a:t>
+            </a:r>
+            <a:r>
+              <a:rPr lang="de-DE" sz="2800" dirty="0" smtClean="0"/>
+              <a:t> </a:t>
+            </a:r>
+            <a:r>
+              <a:rPr lang="de-DE" sz="2800" dirty="0" err="1" smtClean="0"/>
+              <a:t>balance</a:t>
+            </a:r>
+            <a:r>
+              <a:rPr lang="de-DE" sz="2800" dirty="0" smtClean="0"/>
+              <a:t>).</a:t>
+            </a:r>
+            <a:endParaRPr lang="de-DE" sz="2800" dirty="0" smtClean="0"/>
+          </a:p>
+          <a:p>
+            <a:pPr lvl="0">
+              <a:defRPr sz="1800"/>
+            </a:pPr>
+            <a:r>
+              <a:rPr lang="de-DE" sz="2800" b="1" dirty="0"/>
+              <a:t>N</a:t>
+            </a:r>
+            <a:r>
+              <a:rPr sz="2800" b="1" dirty="0" smtClean="0"/>
+              <a:t>umber </a:t>
+            </a:r>
+            <a:r>
+              <a:rPr sz="2800" b="1" dirty="0"/>
+              <a:t>of support </a:t>
+            </a:r>
+            <a:r>
+              <a:rPr sz="2800" b="1" dirty="0" smtClean="0"/>
+              <a:t>vector</a:t>
+            </a:r>
+            <a:r>
+              <a:rPr lang="de-DE" sz="2800" b="1" dirty="0" smtClean="0"/>
+              <a:t>s: </a:t>
+            </a:r>
+            <a:r>
+              <a:rPr lang="de-DE" sz="2800" dirty="0" smtClean="0"/>
+              <a:t>Positive </a:t>
+            </a:r>
+            <a:r>
+              <a:rPr lang="de-DE" sz="2800" dirty="0" err="1" smtClean="0"/>
+              <a:t>influence</a:t>
+            </a:r>
+            <a:r>
+              <a:rPr lang="de-DE" sz="2800" dirty="0" smtClean="0"/>
+              <a:t> </a:t>
+            </a:r>
+            <a:r>
+              <a:rPr lang="de-DE" sz="2800" dirty="0" err="1" smtClean="0"/>
+              <a:t>for</a:t>
+            </a:r>
+            <a:r>
+              <a:rPr lang="de-DE" sz="2800" dirty="0"/>
+              <a:t> </a:t>
+            </a:r>
+            <a:r>
+              <a:rPr lang="de-DE" sz="2800" dirty="0" err="1" smtClean="0"/>
+              <a:t>Gaussian</a:t>
+            </a:r>
+            <a:r>
+              <a:rPr lang="de-DE" sz="2800" dirty="0" smtClean="0"/>
+              <a:t> </a:t>
+            </a:r>
+            <a:r>
+              <a:rPr lang="de-DE" sz="2800" dirty="0" err="1" smtClean="0"/>
+              <a:t>and</a:t>
+            </a:r>
+            <a:r>
+              <a:rPr lang="de-DE" sz="2800" dirty="0" smtClean="0"/>
+              <a:t> negative </a:t>
+            </a:r>
+            <a:r>
+              <a:rPr lang="de-DE" sz="2800" dirty="0" err="1" smtClean="0"/>
+              <a:t>influence</a:t>
+            </a:r>
+            <a:r>
+              <a:rPr lang="de-DE" sz="2800" dirty="0" smtClean="0"/>
+              <a:t> </a:t>
+            </a:r>
+            <a:r>
+              <a:rPr lang="de-DE" sz="2800" dirty="0" err="1" smtClean="0"/>
+              <a:t>for</a:t>
+            </a:r>
+            <a:r>
+              <a:rPr lang="de-DE" sz="2800" dirty="0" smtClean="0"/>
+              <a:t> linear SVMs</a:t>
+            </a:r>
+            <a:endParaRPr sz="2800" dirty="0"/>
+          </a:p>
+        </p:txBody>
+      </p:sp>
+      <p:sp>
+        <p:nvSpPr>
+          <p:cNvPr id="86" name="Shape 86"/>
+          <p:cNvSpPr/>
+          <p:nvPr/>
+        </p:nvSpPr>
+        <p:spPr>
+          <a:xfrm>
+            <a:off x="2180722" y="2910206"/>
+            <a:ext cx="8643392" cy="656590"/>
+          </a:xfrm>
+          <a:prstGeom prst="rect">
+            <a:avLst/>
+          </a:prstGeom>
+          <a:ln w="12700">
+            <a:miter lim="400000"/>
+          </a:ln>
+          <a:extLst>
+            <a:ext uri="{C572A759-6A51-4108-AA02-DFA0A04FC94B}">
+              <ma14:wrappingTextBoxFlag xmlns:ma14="http://schemas.microsoft.com/office/mac/drawingml/2011/main" val="1"/>
+            </a:ext>
+          </a:extLst>
+        </p:spPr>
+        <p:txBody>
+          <a:bodyPr wrap="none" lIns="50800" tIns="50800" rIns="50800" bIns="50800" anchor="ctr">
+            <a:spAutoFit/>
+          </a:bodyPr>
+          <a:lstStyle/>
+          <a:p>
+            <a:pPr lvl="0">
+              <a:defRPr sz="1800"/>
+            </a:pPr>
+            <a:r>
+              <a:rPr lang="de-DE" sz="3600" dirty="0" err="1" smtClean="0"/>
+              <a:t>Influence</a:t>
+            </a:r>
+            <a:r>
+              <a:rPr lang="de-DE" sz="3600" dirty="0" smtClean="0"/>
+              <a:t> </a:t>
+            </a:r>
+            <a:r>
+              <a:rPr lang="de-DE" sz="3600" dirty="0" err="1" smtClean="0"/>
+              <a:t>of</a:t>
+            </a:r>
+            <a:r>
+              <a:rPr lang="de-DE" sz="3600" dirty="0" smtClean="0"/>
+              <a:t> different </a:t>
+            </a:r>
+            <a:r>
+              <a:rPr lang="de-DE" sz="3600" dirty="0" err="1" smtClean="0"/>
+              <a:t>aspects</a:t>
+            </a:r>
+            <a:r>
+              <a:rPr lang="de-DE" sz="3600" dirty="0" smtClean="0"/>
+              <a:t> on </a:t>
+            </a:r>
+            <a:r>
+              <a:rPr lang="de-DE" sz="3600" dirty="0" err="1" smtClean="0"/>
+              <a:t>variance</a:t>
+            </a:r>
+            <a:endParaRPr sz="3600" dirty="0"/>
+          </a:p>
+        </p:txBody>
+      </p:sp>
+    </p:spTree>
+  </p:cSld>
+  <p:clrMapOvr>
+    <a:masterClrMapping/>
+  </p:clrMapOvr>
+  <p:transition xmlns:p14="http://schemas.microsoft.com/office/powerpoint/2010/main" spd="med"/>
 </p:sld>
 </file>
 
@@ -3249,9 +3111,10 @@
               <a:defRPr sz="1800"/>
             </a:pPr>
             <a:r>
-              <a:rPr sz="6000" dirty="0"/>
-              <a:t>Conclusion</a:t>
-            </a:r>
+              <a:rPr lang="en-GB" sz="6000" dirty="0" smtClean="0"/>
+              <a:t>Outlook</a:t>
+            </a:r>
+            <a:endParaRPr sz="6000" dirty="0"/>
           </a:p>
         </p:txBody>
       </p:sp>
@@ -3275,93 +3138,83 @@
           </a:prstGeom>
         </p:spPr>
         <p:txBody>
-          <a:bodyPr/>
+          <a:bodyPr>
+            <a:normAutofit/>
+          </a:bodyPr>
           <a:lstStyle/>
           <a:p>
             <a:pPr lvl="0">
               <a:defRPr sz="1800"/>
             </a:pPr>
             <a:r>
-              <a:rPr lang="de-DE" sz="3600" b="1" dirty="0" smtClean="0"/>
-              <a:t>C-Parameter</a:t>
-            </a:r>
-            <a:r>
-              <a:rPr lang="de-DE" sz="3600" dirty="0" smtClean="0"/>
-              <a:t>: </a:t>
-            </a:r>
-            <a:r>
-              <a:rPr lang="de-DE" sz="3600" dirty="0" err="1" smtClean="0"/>
-              <a:t>both</a:t>
-            </a:r>
-            <a:r>
-              <a:rPr lang="de-DE" sz="3600" dirty="0" smtClean="0"/>
-              <a:t> same</a:t>
-            </a:r>
-            <a:endParaRPr sz="3600" dirty="0" smtClean="0"/>
+              <a:rPr lang="en-GB" sz="2800" dirty="0" smtClean="0"/>
+              <a:t>Analyse influence of dimensionality on variances</a:t>
+            </a:r>
+            <a:endParaRPr sz="2800" dirty="0" smtClean="0"/>
           </a:p>
           <a:p>
             <a:pPr lvl="0">
               <a:defRPr sz="1800"/>
             </a:pPr>
             <a:r>
-              <a:rPr lang="de-DE" sz="3600" b="1" dirty="0" smtClean="0"/>
-              <a:t>Balance </a:t>
-            </a:r>
-            <a:r>
-              <a:rPr lang="de-DE" sz="3600" b="1" dirty="0" err="1" smtClean="0"/>
-              <a:t>of</a:t>
-            </a:r>
-            <a:r>
-              <a:rPr lang="de-DE" sz="3600" b="1" dirty="0" smtClean="0"/>
-              <a:t> Data</a:t>
-            </a:r>
-            <a:r>
-              <a:rPr lang="de-DE" sz="3600" dirty="0" smtClean="0"/>
-              <a:t>: </a:t>
-            </a:r>
-            <a:r>
-              <a:rPr lang="de-DE" sz="3600" dirty="0" err="1" smtClean="0"/>
-              <a:t>differnt</a:t>
-            </a:r>
-            <a:endParaRPr lang="de-DE" sz="3600" dirty="0" smtClean="0"/>
+              <a:rPr lang="de-DE" sz="2800" dirty="0" smtClean="0"/>
+              <a:t>Analyse Data </a:t>
+            </a:r>
+            <a:r>
+              <a:rPr lang="de-DE" sz="2800" dirty="0" err="1" smtClean="0"/>
+              <a:t>simulated</a:t>
+            </a:r>
+            <a:r>
+              <a:rPr lang="de-DE" sz="2800" dirty="0" smtClean="0"/>
+              <a:t> </a:t>
+            </a:r>
+            <a:r>
+              <a:rPr lang="de-DE" sz="2800" dirty="0" err="1" smtClean="0"/>
+              <a:t>from</a:t>
+            </a:r>
+            <a:r>
+              <a:rPr lang="de-DE" sz="2800" dirty="0" smtClean="0"/>
+              <a:t> </a:t>
+            </a:r>
+            <a:r>
+              <a:rPr lang="de-DE" sz="2800" dirty="0" err="1" smtClean="0"/>
+              <a:t>more</a:t>
+            </a:r>
+            <a:r>
+              <a:rPr lang="de-DE" sz="2800" dirty="0" smtClean="0"/>
+              <a:t> "</a:t>
+            </a:r>
+            <a:r>
+              <a:rPr lang="de-DE" sz="2800" dirty="0" err="1" smtClean="0"/>
+              <a:t>exotic</a:t>
+            </a:r>
+            <a:r>
+              <a:rPr lang="de-DE" sz="2800" dirty="0" smtClean="0"/>
+              <a:t>" </a:t>
+            </a:r>
+            <a:r>
+              <a:rPr lang="de-DE" sz="2800" dirty="0" err="1" smtClean="0"/>
+              <a:t>distributions</a:t>
+            </a:r>
+            <a:endParaRPr lang="de-DE" sz="2800" dirty="0" smtClean="0"/>
           </a:p>
           <a:p>
             <a:pPr lvl="0">
               <a:defRPr sz="1800"/>
             </a:pPr>
             <a:r>
-              <a:rPr lang="de-DE" sz="3600" b="1" dirty="0" smtClean="0"/>
-              <a:t>The </a:t>
-            </a:r>
-            <a:r>
-              <a:rPr lang="de-DE" sz="3600" b="1" dirty="0" err="1" smtClean="0"/>
-              <a:t>attribute</a:t>
-            </a:r>
-            <a:r>
-              <a:rPr lang="de-DE" sz="3600" b="1" dirty="0" smtClean="0"/>
-              <a:t> </a:t>
-            </a:r>
-            <a:r>
-              <a:rPr sz="3600" b="1" dirty="0" smtClean="0"/>
-              <a:t>number </a:t>
-            </a:r>
-            <a:r>
-              <a:rPr sz="3600" b="1" dirty="0"/>
-              <a:t>of support </a:t>
-            </a:r>
-            <a:r>
-              <a:rPr sz="3600" b="1" dirty="0" smtClean="0"/>
-              <a:t>vector</a:t>
-            </a:r>
-            <a:r>
-              <a:rPr lang="de-DE" sz="3600" b="1" dirty="0" smtClean="0"/>
-              <a:t>s: </a:t>
-            </a:r>
-            <a:r>
-              <a:rPr lang="de-DE" sz="3600" dirty="0" smtClean="0"/>
-              <a:t>different</a:t>
-            </a:r>
-            <a:endParaRPr sz="3600" dirty="0"/>
+              <a:rPr lang="en-GB" sz="2800" dirty="0" smtClean="0"/>
+              <a:t>Analyse influence of other tuning parameters e.g. "Gamma" of </a:t>
+            </a:r>
+            <a:r>
+              <a:rPr lang="en-GB" sz="2800" dirty="0" err="1" smtClean="0"/>
+              <a:t>rbf</a:t>
+            </a:r>
+            <a:r>
+              <a:rPr lang="en-GB" sz="2800" dirty="0" smtClean="0"/>
+              <a:t>-kernel, degree of polynomial kernel etc.</a:t>
+            </a:r>
+            <a:endParaRPr sz="2800" dirty="0"/>
           </a:p>
         </p:txBody>
       </p:sp>
@@ -3373,8 +3226,8 @@
         </p:nvSpPr>
         <p:spPr>
           <a:xfrm>
-            <a:off x="2180722" y="2910206"/>
-            <a:ext cx="8643392" cy="656590"/>
+            <a:off x="2730600" y="2910206"/>
+            <a:ext cx="7543654" cy="656590"/>
           </a:xfrm>
           <a:prstGeom prst="rect">
             <a:avLst/>
@@ -3398,8 +3251,12 @@
               <a:defRPr sz="1800"/>
             </a:pPr>
             <a:r>
+              <a:rPr lang="de-DE" sz="3600" dirty="0" smtClean="0"/>
+              <a:t>Further </a:t>
+            </a:r>
+            <a:r>
               <a:rPr lang="de-DE" sz="3600" dirty="0" err="1" smtClean="0"/>
-              <a:t>Influence</a:t>
+              <a:t>analysis</a:t>
             </a:r>
             <a:r>
               <a:rPr lang="de-DE" sz="3600" dirty="0" smtClean="0"/>
@@ -3411,30 +3268,31 @@
             </a:r>
             <a:r>
               <a:rPr lang="de-DE" sz="3600" dirty="0" smtClean="0"/>
-              <a:t> different </a:t>
+              <a:t> potential </a:t>
             </a:r>
             <a:r>
               <a:rPr lang="de-DE" sz="3600" dirty="0" err="1" smtClean="0"/>
-              <a:t>aspects</a:t>
+              <a:t>interest</a:t>
             </a:r>
             <a:r>
               <a:rPr lang="de-DE" sz="3600" dirty="0" smtClean="0"/>
-              <a:t> on </a:t>
-            </a:r>
-            <a:r>
-              <a:rPr lang="de-DE" sz="3600" dirty="0" err="1" smtClean="0"/>
-              <a:t>variance</a:t>
+              <a:t>:</a:t>
             </a:r>
             <a:endParaRPr sz="3600" dirty="0"/>
           </a:p>
         </p:txBody>
       </p:sp>
     </p:spTree>
+    <p:extLst>
+      <p:ext uri="{BB962C8B-B14F-4D97-AF65-F5344CB8AC3E}">
+        <p14:creationId xmlns:p14="http://schemas.microsoft.com/office/powerpoint/2010/main" val="1214049973"/>
+      </p:ext>
+    </p:extLst>
   </p:cSld>
   <p:clrMapOvr>
     <a:masterClrMapping/>
   </p:clrMapOvr>
-  <p:transition spd="med"/>
+  <p:transition xmlns:p14="http://schemas.microsoft.com/office/powerpoint/2010/main" spd="med"/>
 </p:sld>
 </file>
 
@@ -3546,7 +3404,7 @@
   <p:clrMapOvr>
     <a:masterClrMapping/>
   </p:clrMapOvr>
-  <p:transition spd="med"/>
+  <p:transition xmlns:p14="http://schemas.microsoft.com/office/powerpoint/2010/main" spd="med"/>
 </p:sld>
 </file>
 
@@ -3830,7 +3688,7 @@
   <p:clrMapOvr>
     <a:masterClrMapping/>
   </p:clrMapOvr>
-  <p:transition spd="med"/>
+  <p:transition xmlns:p14="http://schemas.microsoft.com/office/powerpoint/2010/main" spd="med"/>
 </p:sld>
 </file>
 
@@ -4142,11 +4000,7 @@
             </a:pPr>
             <a:r>
               <a:rPr lang="de-DE" sz="2772" b="1" dirty="0" smtClean="0"/>
-              <a:t>Solution</a:t>
-            </a:r>
-            <a:r>
-              <a:rPr lang="de-DE" sz="2772" b="1" dirty="0" smtClean="0"/>
-              <a:t>: </a:t>
+              <a:t>Solution: </a:t>
             </a:r>
             <a:r>
               <a:rPr lang="de-DE" sz="2772" dirty="0" err="1"/>
@@ -4223,7 +4077,7 @@
   <p:clrMapOvr>
     <a:masterClrMapping/>
   </p:clrMapOvr>
-  <p:transition spd="med"/>
+  <p:transition xmlns:p14="http://schemas.microsoft.com/office/powerpoint/2010/main" spd="med"/>
 </p:sld>
 </file>
 
@@ -4269,12 +4123,8 @@
               <a:defRPr sz="1800"/>
             </a:pPr>
             <a:r>
-              <a:rPr lang="de-DE" sz="6000" dirty="0" err="1" smtClean="0"/>
-              <a:t>Application</a:t>
-            </a:r>
-            <a:r>
               <a:rPr lang="de-DE" sz="6000" dirty="0" smtClean="0"/>
-              <a:t> </a:t>
+              <a:t>Implementation </a:t>
             </a:r>
             <a:r>
               <a:rPr lang="de-DE" sz="6000" dirty="0" err="1" smtClean="0"/>
@@ -4304,21 +4154,354 @@
           </a:prstGeom>
         </p:spPr>
         <p:txBody>
-          <a:bodyPr/>
+          <a:bodyPr anchor="t">
+            <a:noAutofit/>
+          </a:bodyPr>
           <a:lstStyle/>
           <a:p>
-            <a:pPr lvl="0">
+            <a:pPr marL="0" indent="0" algn="l">
+              <a:spcBef>
+                <a:spcPts val="1800"/>
+              </a:spcBef>
+              <a:buNone/>
               <a:defRPr sz="1800"/>
             </a:pPr>
             <a:r>
-              <a:rPr lang="de-DE" sz="3600" dirty="0" smtClean="0"/>
-              <a:t>PSEUDO CODE OF </a:t>
-            </a:r>
-            <a:r>
-              <a:rPr lang="de-DE" sz="3600" dirty="0" err="1" smtClean="0"/>
-              <a:t>BOOTSTRAPt</a:t>
-            </a:r>
-            <a:endParaRPr sz="3600" dirty="0"/>
+              <a:rPr lang="de-DE" sz="2400" dirty="0" smtClean="0"/>
+              <a:t>Input: Training-Data, Test-Data, SVM-Parameters, N =  #Bootstrap-</a:t>
+            </a:r>
+            <a:r>
+              <a:rPr lang="de-DE" sz="2400" dirty="0" err="1" smtClean="0"/>
+              <a:t>Replications</a:t>
+            </a:r>
+            <a:endParaRPr lang="de-DE" sz="2400" dirty="0"/>
+          </a:p>
+          <a:p>
+            <a:pPr marL="0" indent="0" algn="l">
+              <a:spcBef>
+                <a:spcPts val="1800"/>
+              </a:spcBef>
+              <a:buNone/>
+              <a:defRPr sz="1800"/>
+            </a:pPr>
+            <a:r>
+              <a:rPr lang="de-DE" sz="2400" dirty="0" smtClean="0"/>
+              <a:t>Output: </a:t>
+            </a:r>
+            <a:r>
+              <a:rPr lang="de-DE" sz="2400" dirty="0" err="1" smtClean="0"/>
+              <a:t>Full</a:t>
+            </a:r>
+            <a:r>
+              <a:rPr lang="de-DE" sz="2400" dirty="0" smtClean="0"/>
+              <a:t>-SVM, </a:t>
+            </a:r>
+            <a:r>
+              <a:rPr lang="de-DE" sz="2400" dirty="0" err="1" smtClean="0"/>
+              <a:t>Variance</a:t>
+            </a:r>
+            <a:r>
+              <a:rPr lang="de-DE" sz="2400" dirty="0" smtClean="0"/>
+              <a:t> </a:t>
+            </a:r>
+            <a:r>
+              <a:rPr lang="de-DE" sz="2400" dirty="0" err="1" smtClean="0"/>
+              <a:t>of</a:t>
+            </a:r>
+            <a:r>
+              <a:rPr lang="de-DE" sz="2400" dirty="0" smtClean="0"/>
+              <a:t> </a:t>
+            </a:r>
+            <a:r>
+              <a:rPr lang="de-DE" sz="2400" dirty="0" err="1" smtClean="0"/>
+              <a:t>TestData-Distances</a:t>
+            </a:r>
+            <a:endParaRPr lang="de-DE" sz="2400" dirty="0" smtClean="0"/>
+          </a:p>
+          <a:p>
+            <a:pPr marL="457200" indent="-457200" algn="l">
+              <a:spcBef>
+                <a:spcPts val="1800"/>
+              </a:spcBef>
+              <a:buFont typeface="+mj-lt"/>
+              <a:buAutoNum type="arabicPeriod"/>
+              <a:defRPr sz="1800"/>
+            </a:pPr>
+            <a:r>
+              <a:rPr lang="de-DE" sz="2400" dirty="0" smtClean="0"/>
+              <a:t>Train SVM on </a:t>
+            </a:r>
+            <a:r>
+              <a:rPr lang="de-DE" sz="2400" dirty="0" err="1" smtClean="0"/>
+              <a:t>full</a:t>
+            </a:r>
+            <a:r>
+              <a:rPr lang="de-DE" sz="2400" dirty="0" smtClean="0"/>
+              <a:t> Training-Data</a:t>
+            </a:r>
+          </a:p>
+          <a:p>
+            <a:pPr marL="457200" indent="-457200" algn="l">
+              <a:spcBef>
+                <a:spcPts val="1800"/>
+              </a:spcBef>
+              <a:buFont typeface="+mj-lt"/>
+              <a:buAutoNum type="arabicPeriod"/>
+              <a:defRPr sz="1800"/>
+            </a:pPr>
+            <a:r>
+              <a:rPr lang="de-DE" sz="2400" dirty="0" smtClean="0"/>
+              <a:t>Repeat N-times:</a:t>
+            </a:r>
+          </a:p>
+          <a:p>
+            <a:pPr marL="901700" lvl="1" indent="-457200" algn="l">
+              <a:spcBef>
+                <a:spcPts val="1800"/>
+              </a:spcBef>
+              <a:buFont typeface="+mj-lt"/>
+              <a:buAutoNum type="arabicPeriod"/>
+              <a:defRPr sz="1800"/>
+            </a:pPr>
+            <a:r>
+              <a:rPr lang="de-DE" sz="2400" dirty="0" smtClean="0"/>
+              <a:t>Draw </a:t>
+            </a:r>
+            <a:r>
+              <a:rPr lang="de-DE" sz="2400" dirty="0" err="1" smtClean="0"/>
+              <a:t>random</a:t>
+            </a:r>
+            <a:r>
+              <a:rPr lang="de-DE" sz="2400" dirty="0" smtClean="0"/>
+              <a:t> sample </a:t>
+            </a:r>
+            <a:r>
+              <a:rPr lang="de-DE" sz="2400" dirty="0" err="1" smtClean="0"/>
+              <a:t>of</a:t>
+            </a:r>
+            <a:r>
+              <a:rPr lang="de-DE" sz="2400" dirty="0" smtClean="0"/>
+              <a:t> </a:t>
+            </a:r>
+            <a:r>
+              <a:rPr lang="de-DE" sz="2400" dirty="0" err="1" smtClean="0"/>
+              <a:t>full</a:t>
+            </a:r>
+            <a:r>
+              <a:rPr lang="de-DE" sz="2400" dirty="0" smtClean="0"/>
+              <a:t> </a:t>
+            </a:r>
+            <a:r>
+              <a:rPr lang="de-DE" sz="2400" dirty="0" err="1" smtClean="0"/>
+              <a:t>size</a:t>
+            </a:r>
+            <a:r>
+              <a:rPr lang="de-DE" sz="2400" dirty="0" smtClean="0"/>
+              <a:t> </a:t>
+            </a:r>
+            <a:r>
+              <a:rPr lang="de-DE" sz="2400" dirty="0" err="1" smtClean="0"/>
+              <a:t>with</a:t>
+            </a:r>
+            <a:r>
+              <a:rPr lang="de-DE" sz="2400" dirty="0" smtClean="0"/>
+              <a:t> </a:t>
+            </a:r>
+            <a:r>
+              <a:rPr lang="de-DE" sz="2400" dirty="0" err="1" smtClean="0"/>
+              <a:t>replacement</a:t>
+            </a:r>
+            <a:r>
+              <a:rPr lang="de-DE" sz="2400" dirty="0" smtClean="0"/>
+              <a:t> </a:t>
+            </a:r>
+            <a:r>
+              <a:rPr lang="de-DE" sz="2400" dirty="0" err="1" smtClean="0"/>
+              <a:t>from</a:t>
+            </a:r>
+            <a:r>
+              <a:rPr lang="de-DE" sz="2400" dirty="0" smtClean="0"/>
+              <a:t> Training-Data</a:t>
+            </a:r>
+          </a:p>
+          <a:p>
+            <a:pPr marL="901700" lvl="1" indent="-457200" algn="l">
+              <a:spcBef>
+                <a:spcPts val="1800"/>
+              </a:spcBef>
+              <a:buFont typeface="+mj-lt"/>
+              <a:buAutoNum type="arabicPeriod"/>
+              <a:defRPr sz="1800"/>
+            </a:pPr>
+            <a:r>
+              <a:rPr lang="de-DE" sz="2400" dirty="0" smtClean="0"/>
+              <a:t>Train SVM on </a:t>
+            </a:r>
+            <a:r>
+              <a:rPr lang="de-DE" sz="2400" dirty="0" err="1" smtClean="0"/>
+              <a:t>sampled</a:t>
+            </a:r>
+            <a:r>
+              <a:rPr lang="de-DE" sz="2400" dirty="0" smtClean="0"/>
+              <a:t> Data</a:t>
+            </a:r>
+          </a:p>
+          <a:p>
+            <a:pPr marL="901700" lvl="1" indent="-457200" algn="l">
+              <a:spcBef>
+                <a:spcPts val="1800"/>
+              </a:spcBef>
+              <a:buFont typeface="+mj-lt"/>
+              <a:buAutoNum type="arabicPeriod"/>
+              <a:defRPr sz="1800"/>
+            </a:pPr>
+            <a:r>
+              <a:rPr lang="de-DE" sz="2400" dirty="0" smtClean="0"/>
+              <a:t>Return </a:t>
+            </a:r>
+            <a:r>
+              <a:rPr lang="de-DE" sz="2400" dirty="0" err="1" smtClean="0"/>
+              <a:t>distance</a:t>
+            </a:r>
+            <a:r>
+              <a:rPr lang="de-DE" sz="2400" dirty="0" smtClean="0"/>
+              <a:t> </a:t>
+            </a:r>
+            <a:r>
+              <a:rPr lang="de-DE" sz="2400" dirty="0" err="1" smtClean="0"/>
+              <a:t>from</a:t>
+            </a:r>
+            <a:r>
+              <a:rPr lang="de-DE" sz="2400" dirty="0" smtClean="0"/>
+              <a:t> </a:t>
+            </a:r>
+            <a:r>
+              <a:rPr lang="de-DE" sz="2400" dirty="0" err="1" smtClean="0"/>
+              <a:t>decision</a:t>
+            </a:r>
+            <a:r>
+              <a:rPr lang="de-DE" sz="2400" dirty="0" smtClean="0"/>
+              <a:t> </a:t>
+            </a:r>
+            <a:r>
+              <a:rPr lang="de-DE" sz="2400" dirty="0" err="1" smtClean="0"/>
+              <a:t>boundary</a:t>
+            </a:r>
+            <a:r>
+              <a:rPr lang="de-DE" sz="2400" dirty="0" smtClean="0"/>
+              <a:t> </a:t>
+            </a:r>
+            <a:r>
+              <a:rPr lang="de-DE" sz="2400" dirty="0" err="1" smtClean="0"/>
+              <a:t>for</a:t>
+            </a:r>
+            <a:r>
+              <a:rPr lang="de-DE" sz="2400" dirty="0" smtClean="0"/>
+              <a:t> </a:t>
+            </a:r>
+            <a:r>
+              <a:rPr lang="de-DE" sz="2400" dirty="0" err="1" smtClean="0"/>
+              <a:t>each</a:t>
+            </a:r>
+            <a:r>
+              <a:rPr lang="de-DE" sz="2400" dirty="0" smtClean="0"/>
+              <a:t> </a:t>
+            </a:r>
+            <a:r>
+              <a:rPr lang="de-DE" sz="2400" dirty="0" err="1" smtClean="0"/>
+              <a:t>point</a:t>
+            </a:r>
+            <a:r>
+              <a:rPr lang="de-DE" sz="2400" dirty="0" smtClean="0"/>
+              <a:t> in Test-Data</a:t>
+            </a:r>
+          </a:p>
+          <a:p>
+            <a:pPr marL="457200" indent="-457200" algn="l">
+              <a:spcBef>
+                <a:spcPts val="1800"/>
+              </a:spcBef>
+              <a:buFont typeface="+mj-lt"/>
+              <a:buAutoNum type="arabicPeriod"/>
+              <a:defRPr sz="1800"/>
+            </a:pPr>
+            <a:r>
+              <a:rPr lang="de-DE" sz="2400" dirty="0" err="1" smtClean="0"/>
+              <a:t>Calculate</a:t>
+            </a:r>
+            <a:r>
+              <a:rPr lang="de-DE" sz="2400" dirty="0" smtClean="0"/>
+              <a:t> </a:t>
+            </a:r>
+            <a:r>
+              <a:rPr lang="de-DE" sz="2400" dirty="0" err="1" smtClean="0"/>
+              <a:t>Variance</a:t>
+            </a:r>
+            <a:r>
+              <a:rPr lang="de-DE" sz="2400" dirty="0" smtClean="0"/>
+              <a:t> </a:t>
+            </a:r>
+            <a:r>
+              <a:rPr lang="de-DE" sz="2400" dirty="0" err="1" smtClean="0"/>
+              <a:t>of</a:t>
+            </a:r>
+            <a:r>
+              <a:rPr lang="de-DE" sz="2400" dirty="0" smtClean="0"/>
+              <a:t> </a:t>
+            </a:r>
+            <a:r>
+              <a:rPr lang="de-DE" sz="2400" dirty="0" err="1" smtClean="0"/>
+              <a:t>distances</a:t>
+            </a:r>
+            <a:r>
+              <a:rPr lang="de-DE" sz="2400" dirty="0" smtClean="0"/>
+              <a:t> </a:t>
+            </a:r>
+            <a:r>
+              <a:rPr lang="de-DE" sz="2400" dirty="0" err="1" smtClean="0"/>
+              <a:t>for</a:t>
+            </a:r>
+            <a:r>
+              <a:rPr lang="de-DE" sz="2400" dirty="0" smtClean="0"/>
+              <a:t> </a:t>
+            </a:r>
+            <a:r>
+              <a:rPr lang="de-DE" sz="2400" dirty="0" err="1" smtClean="0"/>
+              <a:t>each</a:t>
+            </a:r>
+            <a:r>
+              <a:rPr lang="de-DE" sz="2400" dirty="0" smtClean="0"/>
+              <a:t> Test-Point </a:t>
+            </a:r>
+            <a:r>
+              <a:rPr lang="de-DE" sz="2400" dirty="0" err="1" smtClean="0"/>
+              <a:t>and</a:t>
+            </a:r>
+            <a:r>
+              <a:rPr lang="de-DE" sz="2400" dirty="0" smtClean="0"/>
+              <a:t> </a:t>
+            </a:r>
+            <a:r>
+              <a:rPr lang="de-DE" sz="2400" dirty="0" err="1" smtClean="0"/>
+              <a:t>average</a:t>
+            </a:r>
+            <a:r>
+              <a:rPr lang="de-DE" sz="2400" dirty="0" smtClean="0"/>
+              <a:t> </a:t>
+            </a:r>
+            <a:r>
+              <a:rPr lang="de-DE" sz="2400" dirty="0" err="1" smtClean="0"/>
+              <a:t>those</a:t>
+            </a:r>
+            <a:r>
+              <a:rPr lang="de-DE" sz="2400" dirty="0" smtClean="0"/>
+              <a:t> </a:t>
+            </a:r>
+            <a:r>
+              <a:rPr lang="de-DE" sz="2400" dirty="0" err="1" smtClean="0"/>
+              <a:t>Variances</a:t>
+            </a:r>
+            <a:endParaRPr lang="de-DE" sz="2400" dirty="0" smtClean="0"/>
           </a:p>
         </p:txBody>
       </p:sp>
@@ -4327,7 +4510,7 @@
   <p:clrMapOvr>
     <a:masterClrMapping/>
   </p:clrMapOvr>
-  <p:transition spd="med"/>
+  <p:transition xmlns:p14="http://schemas.microsoft.com/office/powerpoint/2010/main" spd="med"/>
 </p:sld>
 </file>
 
@@ -4925,11 +5108,1471 @@
   <p:clrMapOvr>
     <a:masterClrMapping/>
   </p:clrMapOvr>
-  <p:transition spd="med"/>
+  <p:transition xmlns:p14="http://schemas.microsoft.com/office/powerpoint/2010/main" spd="med"/>
+  <p:timing>
+    <p:tnLst>
+      <p:par>
+        <p:cTn xmlns:p14="http://schemas.microsoft.com/office/powerpoint/2010/main" id="1" dur="indefinite" restart="never" nodeType="tmRoot"/>
+      </p:par>
+    </p:tnLst>
+  </p:timing>
 </p:sld>
 </file>
 
 <file path=ppt/slides/slide6.xml><?xml version="1.0" encoding="utf-8"?>
+<p:sld xmlns:a="http://schemas.openxmlformats.org/drawingml/2006/main" xmlns:r="http://schemas.openxmlformats.org/officeDocument/2006/relationships" xmlns:p="http://schemas.openxmlformats.org/presentationml/2006/main">
+  <p:cSld>
+    <p:spTree>
+      <p:nvGrpSpPr>
+        <p:cNvPr id="1" name=""/>
+        <p:cNvGrpSpPr/>
+        <p:nvPr/>
+      </p:nvGrpSpPr>
+      <p:grpSpPr>
+        <a:xfrm>
+          <a:off x="0" y="0"/>
+          <a:ext cx="0" cy="0"/>
+          <a:chOff x="0" y="0"/>
+          <a:chExt cx="0" cy="0"/>
+        </a:xfrm>
+      </p:grpSpPr>
+      <p:sp>
+        <p:nvSpPr>
+          <p:cNvPr id="69" name="Shape 69"/>
+          <p:cNvSpPr>
+            <a:spLocks noGrp="1"/>
+          </p:cNvSpPr>
+          <p:nvPr>
+            <p:ph type="title"/>
+          </p:nvPr>
+        </p:nvSpPr>
+        <p:spPr>
+          <a:prstGeom prst="rect">
+            <a:avLst/>
+          </a:prstGeom>
+        </p:spPr>
+        <p:txBody>
+          <a:bodyPr/>
+          <a:lstStyle/>
+          <a:p>
+            <a:pPr lvl="0">
+              <a:defRPr sz="1800"/>
+            </a:pPr>
+            <a:r>
+              <a:rPr sz="8000" dirty="0"/>
+              <a:t>Simulation of Data</a:t>
+            </a:r>
+          </a:p>
+        </p:txBody>
+      </p:sp>
+      <p:sp>
+        <p:nvSpPr>
+          <p:cNvPr id="3" name="Rectangle 2"/>
+          <p:cNvSpPr/>
+          <p:nvPr/>
+        </p:nvSpPr>
+        <p:spPr>
+          <a:xfrm>
+            <a:off x="1737663" y="2993712"/>
+            <a:ext cx="4172503" cy="471924"/>
+          </a:xfrm>
+          <a:prstGeom prst="rect">
+            <a:avLst/>
+          </a:prstGeom>
+          <a:solidFill>
+            <a:schemeClr val="bg2">
+              <a:lumMod val="50000"/>
+            </a:schemeClr>
+          </a:solidFill>
+          <a:ln w="12700" cap="flat">
+            <a:noFill/>
+            <a:miter lim="400000"/>
+          </a:ln>
+          <a:effectLst>
+            <a:outerShdw blurRad="38100" dist="25400" dir="5400000" rotWithShape="0">
+              <a:srgbClr val="000000">
+                <a:alpha val="50000"/>
+              </a:srgbClr>
+            </a:outerShdw>
+          </a:effectLst>
+        </p:spPr>
+        <p:style>
+          <a:lnRef idx="0">
+            <a:scrgbClr r="0" g="0" b="0"/>
+          </a:lnRef>
+          <a:fillRef idx="0">
+            <a:scrgbClr r="0" g="0" b="0"/>
+          </a:fillRef>
+          <a:effectRef idx="0">
+            <a:scrgbClr r="0" g="0" b="0"/>
+          </a:effectRef>
+          <a:fontRef idx="none"/>
+        </p:style>
+        <p:txBody>
+          <a:bodyPr rot="0" spcFirstLastPara="1" vertOverflow="overflow" horzOverflow="overflow" vert="horz" wrap="square" lIns="50800" tIns="50800" rIns="50800" bIns="50800" numCol="1" spcCol="38100" rtlCol="0" anchor="ctr">
+            <a:spAutoFit/>
+          </a:bodyPr>
+          <a:lstStyle/>
+          <a:p>
+            <a:pPr marL="0" marR="0" indent="0" algn="ctr" defTabSz="584200" rtl="0" fontAlgn="auto" latinLnBrk="1" hangingPunct="0">
+              <a:lnSpc>
+                <a:spcPct val="100000"/>
+              </a:lnSpc>
+              <a:spcBef>
+                <a:spcPts val="0"/>
+              </a:spcBef>
+              <a:spcAft>
+                <a:spcPts val="0"/>
+              </a:spcAft>
+              <a:buClrTx/>
+              <a:buSzTx/>
+              <a:buFontTx/>
+              <a:buNone/>
+              <a:tabLst/>
+            </a:pPr>
+            <a:r>
+              <a:rPr kumimoji="0" lang="en-US" sz="2400" b="0" i="0" u="none" strike="noStrike" cap="none" spc="0" normalizeH="0" baseline="0" dirty="0" err="1" smtClean="0">
+                <a:ln>
+                  <a:noFill/>
+                </a:ln>
+                <a:solidFill>
+                  <a:srgbClr val="FFFFFF"/>
+                </a:solidFill>
+                <a:effectLst/>
+                <a:uFillTx/>
+                <a:latin typeface="+mn-lt"/>
+                <a:ea typeface="+mn-ea"/>
+                <a:cs typeface="+mn-cs"/>
+                <a:sym typeface="Helvetica Light"/>
+              </a:rPr>
+              <a:t>Hyperplane</a:t>
+            </a:r>
+            <a:r>
+              <a:rPr kumimoji="0" lang="en-US" sz="2400" b="0" i="0" u="none" strike="noStrike" cap="none" spc="0" normalizeH="0" baseline="0" dirty="0" smtClean="0">
+                <a:ln>
+                  <a:noFill/>
+                </a:ln>
+                <a:solidFill>
+                  <a:srgbClr val="FFFFFF"/>
+                </a:solidFill>
+                <a:effectLst/>
+                <a:uFillTx/>
+                <a:latin typeface="+mn-lt"/>
+                <a:ea typeface="+mn-ea"/>
+                <a:cs typeface="+mn-cs"/>
+                <a:sym typeface="Helvetica Light"/>
+              </a:rPr>
+              <a:t>-Approach</a:t>
+            </a:r>
+            <a:endParaRPr kumimoji="0" lang="en-US" sz="2400" b="0" i="0" u="none" strike="noStrike" cap="none" spc="0" normalizeH="0" baseline="0" dirty="0">
+              <a:ln>
+                <a:noFill/>
+              </a:ln>
+              <a:solidFill>
+                <a:srgbClr val="FFFFFF"/>
+              </a:solidFill>
+              <a:effectLst/>
+              <a:uFillTx/>
+              <a:latin typeface="+mn-lt"/>
+              <a:ea typeface="+mn-ea"/>
+              <a:cs typeface="+mn-cs"/>
+              <a:sym typeface="Helvetica Light"/>
+            </a:endParaRPr>
+          </a:p>
+        </p:txBody>
+      </p:sp>
+      <p:sp>
+        <p:nvSpPr>
+          <p:cNvPr id="6" name="TextBox 5"/>
+          <p:cNvSpPr txBox="1"/>
+          <p:nvPr/>
+        </p:nvSpPr>
+        <p:spPr>
+          <a:xfrm>
+            <a:off x="1749872" y="3478452"/>
+            <a:ext cx="4172502" cy="4862944"/>
+          </a:xfrm>
+          <a:prstGeom prst="rect">
+            <a:avLst/>
+          </a:prstGeom>
+          <a:noFill/>
+          <a:ln w="12700" cap="flat">
+            <a:solidFill>
+              <a:schemeClr val="bg2">
+                <a:lumMod val="50000"/>
+              </a:schemeClr>
+            </a:solidFill>
+            <a:miter lim="400000"/>
+          </a:ln>
+          <a:effectLst/>
+        </p:spPr>
+        <p:style>
+          <a:lnRef idx="0">
+            <a:scrgbClr r="0" g="0" b="0"/>
+          </a:lnRef>
+          <a:fillRef idx="0">
+            <a:scrgbClr r="0" g="0" b="0"/>
+          </a:fillRef>
+          <a:effectRef idx="0">
+            <a:scrgbClr r="0" g="0" b="0"/>
+          </a:effectRef>
+          <a:fontRef idx="none"/>
+        </p:style>
+        <p:txBody>
+          <a:bodyPr rot="0" spcFirstLastPara="1" vertOverflow="overflow" horzOverflow="overflow" vert="horz" wrap="square" lIns="50800" tIns="50800" rIns="50800" bIns="50800" numCol="1" spcCol="38100" rtlCol="0" anchor="t" anchorCtr="0">
+            <a:noAutofit/>
+          </a:bodyPr>
+          <a:lstStyle/>
+          <a:p>
+            <a:pPr lvl="2" indent="0" algn="l" rtl="0" latinLnBrk="1" hangingPunct="0"/>
+            <a:r>
+              <a:rPr lang="en-US" sz="1800" dirty="0" smtClean="0">
+                <a:solidFill>
+                  <a:srgbClr val="000000"/>
+                </a:solidFill>
+              </a:rPr>
+              <a:t>Input: </a:t>
+            </a:r>
+          </a:p>
+          <a:p>
+            <a:pPr marL="285750" marR="0" indent="-285750" algn="l" defTabSz="584200" rtl="0" fontAlgn="auto" latinLnBrk="1" hangingPunct="0">
+              <a:lnSpc>
+                <a:spcPct val="100000"/>
+              </a:lnSpc>
+              <a:spcBef>
+                <a:spcPts val="0"/>
+              </a:spcBef>
+              <a:spcAft>
+                <a:spcPts val="0"/>
+              </a:spcAft>
+              <a:buClrTx/>
+              <a:buSzTx/>
+              <a:buFont typeface="Arial"/>
+              <a:buChar char="•"/>
+              <a:tabLst/>
+            </a:pPr>
+            <a:r>
+              <a:rPr lang="en-US" sz="1800" dirty="0" err="1" smtClean="0">
+                <a:solidFill>
+                  <a:srgbClr val="000000"/>
+                </a:solidFill>
+              </a:rPr>
+              <a:t>Hyperplane</a:t>
+            </a:r>
+            <a:r>
+              <a:rPr lang="en-US" sz="1800" dirty="0" smtClean="0">
+                <a:solidFill>
+                  <a:srgbClr val="000000"/>
+                </a:solidFill>
+              </a:rPr>
+              <a:t>-Parameters w</a:t>
+            </a:r>
+          </a:p>
+          <a:p>
+            <a:pPr marL="285750" marR="0" indent="-285750" algn="l" defTabSz="584200" rtl="0" fontAlgn="auto" latinLnBrk="1" hangingPunct="0">
+              <a:lnSpc>
+                <a:spcPct val="100000"/>
+              </a:lnSpc>
+              <a:spcBef>
+                <a:spcPts val="0"/>
+              </a:spcBef>
+              <a:spcAft>
+                <a:spcPts val="0"/>
+              </a:spcAft>
+              <a:buClrTx/>
+              <a:buSzTx/>
+              <a:buFont typeface="Arial"/>
+              <a:buChar char="•"/>
+              <a:tabLst/>
+            </a:pPr>
+            <a:r>
+              <a:rPr lang="en-US" sz="1800" dirty="0" smtClean="0">
+                <a:solidFill>
+                  <a:srgbClr val="000000"/>
+                </a:solidFill>
+              </a:rPr>
+              <a:t>C</a:t>
+            </a:r>
+            <a:r>
+              <a:rPr lang="en-US" sz="1800" dirty="0" smtClean="0">
+                <a:solidFill>
+                  <a:srgbClr val="000000"/>
+                </a:solidFill>
+              </a:rPr>
+              <a:t>onstant c</a:t>
+            </a:r>
+            <a:endParaRPr lang="en-US" sz="1800" dirty="0">
+              <a:solidFill>
+                <a:srgbClr val="000000"/>
+              </a:solidFill>
+            </a:endParaRPr>
+          </a:p>
+          <a:p>
+            <a:pPr marL="285750" marR="0" indent="-285750" algn="l" defTabSz="584200" rtl="0" fontAlgn="auto" latinLnBrk="1" hangingPunct="0">
+              <a:lnSpc>
+                <a:spcPct val="100000"/>
+              </a:lnSpc>
+              <a:spcBef>
+                <a:spcPts val="0"/>
+              </a:spcBef>
+              <a:spcAft>
+                <a:spcPts val="0"/>
+              </a:spcAft>
+              <a:buClrTx/>
+              <a:buSzTx/>
+              <a:buFont typeface="Arial"/>
+              <a:buChar char="•"/>
+              <a:tabLst/>
+            </a:pPr>
+            <a:r>
+              <a:rPr lang="en-US" sz="1800" dirty="0" smtClean="0">
+                <a:solidFill>
+                  <a:srgbClr val="000000"/>
+                </a:solidFill>
+              </a:rPr>
+              <a:t>X-Distribution</a:t>
+            </a:r>
+          </a:p>
+          <a:p>
+            <a:pPr marL="285750" marR="0" indent="-285750" algn="l" defTabSz="584200" rtl="0" fontAlgn="auto" latinLnBrk="1" hangingPunct="0">
+              <a:lnSpc>
+                <a:spcPct val="100000"/>
+              </a:lnSpc>
+              <a:spcBef>
+                <a:spcPts val="0"/>
+              </a:spcBef>
+              <a:spcAft>
+                <a:spcPts val="0"/>
+              </a:spcAft>
+              <a:buClrTx/>
+              <a:buSzTx/>
+              <a:buFont typeface="Arial"/>
+              <a:buChar char="•"/>
+              <a:tabLst/>
+            </a:pPr>
+            <a:r>
+              <a:rPr lang="en-US" sz="1800" dirty="0" smtClean="0">
+                <a:solidFill>
+                  <a:srgbClr val="000000"/>
+                </a:solidFill>
+              </a:rPr>
+              <a:t>error-distribution</a:t>
+            </a:r>
+          </a:p>
+          <a:p>
+            <a:pPr marL="285750" marR="0" indent="-285750" algn="l" defTabSz="584200" rtl="0" fontAlgn="auto" latinLnBrk="1" hangingPunct="0">
+              <a:lnSpc>
+                <a:spcPct val="100000"/>
+              </a:lnSpc>
+              <a:spcBef>
+                <a:spcPts val="0"/>
+              </a:spcBef>
+              <a:spcAft>
+                <a:spcPts val="0"/>
+              </a:spcAft>
+              <a:buClrTx/>
+              <a:buSzTx/>
+              <a:buFont typeface="Arial"/>
+              <a:buChar char="•"/>
+              <a:tabLst/>
+            </a:pPr>
+            <a:endParaRPr lang="en-US" sz="1800" dirty="0">
+              <a:solidFill>
+                <a:srgbClr val="000000"/>
+              </a:solidFill>
+            </a:endParaRPr>
+          </a:p>
+          <a:p>
+            <a:pPr marL="285750" marR="0" indent="-285750" algn="l" defTabSz="584200" rtl="0" fontAlgn="auto" latinLnBrk="1" hangingPunct="0">
+              <a:lnSpc>
+                <a:spcPct val="100000"/>
+              </a:lnSpc>
+              <a:spcBef>
+                <a:spcPts val="0"/>
+              </a:spcBef>
+              <a:spcAft>
+                <a:spcPts val="0"/>
+              </a:spcAft>
+              <a:buClrTx/>
+              <a:buSzTx/>
+              <a:buFont typeface="Arial"/>
+              <a:buChar char="•"/>
+              <a:tabLst/>
+            </a:pPr>
+            <a:endParaRPr lang="en-US" sz="1800" dirty="0" smtClean="0">
+              <a:solidFill>
+                <a:srgbClr val="000000"/>
+              </a:solidFill>
+            </a:endParaRPr>
+          </a:p>
+          <a:p>
+            <a:pPr marL="285750" marR="0" indent="-285750" algn="l" defTabSz="584200" rtl="0" fontAlgn="auto" latinLnBrk="1" hangingPunct="0">
+              <a:lnSpc>
+                <a:spcPct val="100000"/>
+              </a:lnSpc>
+              <a:spcBef>
+                <a:spcPts val="0"/>
+              </a:spcBef>
+              <a:spcAft>
+                <a:spcPts val="0"/>
+              </a:spcAft>
+              <a:buClrTx/>
+              <a:buSzTx/>
+              <a:buFont typeface="Arial"/>
+              <a:buChar char="•"/>
+              <a:tabLst/>
+            </a:pPr>
+            <a:endParaRPr lang="en-US" sz="1800" dirty="0" smtClean="0">
+              <a:solidFill>
+                <a:srgbClr val="000000"/>
+              </a:solidFill>
+            </a:endParaRPr>
+          </a:p>
+          <a:p>
+            <a:pPr marR="0" algn="l" defTabSz="584200" rtl="0" fontAlgn="auto" latinLnBrk="1" hangingPunct="0">
+              <a:lnSpc>
+                <a:spcPct val="100000"/>
+              </a:lnSpc>
+              <a:spcBef>
+                <a:spcPts val="0"/>
+              </a:spcBef>
+              <a:spcAft>
+                <a:spcPts val="0"/>
+              </a:spcAft>
+              <a:buClrTx/>
+              <a:buSzTx/>
+              <a:tabLst/>
+            </a:pPr>
+            <a:r>
+              <a:rPr lang="en-US" sz="1800" dirty="0" smtClean="0">
+                <a:solidFill>
+                  <a:srgbClr val="000000"/>
+                </a:solidFill>
+              </a:rPr>
+              <a:t>Algorithm:</a:t>
+            </a:r>
+          </a:p>
+          <a:p>
+            <a:pPr marR="0" algn="l" defTabSz="584200" rtl="0" fontAlgn="auto" latinLnBrk="1" hangingPunct="0">
+              <a:lnSpc>
+                <a:spcPct val="100000"/>
+              </a:lnSpc>
+              <a:spcBef>
+                <a:spcPts val="0"/>
+              </a:spcBef>
+              <a:spcAft>
+                <a:spcPts val="0"/>
+              </a:spcAft>
+              <a:buClrTx/>
+              <a:buSzTx/>
+              <a:tabLst/>
+            </a:pPr>
+            <a:endParaRPr lang="en-US" sz="1800" dirty="0" smtClean="0">
+              <a:solidFill>
+                <a:srgbClr val="000000"/>
+              </a:solidFill>
+            </a:endParaRPr>
+          </a:p>
+          <a:p>
+            <a:pPr marL="342900" marR="0" indent="-342900" algn="l" defTabSz="584200" rtl="0" fontAlgn="auto" latinLnBrk="1" hangingPunct="0">
+              <a:lnSpc>
+                <a:spcPct val="100000"/>
+              </a:lnSpc>
+              <a:spcBef>
+                <a:spcPts val="0"/>
+              </a:spcBef>
+              <a:spcAft>
+                <a:spcPts val="0"/>
+              </a:spcAft>
+              <a:buClrTx/>
+              <a:buSzTx/>
+              <a:buFont typeface="+mj-lt"/>
+              <a:buAutoNum type="arabicPeriod"/>
+              <a:tabLst/>
+            </a:pPr>
+            <a:r>
+              <a:rPr lang="en-US" sz="1800" dirty="0" smtClean="0">
+                <a:solidFill>
+                  <a:srgbClr val="000000"/>
+                </a:solidFill>
+              </a:rPr>
+              <a:t>Randomly d</a:t>
+            </a:r>
+            <a:r>
+              <a:rPr kumimoji="0" lang="en-US" sz="1800" b="0" i="0" u="none" strike="noStrike" cap="none" spc="0" normalizeH="0" baseline="0" dirty="0" smtClean="0">
+                <a:ln>
+                  <a:noFill/>
+                </a:ln>
+                <a:solidFill>
+                  <a:srgbClr val="000000"/>
+                </a:solidFill>
+                <a:effectLst/>
+                <a:uFillTx/>
+                <a:sym typeface="Helvetica Light"/>
+              </a:rPr>
+              <a:t>raw</a:t>
+            </a:r>
+            <a:r>
+              <a:rPr kumimoji="0" lang="en-US" sz="1800" b="0" i="0" u="none" strike="noStrike" cap="none" spc="0" normalizeH="0" dirty="0" smtClean="0">
+                <a:ln>
+                  <a:noFill/>
+                </a:ln>
+                <a:solidFill>
+                  <a:srgbClr val="000000"/>
+                </a:solidFill>
+                <a:effectLst/>
+                <a:uFillTx/>
+                <a:sym typeface="Helvetica Light"/>
+              </a:rPr>
+              <a:t> n-observations from X- and error-distribution</a:t>
+            </a:r>
+          </a:p>
+          <a:p>
+            <a:pPr marL="342900" marR="0" indent="-342900" algn="l" defTabSz="584200" rtl="0" fontAlgn="auto" latinLnBrk="1" hangingPunct="0">
+              <a:lnSpc>
+                <a:spcPct val="100000"/>
+              </a:lnSpc>
+              <a:spcBef>
+                <a:spcPts val="0"/>
+              </a:spcBef>
+              <a:spcAft>
+                <a:spcPts val="0"/>
+              </a:spcAft>
+              <a:buClrTx/>
+              <a:buSzTx/>
+              <a:buFont typeface="+mj-lt"/>
+              <a:buAutoNum type="arabicPeriod"/>
+              <a:tabLst/>
+            </a:pPr>
+            <a:endParaRPr kumimoji="0" lang="en-US" sz="1800" b="0" i="0" u="none" strike="noStrike" cap="none" spc="0" normalizeH="0" dirty="0" smtClean="0">
+              <a:ln>
+                <a:noFill/>
+              </a:ln>
+              <a:solidFill>
+                <a:srgbClr val="000000"/>
+              </a:solidFill>
+              <a:effectLst/>
+              <a:uFillTx/>
+              <a:sym typeface="Helvetica Light"/>
+            </a:endParaRPr>
+          </a:p>
+          <a:p>
+            <a:pPr marL="342900" marR="0" indent="-342900" algn="l" defTabSz="584200" rtl="0" fontAlgn="auto" latinLnBrk="1" hangingPunct="0">
+              <a:lnSpc>
+                <a:spcPct val="100000"/>
+              </a:lnSpc>
+              <a:spcBef>
+                <a:spcPts val="0"/>
+              </a:spcBef>
+              <a:spcAft>
+                <a:spcPts val="0"/>
+              </a:spcAft>
+              <a:buClrTx/>
+              <a:buSzTx/>
+              <a:buFont typeface="+mj-lt"/>
+              <a:buAutoNum type="arabicPeriod"/>
+              <a:tabLst/>
+            </a:pPr>
+            <a:r>
+              <a:rPr lang="en-US" sz="1800" baseline="0" dirty="0" smtClean="0">
+                <a:solidFill>
+                  <a:srgbClr val="000000"/>
+                </a:solidFill>
+              </a:rPr>
+              <a:t>Calculate</a:t>
+            </a:r>
+            <a:r>
+              <a:rPr lang="en-US" sz="1800" dirty="0" smtClean="0">
+                <a:solidFill>
+                  <a:srgbClr val="000000"/>
+                </a:solidFill>
+              </a:rPr>
+              <a:t> Latent variable</a:t>
+            </a:r>
+            <a:br>
+              <a:rPr lang="en-US" sz="1800" dirty="0" smtClean="0">
+                <a:solidFill>
+                  <a:srgbClr val="000000"/>
+                </a:solidFill>
+              </a:rPr>
+            </a:br>
+            <a:r>
+              <a:rPr lang="en-US" sz="1800" dirty="0" smtClean="0">
+                <a:solidFill>
+                  <a:srgbClr val="000000"/>
+                </a:solidFill>
+              </a:rPr>
+              <a:t> y* = c +  </a:t>
+            </a:r>
+            <a:r>
+              <a:rPr lang="en-US" sz="1800" dirty="0" err="1" smtClean="0">
+                <a:solidFill>
+                  <a:srgbClr val="000000"/>
+                </a:solidFill>
+              </a:rPr>
+              <a:t>w’x</a:t>
+            </a:r>
+            <a:r>
+              <a:rPr lang="en-US" sz="1800" dirty="0" smtClean="0">
+                <a:solidFill>
+                  <a:srgbClr val="000000"/>
+                </a:solidFill>
+              </a:rPr>
+              <a:t> + error</a:t>
+            </a:r>
+          </a:p>
+          <a:p>
+            <a:pPr marL="342900" marR="0" indent="-342900" algn="l" defTabSz="584200" rtl="0" fontAlgn="auto" latinLnBrk="1" hangingPunct="0">
+              <a:lnSpc>
+                <a:spcPct val="100000"/>
+              </a:lnSpc>
+              <a:spcBef>
+                <a:spcPts val="0"/>
+              </a:spcBef>
+              <a:spcAft>
+                <a:spcPts val="0"/>
+              </a:spcAft>
+              <a:buClrTx/>
+              <a:buSzTx/>
+              <a:buFont typeface="+mj-lt"/>
+              <a:buAutoNum type="arabicPeriod"/>
+              <a:tabLst/>
+            </a:pPr>
+            <a:endParaRPr lang="en-US" sz="1800" dirty="0" smtClean="0">
+              <a:solidFill>
+                <a:srgbClr val="000000"/>
+              </a:solidFill>
+            </a:endParaRPr>
+          </a:p>
+          <a:p>
+            <a:pPr marL="342900" marR="0" indent="-342900" algn="l" defTabSz="584200" rtl="0" fontAlgn="auto" latinLnBrk="1" hangingPunct="0">
+              <a:lnSpc>
+                <a:spcPct val="100000"/>
+              </a:lnSpc>
+              <a:spcBef>
+                <a:spcPts val="0"/>
+              </a:spcBef>
+              <a:spcAft>
+                <a:spcPts val="0"/>
+              </a:spcAft>
+              <a:buClrTx/>
+              <a:buSzTx/>
+              <a:buFont typeface="+mj-lt"/>
+              <a:buAutoNum type="arabicPeriod"/>
+              <a:tabLst/>
+            </a:pPr>
+            <a:r>
+              <a:rPr kumimoji="0" lang="en-US" sz="1800" b="0" i="0" u="none" strike="noStrike" cap="none" spc="0" normalizeH="0" baseline="0" dirty="0" smtClean="0">
+                <a:ln>
+                  <a:noFill/>
+                </a:ln>
+                <a:solidFill>
+                  <a:srgbClr val="000000"/>
+                </a:solidFill>
+                <a:effectLst/>
+                <a:uFillTx/>
+                <a:sym typeface="Helvetica Light"/>
+              </a:rPr>
+              <a:t>Calculate labels as y</a:t>
+            </a:r>
+            <a:r>
+              <a:rPr kumimoji="0" lang="en-US" sz="1800" b="0" i="0" u="none" strike="noStrike" cap="none" spc="0" normalizeH="0" dirty="0" smtClean="0">
+                <a:ln>
+                  <a:noFill/>
+                </a:ln>
+                <a:solidFill>
+                  <a:srgbClr val="000000"/>
+                </a:solidFill>
+                <a:effectLst/>
+                <a:uFillTx/>
+                <a:sym typeface="Helvetica Light"/>
+              </a:rPr>
+              <a:t> = sign(y*)</a:t>
+            </a:r>
+            <a:r>
+              <a:rPr kumimoji="0" lang="en-US" sz="1800" b="0" i="0" u="none" strike="noStrike" cap="none" spc="0" normalizeH="0" baseline="0" dirty="0" smtClean="0">
+                <a:ln>
+                  <a:noFill/>
+                </a:ln>
+                <a:solidFill>
+                  <a:srgbClr val="000000"/>
+                </a:solidFill>
+                <a:effectLst/>
+                <a:uFillTx/>
+                <a:sym typeface="Helvetica Light"/>
+              </a:rPr>
+              <a:t> </a:t>
+            </a:r>
+            <a:endParaRPr kumimoji="0" lang="en-US" sz="1800" b="0" i="0" u="none" strike="noStrike" cap="none" spc="0" normalizeH="0" baseline="0" dirty="0">
+              <a:ln>
+                <a:noFill/>
+              </a:ln>
+              <a:solidFill>
+                <a:srgbClr val="000000"/>
+              </a:solidFill>
+              <a:effectLst/>
+              <a:uFillTx/>
+              <a:sym typeface="Helvetica Light"/>
+            </a:endParaRPr>
+          </a:p>
+        </p:txBody>
+      </p:sp>
+      <p:sp>
+        <p:nvSpPr>
+          <p:cNvPr id="9" name="Rectangle 8"/>
+          <p:cNvSpPr/>
+          <p:nvPr/>
+        </p:nvSpPr>
+        <p:spPr>
+          <a:xfrm>
+            <a:off x="7366496" y="3004592"/>
+            <a:ext cx="4172503" cy="471924"/>
+          </a:xfrm>
+          <a:prstGeom prst="rect">
+            <a:avLst/>
+          </a:prstGeom>
+          <a:solidFill>
+            <a:schemeClr val="bg2">
+              <a:lumMod val="50000"/>
+            </a:schemeClr>
+          </a:solidFill>
+          <a:ln w="12700" cap="flat">
+            <a:noFill/>
+            <a:miter lim="400000"/>
+          </a:ln>
+          <a:effectLst>
+            <a:outerShdw blurRad="38100" dist="25400" dir="5400000" rotWithShape="0">
+              <a:srgbClr val="000000">
+                <a:alpha val="50000"/>
+              </a:srgbClr>
+            </a:outerShdw>
+          </a:effectLst>
+        </p:spPr>
+        <p:style>
+          <a:lnRef idx="0">
+            <a:scrgbClr r="0" g="0" b="0"/>
+          </a:lnRef>
+          <a:fillRef idx="0">
+            <a:scrgbClr r="0" g="0" b="0"/>
+          </a:fillRef>
+          <a:effectRef idx="0">
+            <a:scrgbClr r="0" g="0" b="0"/>
+          </a:effectRef>
+          <a:fontRef idx="none"/>
+        </p:style>
+        <p:txBody>
+          <a:bodyPr rot="0" spcFirstLastPara="1" vertOverflow="overflow" horzOverflow="overflow" vert="horz" wrap="square" lIns="50800" tIns="50800" rIns="50800" bIns="50800" numCol="1" spcCol="38100" rtlCol="0" anchor="ctr">
+            <a:spAutoFit/>
+          </a:bodyPr>
+          <a:lstStyle/>
+          <a:p>
+            <a:pPr marL="0" marR="0" indent="0" algn="ctr" defTabSz="584200" rtl="0" fontAlgn="auto" latinLnBrk="1" hangingPunct="0">
+              <a:lnSpc>
+                <a:spcPct val="100000"/>
+              </a:lnSpc>
+              <a:spcBef>
+                <a:spcPts val="0"/>
+              </a:spcBef>
+              <a:spcAft>
+                <a:spcPts val="0"/>
+              </a:spcAft>
+              <a:buClrTx/>
+              <a:buSzTx/>
+              <a:buFontTx/>
+              <a:buNone/>
+              <a:tabLst/>
+            </a:pPr>
+            <a:r>
+              <a:rPr kumimoji="0" lang="en-US" sz="2400" b="0" i="0" u="none" strike="noStrike" cap="none" spc="0" normalizeH="0" baseline="0" dirty="0" smtClean="0">
+                <a:ln>
+                  <a:noFill/>
+                </a:ln>
+                <a:solidFill>
+                  <a:srgbClr val="FFFFFF"/>
+                </a:solidFill>
+                <a:effectLst/>
+                <a:uFillTx/>
+                <a:latin typeface="+mn-lt"/>
+                <a:ea typeface="+mn-ea"/>
+                <a:cs typeface="+mn-cs"/>
+                <a:sym typeface="Helvetica Light"/>
+              </a:rPr>
+              <a:t>Centroid-Approach</a:t>
+            </a:r>
+            <a:endParaRPr kumimoji="0" lang="en-US" sz="2400" b="0" i="0" u="none" strike="noStrike" cap="none" spc="0" normalizeH="0" baseline="0" dirty="0">
+              <a:ln>
+                <a:noFill/>
+              </a:ln>
+              <a:solidFill>
+                <a:srgbClr val="FFFFFF"/>
+              </a:solidFill>
+              <a:effectLst/>
+              <a:uFillTx/>
+              <a:latin typeface="+mn-lt"/>
+              <a:ea typeface="+mn-ea"/>
+              <a:cs typeface="+mn-cs"/>
+              <a:sym typeface="Helvetica Light"/>
+            </a:endParaRPr>
+          </a:p>
+        </p:txBody>
+      </p:sp>
+      <p:sp>
+        <p:nvSpPr>
+          <p:cNvPr id="10" name="TextBox 9"/>
+          <p:cNvSpPr txBox="1"/>
+          <p:nvPr/>
+        </p:nvSpPr>
+        <p:spPr>
+          <a:xfrm>
+            <a:off x="7378705" y="3493188"/>
+            <a:ext cx="4172502" cy="4811575"/>
+          </a:xfrm>
+          <a:prstGeom prst="rect">
+            <a:avLst/>
+          </a:prstGeom>
+          <a:noFill/>
+          <a:ln w="12700" cap="flat">
+            <a:solidFill>
+              <a:srgbClr val="686F76"/>
+            </a:solidFill>
+            <a:miter lim="400000"/>
+          </a:ln>
+          <a:effectLst/>
+        </p:spPr>
+        <p:style>
+          <a:lnRef idx="0">
+            <a:scrgbClr r="0" g="0" b="0"/>
+          </a:lnRef>
+          <a:fillRef idx="0">
+            <a:scrgbClr r="0" g="0" b="0"/>
+          </a:fillRef>
+          <a:effectRef idx="0">
+            <a:scrgbClr r="0" g="0" b="0"/>
+          </a:effectRef>
+          <a:fontRef idx="none"/>
+        </p:style>
+        <p:txBody>
+          <a:bodyPr rot="0" spcFirstLastPara="1" vertOverflow="overflow" horzOverflow="overflow" vert="horz" wrap="square" lIns="50800" tIns="50800" rIns="50800" bIns="50800" numCol="1" spcCol="38100" rtlCol="0" anchor="ctr">
+            <a:noAutofit/>
+          </a:bodyPr>
+          <a:lstStyle/>
+          <a:p>
+            <a:pPr marL="0" marR="0" indent="0" algn="l" defTabSz="584200" rtl="0" fontAlgn="auto" latinLnBrk="1" hangingPunct="0">
+              <a:lnSpc>
+                <a:spcPct val="100000"/>
+              </a:lnSpc>
+              <a:spcBef>
+                <a:spcPts val="0"/>
+              </a:spcBef>
+              <a:spcAft>
+                <a:spcPts val="0"/>
+              </a:spcAft>
+              <a:buClrTx/>
+              <a:buSzTx/>
+              <a:buFontTx/>
+              <a:buNone/>
+              <a:tabLst/>
+            </a:pPr>
+            <a:r>
+              <a:rPr lang="en-US" sz="1800" dirty="0" smtClean="0">
+                <a:solidFill>
+                  <a:srgbClr val="000000"/>
+                </a:solidFill>
+              </a:rPr>
+              <a:t>Input: </a:t>
+            </a:r>
+          </a:p>
+          <a:p>
+            <a:pPr marL="285750" marR="0" indent="-285750" algn="l" defTabSz="584200" rtl="0" fontAlgn="auto" latinLnBrk="1" hangingPunct="0">
+              <a:lnSpc>
+                <a:spcPct val="100000"/>
+              </a:lnSpc>
+              <a:spcBef>
+                <a:spcPts val="0"/>
+              </a:spcBef>
+              <a:spcAft>
+                <a:spcPts val="0"/>
+              </a:spcAft>
+              <a:buClrTx/>
+              <a:buSzTx/>
+              <a:buFont typeface="Arial"/>
+              <a:buChar char="•"/>
+              <a:tabLst/>
+            </a:pPr>
+            <a:r>
+              <a:rPr lang="en-US" sz="1800" dirty="0" smtClean="0">
+                <a:solidFill>
+                  <a:srgbClr val="000000"/>
+                </a:solidFill>
+              </a:rPr>
+              <a:t>Centroid-Locations </a:t>
+            </a:r>
+            <a:r>
+              <a:rPr lang="en-US" sz="1800" dirty="0" err="1" smtClean="0">
+                <a:solidFill>
+                  <a:srgbClr val="000000"/>
+                </a:solidFill>
+              </a:rPr>
+              <a:t>z</a:t>
+            </a:r>
+            <a:r>
+              <a:rPr lang="en-US" sz="1800" baseline="-25000" dirty="0" err="1" smtClean="0">
+                <a:solidFill>
+                  <a:srgbClr val="000000"/>
+                </a:solidFill>
+              </a:rPr>
+              <a:t>i</a:t>
+            </a:r>
+            <a:endParaRPr lang="en-US" sz="1800" baseline="-25000" dirty="0" smtClean="0">
+              <a:solidFill>
+                <a:srgbClr val="000000"/>
+              </a:solidFill>
+            </a:endParaRPr>
+          </a:p>
+          <a:p>
+            <a:pPr marL="285750" marR="0" indent="-285750" algn="l" defTabSz="584200" rtl="0" fontAlgn="auto" latinLnBrk="1" hangingPunct="0">
+              <a:lnSpc>
+                <a:spcPct val="100000"/>
+              </a:lnSpc>
+              <a:spcBef>
+                <a:spcPts val="0"/>
+              </a:spcBef>
+              <a:spcAft>
+                <a:spcPts val="0"/>
+              </a:spcAft>
+              <a:buClrTx/>
+              <a:buSzTx/>
+              <a:buFont typeface="Arial"/>
+              <a:buChar char="•"/>
+              <a:tabLst/>
+            </a:pPr>
+            <a:r>
+              <a:rPr lang="en-GB" sz="1800" dirty="0" smtClean="0">
+                <a:solidFill>
+                  <a:srgbClr val="000000"/>
+                </a:solidFill>
+              </a:rPr>
+              <a:t>Centroid-Parameters </a:t>
+            </a:r>
+            <a:r>
+              <a:rPr lang="en-GB" sz="1800" dirty="0" err="1" smtClean="0">
+                <a:solidFill>
+                  <a:srgbClr val="000000"/>
+                </a:solidFill>
+              </a:rPr>
+              <a:t>a</a:t>
+            </a:r>
+            <a:r>
+              <a:rPr lang="en-GB" sz="1800" baseline="-25000" dirty="0" err="1" smtClean="0">
+                <a:solidFill>
+                  <a:srgbClr val="000000"/>
+                </a:solidFill>
+              </a:rPr>
+              <a:t>i</a:t>
+            </a:r>
+            <a:r>
+              <a:rPr lang="en-GB" sz="1800" dirty="0" smtClean="0">
+                <a:solidFill>
+                  <a:srgbClr val="000000"/>
+                </a:solidFill>
+              </a:rPr>
+              <a:t> </a:t>
+            </a:r>
+          </a:p>
+          <a:p>
+            <a:pPr marL="285750" marR="0" indent="-285750" algn="l" defTabSz="584200" rtl="0" fontAlgn="auto" latinLnBrk="1" hangingPunct="0">
+              <a:lnSpc>
+                <a:spcPct val="100000"/>
+              </a:lnSpc>
+              <a:spcBef>
+                <a:spcPts val="0"/>
+              </a:spcBef>
+              <a:spcAft>
+                <a:spcPts val="0"/>
+              </a:spcAft>
+              <a:buClrTx/>
+              <a:buSzTx/>
+              <a:buFont typeface="Arial"/>
+              <a:buChar char="•"/>
+              <a:tabLst/>
+            </a:pPr>
+            <a:r>
+              <a:rPr lang="en-GB" sz="1800" dirty="0" smtClean="0">
+                <a:solidFill>
+                  <a:srgbClr val="000000"/>
+                </a:solidFill>
+              </a:rPr>
+              <a:t>Constant c</a:t>
+            </a:r>
+            <a:endParaRPr lang="en-US" sz="1800" dirty="0">
+              <a:solidFill>
+                <a:srgbClr val="000000"/>
+              </a:solidFill>
+            </a:endParaRPr>
+          </a:p>
+          <a:p>
+            <a:pPr marL="285750" marR="0" indent="-285750" algn="l" defTabSz="584200" rtl="0" fontAlgn="auto" latinLnBrk="1" hangingPunct="0">
+              <a:lnSpc>
+                <a:spcPct val="100000"/>
+              </a:lnSpc>
+              <a:spcBef>
+                <a:spcPts val="0"/>
+              </a:spcBef>
+              <a:spcAft>
+                <a:spcPts val="0"/>
+              </a:spcAft>
+              <a:buClrTx/>
+              <a:buSzTx/>
+              <a:buFont typeface="Arial"/>
+              <a:buChar char="•"/>
+              <a:tabLst/>
+            </a:pPr>
+            <a:r>
+              <a:rPr lang="en-US" sz="1800" dirty="0" smtClean="0">
+                <a:solidFill>
+                  <a:srgbClr val="000000"/>
+                </a:solidFill>
+              </a:rPr>
+              <a:t>X-Distribution</a:t>
+            </a:r>
+          </a:p>
+          <a:p>
+            <a:pPr marL="285750" marR="0" indent="-285750" algn="l" defTabSz="584200" rtl="0" fontAlgn="auto" latinLnBrk="1" hangingPunct="0">
+              <a:lnSpc>
+                <a:spcPct val="100000"/>
+              </a:lnSpc>
+              <a:spcBef>
+                <a:spcPts val="0"/>
+              </a:spcBef>
+              <a:spcAft>
+                <a:spcPts val="0"/>
+              </a:spcAft>
+              <a:buClrTx/>
+              <a:buSzTx/>
+              <a:buFont typeface="Arial"/>
+              <a:buChar char="•"/>
+              <a:tabLst/>
+            </a:pPr>
+            <a:r>
+              <a:rPr lang="en-US" sz="1800" dirty="0" smtClean="0">
+                <a:solidFill>
+                  <a:srgbClr val="000000"/>
+                </a:solidFill>
+              </a:rPr>
+              <a:t>error-distribution</a:t>
+            </a:r>
+          </a:p>
+          <a:p>
+            <a:pPr marL="285750" marR="0" indent="-285750" algn="l" defTabSz="584200" rtl="0" fontAlgn="auto" latinLnBrk="1" hangingPunct="0">
+              <a:lnSpc>
+                <a:spcPct val="100000"/>
+              </a:lnSpc>
+              <a:spcBef>
+                <a:spcPts val="0"/>
+              </a:spcBef>
+              <a:spcAft>
+                <a:spcPts val="0"/>
+              </a:spcAft>
+              <a:buClrTx/>
+              <a:buSzTx/>
+              <a:buFont typeface="Arial"/>
+              <a:buChar char="•"/>
+              <a:tabLst/>
+            </a:pPr>
+            <a:r>
+              <a:rPr lang="en-US" sz="1800" dirty="0" smtClean="0">
+                <a:solidFill>
+                  <a:srgbClr val="000000"/>
+                </a:solidFill>
+              </a:rPr>
+              <a:t>D</a:t>
+            </a:r>
+            <a:r>
+              <a:rPr lang="en-US" sz="1800" dirty="0" smtClean="0">
+                <a:solidFill>
+                  <a:srgbClr val="000000"/>
+                </a:solidFill>
+              </a:rPr>
+              <a:t>istance function d(</a:t>
+            </a:r>
+            <a:r>
+              <a:rPr lang="en-US" sz="1800" dirty="0" err="1" smtClean="0">
+                <a:solidFill>
+                  <a:srgbClr val="000000"/>
+                </a:solidFill>
+              </a:rPr>
+              <a:t>a,b</a:t>
+            </a:r>
+            <a:r>
+              <a:rPr lang="en-US" sz="1800" dirty="0" smtClean="0">
+                <a:solidFill>
+                  <a:srgbClr val="000000"/>
+                </a:solidFill>
+              </a:rPr>
+              <a:t>)</a:t>
+            </a:r>
+          </a:p>
+          <a:p>
+            <a:pPr marL="285750" marR="0" indent="-285750" algn="l" defTabSz="584200" rtl="0" fontAlgn="auto" latinLnBrk="1" hangingPunct="0">
+              <a:lnSpc>
+                <a:spcPct val="100000"/>
+              </a:lnSpc>
+              <a:spcBef>
+                <a:spcPts val="0"/>
+              </a:spcBef>
+              <a:spcAft>
+                <a:spcPts val="0"/>
+              </a:spcAft>
+              <a:buClrTx/>
+              <a:buSzTx/>
+              <a:buFont typeface="Arial"/>
+              <a:buChar char="•"/>
+              <a:tabLst/>
+            </a:pPr>
+            <a:endParaRPr lang="en-US" sz="1800" dirty="0" smtClean="0">
+              <a:solidFill>
+                <a:srgbClr val="000000"/>
+              </a:solidFill>
+            </a:endParaRPr>
+          </a:p>
+          <a:p>
+            <a:pPr marR="0" algn="l" defTabSz="584200" rtl="0" fontAlgn="auto" latinLnBrk="1" hangingPunct="0">
+              <a:lnSpc>
+                <a:spcPct val="100000"/>
+              </a:lnSpc>
+              <a:spcBef>
+                <a:spcPts val="0"/>
+              </a:spcBef>
+              <a:spcAft>
+                <a:spcPts val="0"/>
+              </a:spcAft>
+              <a:buClrTx/>
+              <a:buSzTx/>
+              <a:tabLst/>
+            </a:pPr>
+            <a:r>
+              <a:rPr lang="en-US" sz="1800" dirty="0" smtClean="0">
+                <a:solidFill>
+                  <a:srgbClr val="000000"/>
+                </a:solidFill>
+              </a:rPr>
+              <a:t>Algorithm:</a:t>
+            </a:r>
+          </a:p>
+          <a:p>
+            <a:pPr marR="0" algn="l" defTabSz="584200" rtl="0" fontAlgn="auto" latinLnBrk="1" hangingPunct="0">
+              <a:lnSpc>
+                <a:spcPct val="100000"/>
+              </a:lnSpc>
+              <a:spcBef>
+                <a:spcPts val="0"/>
+              </a:spcBef>
+              <a:spcAft>
+                <a:spcPts val="0"/>
+              </a:spcAft>
+              <a:buClrTx/>
+              <a:buSzTx/>
+              <a:tabLst/>
+            </a:pPr>
+            <a:endParaRPr lang="en-US" sz="1800" dirty="0" smtClean="0">
+              <a:solidFill>
+                <a:srgbClr val="000000"/>
+              </a:solidFill>
+            </a:endParaRPr>
+          </a:p>
+          <a:p>
+            <a:pPr marL="342900" marR="0" indent="-342900" algn="l" defTabSz="584200" rtl="0" fontAlgn="auto" latinLnBrk="1" hangingPunct="0">
+              <a:lnSpc>
+                <a:spcPct val="100000"/>
+              </a:lnSpc>
+              <a:spcBef>
+                <a:spcPts val="0"/>
+              </a:spcBef>
+              <a:spcAft>
+                <a:spcPts val="0"/>
+              </a:spcAft>
+              <a:buClrTx/>
+              <a:buSzTx/>
+              <a:buFont typeface="+mj-lt"/>
+              <a:buAutoNum type="arabicPeriod"/>
+              <a:tabLst/>
+            </a:pPr>
+            <a:r>
+              <a:rPr lang="en-US" sz="1800" dirty="0" smtClean="0">
+                <a:solidFill>
+                  <a:srgbClr val="000000"/>
+                </a:solidFill>
+              </a:rPr>
+              <a:t>Randomly d</a:t>
+            </a:r>
+            <a:r>
+              <a:rPr kumimoji="0" lang="en-US" sz="1800" b="0" i="0" u="none" strike="noStrike" cap="none" spc="0" normalizeH="0" baseline="0" dirty="0" smtClean="0">
+                <a:ln>
+                  <a:noFill/>
+                </a:ln>
+                <a:solidFill>
+                  <a:srgbClr val="000000"/>
+                </a:solidFill>
+                <a:effectLst/>
+                <a:uFillTx/>
+                <a:sym typeface="Helvetica Light"/>
+              </a:rPr>
+              <a:t>raw</a:t>
+            </a:r>
+            <a:r>
+              <a:rPr kumimoji="0" lang="en-US" sz="1800" b="0" i="0" u="none" strike="noStrike" cap="none" spc="0" normalizeH="0" dirty="0" smtClean="0">
+                <a:ln>
+                  <a:noFill/>
+                </a:ln>
+                <a:solidFill>
+                  <a:srgbClr val="000000"/>
+                </a:solidFill>
+                <a:effectLst/>
+                <a:uFillTx/>
+                <a:sym typeface="Helvetica Light"/>
+              </a:rPr>
+              <a:t> n-observations from X- and error-distribution</a:t>
+            </a:r>
+          </a:p>
+          <a:p>
+            <a:pPr marL="342900" marR="0" indent="-342900" algn="l" defTabSz="584200" rtl="0" fontAlgn="auto" latinLnBrk="1" hangingPunct="0">
+              <a:lnSpc>
+                <a:spcPct val="100000"/>
+              </a:lnSpc>
+              <a:spcBef>
+                <a:spcPts val="0"/>
+              </a:spcBef>
+              <a:spcAft>
+                <a:spcPts val="0"/>
+              </a:spcAft>
+              <a:buClrTx/>
+              <a:buSzTx/>
+              <a:buFont typeface="+mj-lt"/>
+              <a:buAutoNum type="arabicPeriod"/>
+              <a:tabLst/>
+            </a:pPr>
+            <a:endParaRPr kumimoji="0" lang="en-US" sz="1800" b="0" i="0" u="none" strike="noStrike" cap="none" spc="0" normalizeH="0" dirty="0" smtClean="0">
+              <a:ln>
+                <a:noFill/>
+              </a:ln>
+              <a:solidFill>
+                <a:srgbClr val="000000"/>
+              </a:solidFill>
+              <a:effectLst/>
+              <a:uFillTx/>
+              <a:sym typeface="Helvetica Light"/>
+            </a:endParaRPr>
+          </a:p>
+          <a:p>
+            <a:pPr marL="342900" marR="0" indent="-342900" algn="l" defTabSz="584200" rtl="0" fontAlgn="auto" latinLnBrk="1" hangingPunct="0">
+              <a:lnSpc>
+                <a:spcPct val="100000"/>
+              </a:lnSpc>
+              <a:spcBef>
+                <a:spcPts val="0"/>
+              </a:spcBef>
+              <a:spcAft>
+                <a:spcPts val="0"/>
+              </a:spcAft>
+              <a:buClrTx/>
+              <a:buSzTx/>
+              <a:buFont typeface="+mj-lt"/>
+              <a:buAutoNum type="arabicPeriod"/>
+              <a:tabLst/>
+            </a:pPr>
+            <a:r>
+              <a:rPr lang="en-US" sz="1800" baseline="0" dirty="0" smtClean="0">
+                <a:solidFill>
+                  <a:srgbClr val="000000"/>
+                </a:solidFill>
+              </a:rPr>
+              <a:t>Calculate</a:t>
+            </a:r>
+            <a:r>
+              <a:rPr lang="en-US" sz="1800" dirty="0" smtClean="0">
+                <a:solidFill>
+                  <a:srgbClr val="000000"/>
+                </a:solidFill>
+              </a:rPr>
+              <a:t> Latent variable </a:t>
+            </a:r>
+            <a:br>
+              <a:rPr lang="en-US" sz="1800" dirty="0" smtClean="0">
+                <a:solidFill>
+                  <a:srgbClr val="000000"/>
+                </a:solidFill>
+              </a:rPr>
+            </a:br>
+            <a:r>
+              <a:rPr lang="en-US" sz="1800" dirty="0" smtClean="0">
+                <a:solidFill>
+                  <a:srgbClr val="000000"/>
+                </a:solidFill>
+              </a:rPr>
+              <a:t>y* = c + a</a:t>
+            </a:r>
+            <a:r>
+              <a:rPr lang="en-US" sz="1800" baseline="-25000" dirty="0" smtClean="0">
+                <a:solidFill>
+                  <a:srgbClr val="000000"/>
+                </a:solidFill>
+              </a:rPr>
+              <a:t>1</a:t>
+            </a:r>
+            <a:r>
+              <a:rPr lang="en-US" sz="1800" dirty="0" smtClean="0">
+                <a:solidFill>
+                  <a:srgbClr val="000000"/>
+                </a:solidFill>
+              </a:rPr>
+              <a:t>*(d(x,z</a:t>
+            </a:r>
+            <a:r>
+              <a:rPr lang="en-US" sz="1800" baseline="-25000" dirty="0" smtClean="0">
+                <a:solidFill>
+                  <a:srgbClr val="000000"/>
+                </a:solidFill>
+              </a:rPr>
+              <a:t>1</a:t>
+            </a:r>
+            <a:r>
+              <a:rPr lang="en-US" sz="1800" dirty="0" smtClean="0">
+                <a:solidFill>
+                  <a:srgbClr val="000000"/>
+                </a:solidFill>
+              </a:rPr>
+              <a:t>)</a:t>
+            </a:r>
+            <a:r>
+              <a:rPr lang="en-US" sz="1800" baseline="30000" dirty="0" smtClean="0">
+                <a:solidFill>
+                  <a:srgbClr val="000000"/>
+                </a:solidFill>
+              </a:rPr>
+              <a:t>-1</a:t>
+            </a:r>
+            <a:r>
+              <a:rPr lang="en-US" sz="1800" dirty="0" smtClean="0">
+                <a:solidFill>
+                  <a:srgbClr val="000000"/>
+                </a:solidFill>
+              </a:rPr>
+              <a:t>.... + error</a:t>
+            </a:r>
+          </a:p>
+          <a:p>
+            <a:pPr marL="342900" marR="0" indent="-342900" algn="l" defTabSz="584200" rtl="0" fontAlgn="auto" latinLnBrk="1" hangingPunct="0">
+              <a:lnSpc>
+                <a:spcPct val="100000"/>
+              </a:lnSpc>
+              <a:spcBef>
+                <a:spcPts val="0"/>
+              </a:spcBef>
+              <a:spcAft>
+                <a:spcPts val="0"/>
+              </a:spcAft>
+              <a:buClrTx/>
+              <a:buSzTx/>
+              <a:buFont typeface="+mj-lt"/>
+              <a:buAutoNum type="arabicPeriod"/>
+              <a:tabLst/>
+            </a:pPr>
+            <a:endParaRPr lang="en-US" sz="1800" dirty="0" smtClean="0">
+              <a:solidFill>
+                <a:srgbClr val="000000"/>
+              </a:solidFill>
+            </a:endParaRPr>
+          </a:p>
+          <a:p>
+            <a:pPr marL="342900" marR="0" indent="-342900" algn="l" defTabSz="584200" rtl="0" fontAlgn="auto" latinLnBrk="1" hangingPunct="0">
+              <a:lnSpc>
+                <a:spcPct val="100000"/>
+              </a:lnSpc>
+              <a:spcBef>
+                <a:spcPts val="0"/>
+              </a:spcBef>
+              <a:spcAft>
+                <a:spcPts val="0"/>
+              </a:spcAft>
+              <a:buClrTx/>
+              <a:buSzTx/>
+              <a:buFont typeface="+mj-lt"/>
+              <a:buAutoNum type="arabicPeriod"/>
+              <a:tabLst/>
+            </a:pPr>
+            <a:r>
+              <a:rPr kumimoji="0" lang="en-US" sz="1800" b="0" i="0" u="none" strike="noStrike" cap="none" spc="0" normalizeH="0" baseline="0" dirty="0" smtClean="0">
+                <a:ln>
+                  <a:noFill/>
+                </a:ln>
+                <a:solidFill>
+                  <a:srgbClr val="000000"/>
+                </a:solidFill>
+                <a:effectLst/>
+                <a:uFillTx/>
+                <a:sym typeface="Helvetica Light"/>
+              </a:rPr>
+              <a:t>Calculate labels as y</a:t>
+            </a:r>
+            <a:r>
+              <a:rPr kumimoji="0" lang="en-US" sz="1800" b="0" i="0" u="none" strike="noStrike" cap="none" spc="0" normalizeH="0" dirty="0" smtClean="0">
+                <a:ln>
+                  <a:noFill/>
+                </a:ln>
+                <a:solidFill>
+                  <a:srgbClr val="000000"/>
+                </a:solidFill>
+                <a:effectLst/>
+                <a:uFillTx/>
+                <a:sym typeface="Helvetica Light"/>
+              </a:rPr>
+              <a:t> = sign(y*)</a:t>
+            </a:r>
+            <a:r>
+              <a:rPr kumimoji="0" lang="en-US" sz="1800" b="0" i="0" u="none" strike="noStrike" cap="none" spc="0" normalizeH="0" baseline="0" dirty="0" smtClean="0">
+                <a:ln>
+                  <a:noFill/>
+                </a:ln>
+                <a:solidFill>
+                  <a:srgbClr val="000000"/>
+                </a:solidFill>
+                <a:effectLst/>
+                <a:uFillTx/>
+                <a:sym typeface="Helvetica Light"/>
+              </a:rPr>
+              <a:t> </a:t>
+            </a:r>
+            <a:endParaRPr kumimoji="0" lang="en-US" sz="1800" b="0" i="0" u="none" strike="noStrike" cap="none" spc="0" normalizeH="0" baseline="0" dirty="0">
+              <a:ln>
+                <a:noFill/>
+              </a:ln>
+              <a:solidFill>
+                <a:srgbClr val="000000"/>
+              </a:solidFill>
+              <a:effectLst/>
+              <a:uFillTx/>
+              <a:sym typeface="Helvetica Light"/>
+            </a:endParaRPr>
+          </a:p>
+        </p:txBody>
+      </p:sp>
+    </p:spTree>
+  </p:cSld>
+  <p:clrMapOvr>
+    <a:masterClrMapping/>
+  </p:clrMapOvr>
+  <p:transition xmlns:p14="http://schemas.microsoft.com/office/powerpoint/2010/main" spd="med"/>
+  <p:timing>
+    <p:tnLst>
+      <p:par>
+        <p:cTn xmlns:p14="http://schemas.microsoft.com/office/powerpoint/2010/main" id="1" dur="indefinite" restart="never" nodeType="tmRoot"/>
+      </p:par>
+    </p:tnLst>
+  </p:timing>
+</p:sld>
+</file>
+
+<file path=ppt/slides/slide7.xml><?xml version="1.0" encoding="utf-8"?>
 <p:sld xmlns:a="http://schemas.openxmlformats.org/drawingml/2006/main" xmlns:r="http://schemas.openxmlformats.org/officeDocument/2006/relationships" xmlns:p="http://schemas.openxmlformats.org/presentationml/2006/main">
   <p:cSld>
     <p:spTree>
@@ -5265,100 +6908,14 @@
   <p:clrMapOvr>
     <a:masterClrMapping/>
   </p:clrMapOvr>
-  <p:transition spd="med"/>
-</p:sld>
-</file>
-
-<file path=ppt/slides/slide7.xml><?xml version="1.0" encoding="utf-8"?>
-<p:sld xmlns:a="http://schemas.openxmlformats.org/drawingml/2006/main" xmlns:r="http://schemas.openxmlformats.org/officeDocument/2006/relationships" xmlns:p="http://schemas.openxmlformats.org/presentationml/2006/main">
-  <p:cSld>
-    <p:spTree>
-      <p:nvGrpSpPr>
-        <p:cNvPr id="1" name=""/>
-        <p:cNvGrpSpPr/>
-        <p:nvPr/>
-      </p:nvGrpSpPr>
-      <p:grpSpPr>
-        <a:xfrm>
-          <a:off x="0" y="0"/>
-          <a:ext cx="0" cy="0"/>
-          <a:chOff x="0" y="0"/>
-          <a:chExt cx="0" cy="0"/>
-        </a:xfrm>
-      </p:grpSpPr>
-      <p:sp>
-        <p:nvSpPr>
-          <p:cNvPr id="66" name="Shape 66"/>
-          <p:cNvSpPr>
-            <a:spLocks noGrp="1"/>
-          </p:cNvSpPr>
-          <p:nvPr>
-            <p:ph type="title"/>
-          </p:nvPr>
-        </p:nvSpPr>
-        <p:spPr>
-          <a:prstGeom prst="rect">
-            <a:avLst/>
-          </a:prstGeom>
-        </p:spPr>
-        <p:txBody>
-          <a:bodyPr/>
-          <a:lstStyle/>
-          <a:p>
-            <a:pPr lvl="0">
-              <a:defRPr sz="1800"/>
-            </a:pPr>
-            <a:r>
-              <a:rPr sz="6000" dirty="0"/>
-              <a:t>Implementation</a:t>
-            </a:r>
-          </a:p>
-        </p:txBody>
-      </p:sp>
-      <p:sp>
-        <p:nvSpPr>
-          <p:cNvPr id="67" name="Shape 67"/>
-          <p:cNvSpPr>
-            <a:spLocks noGrp="1"/>
-          </p:cNvSpPr>
-          <p:nvPr>
-            <p:ph type="body" idx="1"/>
-          </p:nvPr>
-        </p:nvSpPr>
-        <p:spPr>
-          <a:prstGeom prst="rect">
-            <a:avLst/>
-          </a:prstGeom>
-        </p:spPr>
-        <p:txBody>
-          <a:bodyPr/>
-          <a:lstStyle/>
-          <a:p>
-            <a:pPr lvl="0">
-              <a:defRPr sz="1800"/>
-            </a:pPr>
-            <a:r>
-              <a:rPr sz="3600" dirty="0"/>
-              <a:t>what we did</a:t>
-            </a:r>
-          </a:p>
-          <a:p>
-            <a:pPr lvl="0">
-              <a:defRPr sz="1800"/>
-            </a:pPr>
-            <a:r>
-              <a:rPr sz="3600" dirty="0"/>
-              <a:t>keine Ahnung was wir da genau hinschreiben. uns fällt was ein</a:t>
-            </a:r>
-          </a:p>
-        </p:txBody>
-      </p:sp>
-    </p:spTree>
-  </p:cSld>
-  <p:clrMapOvr>
-    <a:masterClrMapping/>
-  </p:clrMapOvr>
-  <p:transition spd="med"/>
+  <p:transition xmlns:p14="http://schemas.microsoft.com/office/powerpoint/2010/main" spd="med"/>
+  <p:timing>
+    <p:tnLst>
+      <p:par>
+        <p:cTn xmlns:p14="http://schemas.microsoft.com/office/powerpoint/2010/main" id="1" dur="indefinite" restart="never" nodeType="tmRoot"/>
+      </p:par>
+    </p:tnLst>
+  </p:timing>
 </p:sld>
 </file>
 
@@ -5381,7 +6938,7 @@
       </p:grpSpPr>
       <p:sp>
         <p:nvSpPr>
-          <p:cNvPr id="69" name="Shape 69"/>
+          <p:cNvPr id="75" name="Shape 75"/>
           <p:cNvSpPr>
             <a:spLocks noGrp="1"/>
           </p:cNvSpPr>
@@ -5395,22 +6952,103 @@
           </a:prstGeom>
         </p:spPr>
         <p:txBody>
-          <a:bodyPr/>
+          <a:bodyPr>
+            <a:normAutofit/>
+          </a:bodyPr>
           <a:lstStyle/>
           <a:p>
             <a:pPr lvl="0">
               <a:defRPr sz="1800"/>
             </a:pPr>
             <a:r>
-              <a:rPr sz="8000"/>
-              <a:t>Simulation of Data</a:t>
-            </a:r>
+              <a:rPr lang="en-GB" sz="6000" dirty="0" smtClean="0"/>
+              <a:t>Results</a:t>
+            </a:r>
+            <a:endParaRPr sz="6000" dirty="0"/>
           </a:p>
         </p:txBody>
       </p:sp>
       <p:sp>
         <p:nvSpPr>
-          <p:cNvPr id="70" name="Shape 70"/>
+          <p:cNvPr id="3" name="Rechteck 2"/>
+          <p:cNvSpPr/>
+          <p:nvPr/>
+        </p:nvSpPr>
+        <p:spPr>
+          <a:xfrm>
+            <a:off x="8017329" y="4980214"/>
+            <a:ext cx="473528" cy="2286000"/>
+          </a:xfrm>
+          <a:prstGeom prst="rect">
+            <a:avLst/>
+          </a:prstGeom>
+          <a:blipFill rotWithShape="1">
+            <a:blip r:embed="rId2">
+              <a:biLevel thresh="25000"/>
+            </a:blip>
+            <a:srcRect/>
+            <a:tile tx="0" ty="0" sx="100000" sy="100000" flip="none" algn="tl"/>
+          </a:blipFill>
+          <a:ln w="12700" cap="flat">
+            <a:noFill/>
+            <a:miter lim="400000"/>
+          </a:ln>
+          <a:effectLst/>
+        </p:spPr>
+        <p:style>
+          <a:lnRef idx="0">
+            <a:scrgbClr r="0" g="0" b="0"/>
+          </a:lnRef>
+          <a:fillRef idx="0">
+            <a:scrgbClr r="0" g="0" b="0"/>
+          </a:fillRef>
+          <a:effectRef idx="0">
+            <a:scrgbClr r="0" g="0" b="0"/>
+          </a:effectRef>
+          <a:fontRef idx="none"/>
+        </p:style>
+        <p:txBody>
+          <a:bodyPr rot="0" spcFirstLastPara="1" vertOverflow="overflow" horzOverflow="overflow" vert="horz" wrap="square" lIns="50800" tIns="50800" rIns="50800" bIns="50800" numCol="1" spcCol="38100" rtlCol="0" anchor="ctr">
+            <a:spAutoFit/>
+          </a:bodyPr>
+          <a:lstStyle/>
+          <a:p>
+            <a:pPr marL="0" marR="0" indent="0" algn="ctr" defTabSz="584200" rtl="0" fontAlgn="auto" latinLnBrk="1" hangingPunct="0">
+              <a:lnSpc>
+                <a:spcPct val="100000"/>
+              </a:lnSpc>
+              <a:spcBef>
+                <a:spcPts val="0"/>
+              </a:spcBef>
+              <a:spcAft>
+                <a:spcPts val="0"/>
+              </a:spcAft>
+              <a:buClrTx/>
+              <a:buSzTx/>
+              <a:buFontTx/>
+              <a:buNone/>
+              <a:tabLst/>
+            </a:pPr>
+            <a:endParaRPr kumimoji="0" lang="de-DE" sz="2400" b="0" i="0" u="none" strike="noStrike" cap="none" spc="0" normalizeH="0" baseline="0">
+              <a:ln>
+                <a:noFill/>
+              </a:ln>
+              <a:solidFill>
+                <a:srgbClr val="FFFFFF"/>
+              </a:solidFill>
+              <a:effectLst/>
+              <a:uFillTx/>
+              <a:latin typeface="+mn-lt"/>
+              <a:ea typeface="+mn-ea"/>
+              <a:cs typeface="+mn-cs"/>
+              <a:sym typeface="Helvetica Light"/>
+            </a:endParaRPr>
+          </a:p>
+        </p:txBody>
+      </p:sp>
+      <p:sp>
+        <p:nvSpPr>
+          <p:cNvPr id="8" name="Shape 45"/>
           <p:cNvSpPr>
             <a:spLocks noGrp="1"/>
           </p:cNvSpPr>
@@ -5419,30 +7057,422 @@
           </p:nvPr>
         </p:nvSpPr>
         <p:spPr>
+          <a:xfrm>
+            <a:off x="952500" y="2603500"/>
+            <a:ext cx="11099800" cy="6286500"/>
+          </a:xfrm>
           <a:prstGeom prst="rect">
             <a:avLst/>
           </a:prstGeom>
         </p:spPr>
         <p:txBody>
-          <a:bodyPr/>
+          <a:bodyPr anchor="t">
+            <a:noAutofit/>
+          </a:bodyPr>
           <a:lstStyle/>
           <a:p>
-            <a:pPr lvl="0">
+            <a:pPr marL="0" indent="0" algn="l">
+              <a:spcBef>
+                <a:spcPts val="1800"/>
+              </a:spcBef>
+              <a:buNone/>
               <a:defRPr sz="1800"/>
             </a:pPr>
             <a:r>
-              <a:rPr sz="3600"/>
-              <a:t>what we did</a:t>
-            </a:r>
+              <a:rPr lang="de-DE" sz="2800" dirty="0" err="1" smtClean="0"/>
+              <a:t>We</a:t>
+            </a:r>
+            <a:r>
+              <a:rPr lang="de-DE" sz="2800" dirty="0" smtClean="0"/>
+              <a:t> </a:t>
+            </a:r>
+            <a:r>
+              <a:rPr lang="de-DE" sz="2800" dirty="0" err="1" smtClean="0"/>
+              <a:t>analysed</a:t>
+            </a:r>
+            <a:r>
+              <a:rPr lang="de-DE" sz="2800" dirty="0" smtClean="0"/>
+              <a:t> </a:t>
+            </a:r>
+            <a:r>
+              <a:rPr lang="de-DE" sz="2800" dirty="0" err="1" smtClean="0"/>
+              <a:t>impact</a:t>
+            </a:r>
+            <a:r>
+              <a:rPr lang="de-DE" sz="2800" dirty="0" smtClean="0"/>
+              <a:t> </a:t>
+            </a:r>
+            <a:r>
+              <a:rPr lang="de-DE" sz="2800" dirty="0" err="1" smtClean="0"/>
+              <a:t>of</a:t>
+            </a:r>
+            <a:r>
+              <a:rPr lang="de-DE" sz="2800" dirty="0" smtClean="0"/>
+              <a:t> </a:t>
+            </a:r>
+            <a:r>
+              <a:rPr lang="de-DE" sz="2800" dirty="0" err="1" smtClean="0"/>
+              <a:t>following</a:t>
+            </a:r>
+            <a:r>
+              <a:rPr lang="de-DE" sz="2800" dirty="0" smtClean="0"/>
+              <a:t> </a:t>
+            </a:r>
+            <a:r>
+              <a:rPr lang="de-DE" sz="2800" dirty="0" err="1" smtClean="0"/>
+              <a:t>factors</a:t>
+            </a:r>
+            <a:r>
+              <a:rPr lang="de-DE" sz="2800" dirty="0" smtClean="0"/>
+              <a:t> on </a:t>
+            </a:r>
+            <a:r>
+              <a:rPr lang="de-DE" sz="2800" dirty="0" err="1" smtClean="0"/>
+              <a:t>prediction</a:t>
+            </a:r>
+            <a:r>
+              <a:rPr lang="de-DE" sz="2800" dirty="0" smtClean="0"/>
+              <a:t> </a:t>
+            </a:r>
+            <a:r>
+              <a:rPr lang="de-DE" sz="2800" dirty="0" err="1" smtClean="0"/>
+              <a:t>variance</a:t>
+            </a:r>
+            <a:r>
+              <a:rPr lang="de-DE" sz="2800" dirty="0" smtClean="0"/>
+              <a:t> </a:t>
+            </a:r>
+            <a:r>
+              <a:rPr lang="de-DE" sz="2800" dirty="0" err="1" smtClean="0"/>
+              <a:t>for</a:t>
+            </a:r>
+            <a:r>
+              <a:rPr lang="de-DE" sz="2800" dirty="0" smtClean="0"/>
+              <a:t> </a:t>
+            </a:r>
+            <a:r>
+              <a:rPr lang="de-DE" sz="2800" dirty="0" err="1" smtClean="0"/>
+              <a:t>both</a:t>
+            </a:r>
+            <a:r>
+              <a:rPr lang="de-DE" sz="2800" dirty="0" smtClean="0"/>
+              <a:t> linear </a:t>
+            </a:r>
+            <a:r>
+              <a:rPr lang="de-DE" sz="2800" dirty="0" err="1" smtClean="0"/>
+              <a:t>and</a:t>
+            </a:r>
+            <a:r>
+              <a:rPr lang="de-DE" sz="2800" dirty="0" smtClean="0"/>
+              <a:t> </a:t>
+            </a:r>
+            <a:r>
+              <a:rPr lang="de-DE" sz="2800" dirty="0" err="1" smtClean="0"/>
+              <a:t>gaussian</a:t>
+            </a:r>
+            <a:r>
+              <a:rPr lang="de-DE" sz="2800" dirty="0" smtClean="0"/>
+              <a:t> </a:t>
+            </a:r>
+            <a:r>
+              <a:rPr lang="de-DE" sz="2800" dirty="0" err="1" smtClean="0"/>
+              <a:t>kernel</a:t>
+            </a:r>
+            <a:r>
+              <a:rPr lang="de-DE" sz="2800" dirty="0" smtClean="0"/>
+              <a:t> SVMs:</a:t>
+            </a:r>
+          </a:p>
+          <a:p>
+            <a:pPr marL="457200" indent="-457200" algn="l">
+              <a:spcBef>
+                <a:spcPts val="1800"/>
+              </a:spcBef>
+              <a:buFont typeface="+mj-lt"/>
+              <a:buAutoNum type="arabicPeriod"/>
+              <a:defRPr sz="1800"/>
+            </a:pPr>
+            <a:r>
+              <a:rPr lang="de-DE" sz="2800" dirty="0" smtClean="0"/>
+              <a:t>Choice </a:t>
+            </a:r>
+            <a:r>
+              <a:rPr lang="de-DE" sz="2800" dirty="0" err="1" smtClean="0"/>
+              <a:t>of</a:t>
+            </a:r>
+            <a:r>
+              <a:rPr lang="de-DE" sz="2800" dirty="0" smtClean="0"/>
+              <a:t> C-Parameter</a:t>
+            </a:r>
+          </a:p>
+          <a:p>
+            <a:pPr marL="457200" indent="-457200" algn="l">
+              <a:spcBef>
+                <a:spcPts val="1800"/>
+              </a:spcBef>
+              <a:buFont typeface="+mj-lt"/>
+              <a:buAutoNum type="arabicPeriod"/>
+              <a:defRPr sz="1800"/>
+            </a:pPr>
+            <a:r>
+              <a:rPr lang="de-DE" sz="2800" dirty="0" smtClean="0"/>
+              <a:t>Balance </a:t>
+            </a:r>
+            <a:r>
+              <a:rPr lang="de-DE" sz="2800" dirty="0" err="1" smtClean="0"/>
+              <a:t>of</a:t>
+            </a:r>
+            <a:r>
+              <a:rPr lang="de-DE" sz="2800" dirty="0" smtClean="0"/>
+              <a:t> </a:t>
+            </a:r>
+            <a:r>
+              <a:rPr lang="de-DE" sz="2800" dirty="0" err="1" smtClean="0"/>
+              <a:t>the</a:t>
+            </a:r>
+            <a:r>
+              <a:rPr lang="de-DE" sz="2800" dirty="0" smtClean="0"/>
+              <a:t> Training-Data (relative Proportion </a:t>
+            </a:r>
+            <a:r>
+              <a:rPr lang="de-DE" sz="2800" dirty="0" err="1" smtClean="0"/>
+              <a:t>of</a:t>
+            </a:r>
+            <a:r>
+              <a:rPr lang="de-DE" sz="2800" dirty="0" smtClean="0"/>
+              <a:t> 1 Label-</a:t>
+            </a:r>
+            <a:r>
+              <a:rPr lang="de-DE" sz="2800" dirty="0" err="1" smtClean="0"/>
+              <a:t>category</a:t>
+            </a:r>
+            <a:r>
+              <a:rPr lang="de-DE" sz="2800" dirty="0" smtClean="0"/>
+              <a:t>)</a:t>
+            </a:r>
+          </a:p>
+          <a:p>
+            <a:pPr marL="457200" indent="-457200" algn="l">
+              <a:spcBef>
+                <a:spcPts val="1800"/>
+              </a:spcBef>
+              <a:buFont typeface="+mj-lt"/>
+              <a:buAutoNum type="arabicPeriod"/>
+              <a:defRPr sz="1800"/>
+            </a:pPr>
+            <a:r>
+              <a:rPr lang="de-DE" sz="2800" dirty="0" err="1" smtClean="0"/>
+              <a:t>Number</a:t>
+            </a:r>
+            <a:r>
+              <a:rPr lang="de-DE" sz="2800" dirty="0" smtClean="0"/>
+              <a:t> </a:t>
+            </a:r>
+            <a:r>
+              <a:rPr lang="de-DE" sz="2800" dirty="0" err="1" smtClean="0"/>
+              <a:t>of</a:t>
+            </a:r>
+            <a:r>
+              <a:rPr lang="de-DE" sz="2800" dirty="0" smtClean="0"/>
+              <a:t> </a:t>
+            </a:r>
+            <a:r>
+              <a:rPr lang="de-DE" sz="2800" dirty="0" err="1" smtClean="0"/>
+              <a:t>support</a:t>
+            </a:r>
+            <a:r>
+              <a:rPr lang="de-DE" sz="2800" dirty="0" smtClean="0"/>
+              <a:t> </a:t>
+            </a:r>
+            <a:r>
+              <a:rPr lang="de-DE" sz="2800" dirty="0" err="1" smtClean="0"/>
+              <a:t>vectors</a:t>
+            </a:r>
+            <a:r>
+              <a:rPr lang="de-DE" sz="2800" dirty="0" smtClean="0"/>
+              <a:t> </a:t>
+            </a:r>
+            <a:r>
+              <a:rPr lang="de-DE" sz="2800" dirty="0" err="1" smtClean="0"/>
+              <a:t>of</a:t>
+            </a:r>
+            <a:r>
+              <a:rPr lang="de-DE" sz="2800" dirty="0" smtClean="0"/>
+              <a:t> </a:t>
+            </a:r>
+            <a:r>
+              <a:rPr lang="de-DE" sz="2800" dirty="0" err="1" smtClean="0"/>
+              <a:t>the</a:t>
+            </a:r>
+            <a:r>
+              <a:rPr lang="de-DE" sz="2800" dirty="0" smtClean="0"/>
+              <a:t> original SVM</a:t>
+            </a:r>
+          </a:p>
+          <a:p>
+            <a:pPr algn="l">
+              <a:spcBef>
+                <a:spcPts val="1800"/>
+              </a:spcBef>
+              <a:defRPr sz="1800"/>
+            </a:pPr>
+            <a:endParaRPr lang="de-DE" sz="2800" dirty="0" smtClean="0"/>
+          </a:p>
+          <a:p>
+            <a:pPr algn="l">
+              <a:spcBef>
+                <a:spcPts val="1800"/>
+              </a:spcBef>
+              <a:defRPr sz="1800"/>
+            </a:pPr>
+            <a:r>
+              <a:rPr lang="de-DE" sz="2800" dirty="0" err="1" smtClean="0"/>
+              <a:t>Following</a:t>
+            </a:r>
+            <a:r>
+              <a:rPr lang="de-DE" sz="2800" dirty="0" smtClean="0"/>
+              <a:t> </a:t>
+            </a:r>
+            <a:r>
+              <a:rPr lang="de-DE" sz="2800" dirty="0" err="1" smtClean="0"/>
+              <a:t>slides</a:t>
+            </a:r>
+            <a:r>
+              <a:rPr lang="de-DE" sz="2800" dirty="0" smtClean="0"/>
+              <a:t> </a:t>
+            </a:r>
+            <a:r>
+              <a:rPr lang="de-DE" sz="2800" dirty="0" err="1" smtClean="0"/>
+              <a:t>contain</a:t>
+            </a:r>
+            <a:r>
+              <a:rPr lang="de-DE" sz="2800" dirty="0" smtClean="0"/>
+              <a:t> </a:t>
+            </a:r>
+            <a:r>
+              <a:rPr lang="de-DE" sz="2800" dirty="0" err="1" smtClean="0"/>
+              <a:t>results</a:t>
+            </a:r>
+            <a:r>
+              <a:rPr lang="de-DE" sz="2800" dirty="0" smtClean="0"/>
+              <a:t> </a:t>
+            </a:r>
+            <a:r>
+              <a:rPr lang="de-DE" sz="2800" dirty="0" err="1" smtClean="0"/>
+              <a:t>from</a:t>
+            </a:r>
+            <a:r>
+              <a:rPr lang="de-DE" sz="2800" dirty="0" smtClean="0"/>
+              <a:t> </a:t>
+            </a:r>
+            <a:r>
+              <a:rPr lang="de-DE" sz="2800" dirty="0" err="1" smtClean="0"/>
+              <a:t>data</a:t>
+            </a:r>
+            <a:r>
+              <a:rPr lang="de-DE" sz="2800" dirty="0" smtClean="0"/>
+              <a:t> </a:t>
+            </a:r>
+            <a:r>
+              <a:rPr lang="de-DE" sz="2800" dirty="0" err="1" smtClean="0"/>
+              <a:t>simulated</a:t>
+            </a:r>
+            <a:r>
+              <a:rPr lang="de-DE" sz="2800" dirty="0" smtClean="0"/>
+              <a:t> </a:t>
+            </a:r>
+            <a:r>
+              <a:rPr lang="de-DE" sz="2800" dirty="0" err="1" smtClean="0"/>
+              <a:t>according</a:t>
+            </a:r>
+            <a:r>
+              <a:rPr lang="de-DE" sz="2800" dirty="0" smtClean="0"/>
+              <a:t> </a:t>
+            </a:r>
+            <a:r>
+              <a:rPr lang="de-DE" sz="2800" dirty="0" err="1" smtClean="0"/>
+              <a:t>to</a:t>
+            </a:r>
+            <a:r>
+              <a:rPr lang="de-DE" sz="2800" dirty="0" smtClean="0"/>
+              <a:t> </a:t>
+            </a:r>
+            <a:r>
+              <a:rPr lang="de-DE" sz="2800" dirty="0" err="1" smtClean="0"/>
+              <a:t>the</a:t>
+            </a:r>
+            <a:r>
+              <a:rPr lang="de-DE" sz="2800" dirty="0" smtClean="0"/>
+              <a:t> "Hyperplane" </a:t>
+            </a:r>
+            <a:r>
+              <a:rPr lang="de-DE" sz="2800" dirty="0" err="1" smtClean="0"/>
+              <a:t>approach</a:t>
+            </a:r>
+            <a:r>
+              <a:rPr lang="de-DE" sz="2800" dirty="0" smtClean="0"/>
+              <a:t>. </a:t>
+            </a:r>
+            <a:r>
+              <a:rPr lang="de-DE" sz="2800" dirty="0" err="1" smtClean="0"/>
+              <a:t>With</a:t>
+            </a:r>
+            <a:endParaRPr lang="de-DE" sz="2800" dirty="0" smtClean="0"/>
+          </a:p>
+          <a:p>
+            <a:pPr lvl="1" algn="l">
+              <a:spcBef>
+                <a:spcPts val="1800"/>
+              </a:spcBef>
+              <a:defRPr sz="1800"/>
+            </a:pPr>
+            <a:r>
+              <a:rPr lang="de-DE" sz="2800" dirty="0" err="1" smtClean="0"/>
+              <a:t>Observations</a:t>
+            </a:r>
+            <a:r>
+              <a:rPr lang="de-DE" sz="2800" dirty="0" smtClean="0"/>
+              <a:t>: 1000, Bootstrap-</a:t>
+            </a:r>
+            <a:r>
+              <a:rPr lang="de-DE" sz="2800" dirty="0" err="1" smtClean="0"/>
+              <a:t>Replications</a:t>
+            </a:r>
+            <a:r>
+              <a:rPr lang="de-DE" sz="2800" dirty="0" smtClean="0"/>
+              <a:t>: 100, X-Dimension: 4</a:t>
+            </a:r>
+          </a:p>
+          <a:p>
+            <a:pPr marL="0" indent="0" algn="l">
+              <a:spcBef>
+                <a:spcPts val="1800"/>
+              </a:spcBef>
+              <a:buNone/>
+              <a:defRPr sz="1800"/>
+            </a:pPr>
+            <a:endParaRPr lang="de-DE" sz="2800" dirty="0" smtClean="0"/>
           </a:p>
         </p:txBody>
       </p:sp>
     </p:spTree>
+    <p:extLst>
+      <p:ext uri="{BB962C8B-B14F-4D97-AF65-F5344CB8AC3E}">
+        <p14:creationId xmlns:p14="http://schemas.microsoft.com/office/powerpoint/2010/main" val="753256076"/>
+      </p:ext>
+    </p:extLst>
   </p:cSld>
   <p:clrMapOvr>
     <a:masterClrMapping/>
   </p:clrMapOvr>
-  <p:transition spd="med"/>
+  <p:transition xmlns:p14="http://schemas.microsoft.com/office/powerpoint/2010/main" spd="med"/>
+  <p:timing>
+    <p:tnLst>
+      <p:par>
+        <p:cTn xmlns:p14="http://schemas.microsoft.com/office/powerpoint/2010/main" id="1" dur="indefinite" restart="never" nodeType="tmRoot"/>
+      </p:par>
+    </p:tnLst>
+  </p:timing>
 </p:sld>
 </file>
 
@@ -5465,7 +7495,7 @@
       </p:grpSpPr>
       <p:sp>
         <p:nvSpPr>
-          <p:cNvPr id="72" name="Shape 72"/>
+          <p:cNvPr id="75" name="Shape 75"/>
           <p:cNvSpPr>
             <a:spLocks noGrp="1"/>
           </p:cNvSpPr>
@@ -5489,21 +7519,226 @@
             </a:pPr>
             <a:r>
               <a:rPr sz="6000" dirty="0"/>
-              <a:t>What we found out</a:t>
+              <a:t>C parameter</a:t>
             </a:r>
           </a:p>
         </p:txBody>
       </p:sp>
       <p:pic>
         <p:nvPicPr>
-          <p:cNvPr id="4" name="Bild 3"/>
+          <p:cNvPr id="76" name="change_C_2016-06-24 18:19:36_n=100_replication=1000_numver_of_datasets=10_kernel=linear_data= dataSimulation([0.8, 0.7, 0.9, -0.3], 1, 0, n).png"/>
+          <p:cNvPicPr/>
+          <p:nvPr/>
+        </p:nvPicPr>
+        <p:blipFill>
+          <a:blip r:embed="rId2">
+            <a:extLst/>
+          </a:blip>
+          <a:stretch>
+            <a:fillRect/>
+          </a:stretch>
+        </p:blipFill>
+        <p:spPr>
+          <a:xfrm>
+            <a:off x="628770" y="3797527"/>
+            <a:ext cx="5582249" cy="4186687"/>
+          </a:xfrm>
+          <a:prstGeom prst="rect">
+            <a:avLst/>
+          </a:prstGeom>
+          <a:ln w="12700">
+            <a:miter lim="400000"/>
+          </a:ln>
+        </p:spPr>
+      </p:pic>
+      <p:sp>
+        <p:nvSpPr>
+          <p:cNvPr id="6" name="Textfeld 5"/>
+          <p:cNvSpPr txBox="1"/>
+          <p:nvPr/>
+        </p:nvSpPr>
+        <p:spPr>
+          <a:xfrm>
+            <a:off x="3035403" y="2603500"/>
+            <a:ext cx="1384995" cy="656590"/>
+          </a:xfrm>
+          <a:prstGeom prst="rect">
+            <a:avLst/>
+          </a:prstGeom>
+          <a:noFill/>
+          <a:ln w="12700" cap="flat">
+            <a:noFill/>
+            <a:miter lim="400000"/>
+          </a:ln>
+          <a:effectLst/>
+        </p:spPr>
+        <p:style>
+          <a:lnRef idx="0">
+            <a:scrgbClr r="0" g="0" b="0"/>
+          </a:lnRef>
+          <a:fillRef idx="0">
+            <a:scrgbClr r="0" g="0" b="0"/>
+          </a:fillRef>
+          <a:effectRef idx="0">
+            <a:scrgbClr r="0" g="0" b="0"/>
+          </a:effectRef>
+          <a:fontRef idx="none"/>
+        </p:style>
+        <p:txBody>
+          <a:bodyPr rot="0" spcFirstLastPara="1" vertOverflow="overflow" horzOverflow="overflow" vert="horz" wrap="none" lIns="50800" tIns="50800" rIns="50800" bIns="50800" numCol="1" spcCol="38100" rtlCol="0" anchor="ctr">
+            <a:spAutoFit/>
+          </a:bodyPr>
+          <a:lstStyle/>
+          <a:p>
+            <a:pPr marL="0" marR="0" indent="0" algn="ctr" defTabSz="584200" rtl="0" fontAlgn="auto" latinLnBrk="1" hangingPunct="0">
+              <a:lnSpc>
+                <a:spcPct val="100000"/>
+              </a:lnSpc>
+              <a:spcBef>
+                <a:spcPts val="0"/>
+              </a:spcBef>
+              <a:spcAft>
+                <a:spcPts val="0"/>
+              </a:spcAft>
+              <a:buClrTx/>
+              <a:buSzTx/>
+              <a:buFontTx/>
+              <a:buNone/>
+              <a:tabLst/>
+            </a:pPr>
+            <a:r>
+              <a:rPr kumimoji="0" lang="de-DE" sz="3600" b="0" i="0" u="none" strike="noStrike" cap="none" spc="0" normalizeH="0" baseline="0" dirty="0" smtClean="0">
+                <a:ln>
+                  <a:noFill/>
+                </a:ln>
+                <a:solidFill>
+                  <a:srgbClr val="000000"/>
+                </a:solidFill>
+                <a:effectLst/>
+                <a:uFillTx/>
+                <a:latin typeface="+mn-lt"/>
+                <a:ea typeface="+mn-ea"/>
+                <a:cs typeface="+mn-cs"/>
+                <a:sym typeface="Helvetica Light"/>
+              </a:rPr>
+              <a:t>Linear</a:t>
+            </a:r>
+            <a:endParaRPr kumimoji="0" lang="de-DE" sz="3600" b="0" i="0" u="none" strike="noStrike" cap="none" spc="0" normalizeH="0" baseline="0" dirty="0">
+              <a:ln>
+                <a:noFill/>
+              </a:ln>
+              <a:solidFill>
+                <a:srgbClr val="000000"/>
+              </a:solidFill>
+              <a:effectLst/>
+              <a:uFillTx/>
+              <a:latin typeface="+mn-lt"/>
+              <a:ea typeface="+mn-ea"/>
+              <a:cs typeface="+mn-cs"/>
+              <a:sym typeface="Helvetica Light"/>
+            </a:endParaRPr>
+          </a:p>
+        </p:txBody>
+      </p:sp>
+      <p:sp>
+        <p:nvSpPr>
+          <p:cNvPr id="7" name="Textfeld 6"/>
+          <p:cNvSpPr txBox="1"/>
+          <p:nvPr/>
+        </p:nvSpPr>
+        <p:spPr>
+          <a:xfrm>
+            <a:off x="8635244" y="2638006"/>
+            <a:ext cx="2051845" cy="656590"/>
+          </a:xfrm>
+          <a:prstGeom prst="rect">
+            <a:avLst/>
+          </a:prstGeom>
+          <a:noFill/>
+          <a:ln w="12700" cap="flat">
+            <a:noFill/>
+            <a:miter lim="400000"/>
+          </a:ln>
+          <a:effectLst/>
+        </p:spPr>
+        <p:style>
+          <a:lnRef idx="0">
+            <a:scrgbClr r="0" g="0" b="0"/>
+          </a:lnRef>
+          <a:fillRef idx="0">
+            <a:scrgbClr r="0" g="0" b="0"/>
+          </a:fillRef>
+          <a:effectRef idx="0">
+            <a:scrgbClr r="0" g="0" b="0"/>
+          </a:effectRef>
+          <a:fontRef idx="none"/>
+        </p:style>
+        <p:txBody>
+          <a:bodyPr rot="0" spcFirstLastPara="1" vertOverflow="overflow" horzOverflow="overflow" vert="horz" wrap="none" lIns="50800" tIns="50800" rIns="50800" bIns="50800" numCol="1" spcCol="38100" rtlCol="0" anchor="ctr">
+            <a:spAutoFit/>
+          </a:bodyPr>
+          <a:lstStyle/>
+          <a:p>
+            <a:pPr marL="0" marR="0" indent="0" algn="ctr" defTabSz="584200" rtl="0" fontAlgn="auto" latinLnBrk="1" hangingPunct="0">
+              <a:lnSpc>
+                <a:spcPct val="100000"/>
+              </a:lnSpc>
+              <a:spcBef>
+                <a:spcPts val="0"/>
+              </a:spcBef>
+              <a:spcAft>
+                <a:spcPts val="0"/>
+              </a:spcAft>
+              <a:buClrTx/>
+              <a:buSzTx/>
+              <a:buFontTx/>
+              <a:buNone/>
+              <a:tabLst/>
+            </a:pPr>
+            <a:r>
+              <a:rPr kumimoji="0" lang="de-DE" sz="3600" b="0" i="0" u="none" strike="noStrike" cap="none" spc="0" normalizeH="0" baseline="0" dirty="0" err="1" smtClean="0">
+                <a:ln>
+                  <a:noFill/>
+                </a:ln>
+                <a:solidFill>
+                  <a:srgbClr val="000000"/>
+                </a:solidFill>
+                <a:effectLst/>
+                <a:uFillTx/>
+                <a:latin typeface="+mn-lt"/>
+                <a:ea typeface="+mn-ea"/>
+                <a:cs typeface="+mn-cs"/>
+                <a:sym typeface="Helvetica Light"/>
+              </a:rPr>
+              <a:t>Gaussian</a:t>
+            </a:r>
+            <a:endParaRPr kumimoji="0" lang="de-DE" sz="3600" b="0" i="0" u="none" strike="noStrike" cap="none" spc="0" normalizeH="0" baseline="0" dirty="0">
+              <a:ln>
+                <a:noFill/>
+              </a:ln>
+              <a:solidFill>
+                <a:srgbClr val="000000"/>
+              </a:solidFill>
+              <a:effectLst/>
+              <a:uFillTx/>
+              <a:latin typeface="+mn-lt"/>
+              <a:ea typeface="+mn-ea"/>
+              <a:cs typeface="+mn-cs"/>
+              <a:sym typeface="Helvetica Light"/>
+            </a:endParaRPr>
+          </a:p>
+        </p:txBody>
+      </p:sp>
+      <p:pic>
+        <p:nvPicPr>
+          <p:cNvPr id="2" name="Bild 1"/>
           <p:cNvPicPr>
             <a:picLocks noChangeAspect="1"/>
           </p:cNvPicPr>
           <p:nvPr/>
         </p:nvPicPr>
         <p:blipFill>
-          <a:blip r:embed="rId2">
+          <a:blip r:embed="rId3">
             <a:extLst>
               <a:ext uri="{28A0092B-C50C-407E-A947-70E740481C1C}">
                 <a14:useLocalDpi xmlns:a14="http://schemas.microsoft.com/office/drawing/2010/main" val="0"/>
@@ -5516,20 +7751,105 @@
         </p:blipFill>
         <p:spPr>
           <a:xfrm>
-            <a:off x="1918374" y="212932"/>
-            <a:ext cx="9168052" cy="6876038"/>
+            <a:off x="6729280" y="3858728"/>
+            <a:ext cx="5569857" cy="4064283"/>
           </a:xfrm>
           <a:prstGeom prst="rect">
             <a:avLst/>
           </a:prstGeom>
         </p:spPr>
       </p:pic>
+      <p:sp>
+        <p:nvSpPr>
+          <p:cNvPr id="3" name="Rechteck 2"/>
+          <p:cNvSpPr/>
+          <p:nvPr/>
+        </p:nvSpPr>
+        <p:spPr>
+          <a:xfrm>
+            <a:off x="8017329" y="4980214"/>
+            <a:ext cx="473528" cy="2286000"/>
+          </a:xfrm>
+          <a:prstGeom prst="rect">
+            <a:avLst/>
+          </a:prstGeom>
+          <a:blipFill rotWithShape="1">
+            <a:blip r:embed="rId4">
+              <a:biLevel thresh="25000"/>
+            </a:blip>
+            <a:srcRect/>
+            <a:tile tx="0" ty="0" sx="100000" sy="100000" flip="none" algn="tl"/>
+          </a:blipFill>
+          <a:ln w="12700" cap="flat">
+            <a:noFill/>
+            <a:miter lim="400000"/>
+          </a:ln>
+          <a:effectLst/>
+        </p:spPr>
+        <p:style>
+          <a:lnRef idx="0">
+            <a:scrgbClr r="0" g="0" b="0"/>
+          </a:lnRef>
+          <a:fillRef idx="0">
+            <a:scrgbClr r="0" g="0" b="0"/>
+          </a:fillRef>
+          <a:effectRef idx="0">
+            <a:scrgbClr r="0" g="0" b="0"/>
+          </a:effectRef>
+          <a:fontRef idx="none"/>
+        </p:style>
+        <p:txBody>
+          <a:bodyPr rot="0" spcFirstLastPara="1" vertOverflow="overflow" horzOverflow="overflow" vert="horz" wrap="square" lIns="50800" tIns="50800" rIns="50800" bIns="50800" numCol="1" spcCol="38100" rtlCol="0" anchor="ctr">
+            <a:spAutoFit/>
+          </a:bodyPr>
+          <a:lstStyle/>
+          <a:p>
+            <a:pPr marL="0" marR="0" indent="0" algn="ctr" defTabSz="584200" rtl="0" fontAlgn="auto" latinLnBrk="1" hangingPunct="0">
+              <a:lnSpc>
+                <a:spcPct val="100000"/>
+              </a:lnSpc>
+              <a:spcBef>
+                <a:spcPts val="0"/>
+              </a:spcBef>
+              <a:spcAft>
+                <a:spcPts val="0"/>
+              </a:spcAft>
+              <a:buClrTx/>
+              <a:buSzTx/>
+              <a:buFontTx/>
+              <a:buNone/>
+              <a:tabLst/>
+            </a:pPr>
+            <a:endParaRPr kumimoji="0" lang="de-DE" sz="2400" b="0" i="0" u="none" strike="noStrike" cap="none" spc="0" normalizeH="0" baseline="0">
+              <a:ln>
+                <a:noFill/>
+              </a:ln>
+              <a:solidFill>
+                <a:srgbClr val="FFFFFF"/>
+              </a:solidFill>
+              <a:effectLst/>
+              <a:uFillTx/>
+              <a:latin typeface="+mn-lt"/>
+              <a:ea typeface="+mn-ea"/>
+              <a:cs typeface="+mn-cs"/>
+              <a:sym typeface="Helvetica Light"/>
+            </a:endParaRPr>
+          </a:p>
+        </p:txBody>
+      </p:sp>
     </p:spTree>
   </p:cSld>
   <p:clrMapOvr>
     <a:masterClrMapping/>
   </p:clrMapOvr>
-  <p:transition spd="med"/>
+  <p:transition xmlns:p14="http://schemas.microsoft.com/office/powerpoint/2010/main" spd="med"/>
+  <p:timing>
+    <p:tnLst>
+      <p:par>
+        <p:cTn xmlns:p14="http://schemas.microsoft.com/office/powerpoint/2010/main" id="1" dur="indefinite" restart="never" nodeType="tmRoot"/>
+      </p:par>
+    </p:tnLst>
+  </p:timing>
 </p:sld>
 </file>
 

--- a/Präsentation/slides.pptx
+++ b/Präsentation/slides.pptx
@@ -5,7 +5,7 @@
     <p:sldMasterId id="2147483648" r:id="rId1"/>
   </p:sldMasterIdLst>
   <p:notesMasterIdLst>
-    <p:notesMasterId r:id="rId16"/>
+    <p:notesMasterId r:id="rId15"/>
   </p:notesMasterIdLst>
   <p:sldIdLst>
     <p:sldId id="256" r:id="rId2"/>
@@ -21,7 +21,6 @@
     <p:sldId id="267" r:id="rId12"/>
     <p:sldId id="268" r:id="rId13"/>
     <p:sldId id="271" r:id="rId14"/>
-    <p:sldId id="269" r:id="rId15"/>
   </p:sldIdLst>
   <p:sldSz cx="13004800" cy="9753600"/>
   <p:notesSz cx="6858000" cy="9144000"/>
@@ -101,7 +100,18 @@
   </p:defaultTextStyle>
   <p:extLst>
     <p:ext uri="{EFAFB233-063F-42B5-8137-9DF3F51BA10A}">
-      <p15:sldGuideLst xmlns:p15="http://schemas.microsoft.com/office/powerpoint/2012/main" xmlns=""/>
+      <p15:sldGuideLst xmlns:p15="http://schemas.microsoft.com/office/powerpoint/2012/main">
+        <p15:guide id="1" orient="horz" pos="3072">
+          <p15:clr>
+            <a:srgbClr val="A4A3A4"/>
+          </p15:clr>
+        </p15:guide>
+        <p15:guide id="2" pos="4096">
+          <p15:clr>
+            <a:srgbClr val="A4A3A4"/>
+          </p15:clr>
+        </p15:guide>
+      </p15:sldGuideLst>
     </p:ext>
   </p:extLst>
 </p:presentation>
@@ -523,37 +533,11 @@
   <p:clrMapOvr>
     <a:masterClrMapping/>
   </p:clrMapOvr>
-  <p:transition xmlns:p14="http://schemas.microsoft.com/office/powerpoint/2010/main" spd="med"/>
+  <p:transition spd="med"/>
 </p:sldLayout>
 </file>
 
 <file path=ppt/slideLayouts/slideLayout10.xml><?xml version="1.0" encoding="utf-8"?>
-<p:sldLayout xmlns:a="http://schemas.openxmlformats.org/drawingml/2006/main" xmlns:r="http://schemas.openxmlformats.org/officeDocument/2006/relationships" xmlns:p="http://schemas.openxmlformats.org/presentationml/2006/main" type="tx">
-  <p:cSld name="Foto">
-    <p:spTree>
-      <p:nvGrpSpPr>
-        <p:cNvPr id="1" name=""/>
-        <p:cNvGrpSpPr/>
-        <p:nvPr/>
-      </p:nvGrpSpPr>
-      <p:grpSpPr>
-        <a:xfrm>
-          <a:off x="0" y="0"/>
-          <a:ext cx="0" cy="0"/>
-          <a:chOff x="0" y="0"/>
-          <a:chExt cx="0" cy="0"/>
-        </a:xfrm>
-      </p:grpSpPr>
-    </p:spTree>
-  </p:cSld>
-  <p:clrMapOvr>
-    <a:masterClrMapping/>
-  </p:clrMapOvr>
-  <p:transition xmlns:p14="http://schemas.microsoft.com/office/powerpoint/2010/main" spd="med"/>
-</p:sldLayout>
-</file>
-
-<file path=ppt/slideLayouts/slideLayout11.xml><?xml version="1.0" encoding="utf-8"?>
 <p:sldLayout xmlns:a="http://schemas.openxmlformats.org/drawingml/2006/main" xmlns:r="http://schemas.openxmlformats.org/officeDocument/2006/relationships" xmlns:p="http://schemas.openxmlformats.org/presentationml/2006/main" type="tx">
   <p:cSld name="Leer">
     <p:spTree>
@@ -575,7 +559,7 @@
   <p:clrMapOvr>
     <a:masterClrMapping/>
   </p:clrMapOvr>
-  <p:transition xmlns:p14="http://schemas.microsoft.com/office/powerpoint/2010/main" spd="med"/>
+  <p:transition spd="med"/>
 </p:sldLayout>
 </file>
 
@@ -634,7 +618,7 @@
   <p:clrMapOvr>
     <a:masterClrMapping/>
   </p:clrMapOvr>
-  <p:transition xmlns:p14="http://schemas.microsoft.com/office/powerpoint/2010/main" spd="med"/>
+  <p:transition spd="med"/>
 </p:sldLayout>
 </file>
 
@@ -807,7 +791,7 @@
   <p:clrMapOvr>
     <a:masterClrMapping/>
   </p:clrMapOvr>
-  <p:transition xmlns:p14="http://schemas.microsoft.com/office/powerpoint/2010/main" spd="med"/>
+  <p:transition spd="med"/>
 </p:sldLayout>
 </file>
 
@@ -862,7 +846,7 @@
   <p:clrMapOvr>
     <a:masterClrMapping/>
   </p:clrMapOvr>
-  <p:transition xmlns:p14="http://schemas.microsoft.com/office/powerpoint/2010/main" spd="med"/>
+  <p:transition spd="med"/>
 </p:sldLayout>
 </file>
 
@@ -982,7 +966,7 @@
   <p:clrMapOvr>
     <a:masterClrMapping/>
   </p:clrMapOvr>
-  <p:transition xmlns:p14="http://schemas.microsoft.com/office/powerpoint/2010/main" spd="med"/>
+  <p:transition spd="med"/>
 </p:sldLayout>
 </file>
 
@@ -1137,7 +1121,7 @@
   <p:clrMapOvr>
     <a:masterClrMapping/>
   </p:clrMapOvr>
-  <p:transition xmlns:p14="http://schemas.microsoft.com/office/powerpoint/2010/main" spd="med"/>
+  <p:transition spd="med"/>
 </p:sldLayout>
 </file>
 
@@ -1232,7 +1216,7 @@
   <p:clrMapOvr>
     <a:masterClrMapping/>
   </p:clrMapOvr>
-  <p:transition xmlns:p14="http://schemas.microsoft.com/office/powerpoint/2010/main" spd="med"/>
+  <p:transition spd="med"/>
 </p:sldLayout>
 </file>
 
@@ -1258,13 +1242,13 @@
   <p:clrMapOvr>
     <a:masterClrMapping/>
   </p:clrMapOvr>
-  <p:transition xmlns:p14="http://schemas.microsoft.com/office/powerpoint/2010/main" spd="med"/>
+  <p:transition spd="med"/>
 </p:sldLayout>
 </file>
 
 <file path=ppt/slideLayouts/slideLayout9.xml><?xml version="1.0" encoding="utf-8"?>
 <p:sldLayout xmlns:a="http://schemas.openxmlformats.org/drawingml/2006/main" xmlns:r="http://schemas.openxmlformats.org/officeDocument/2006/relationships" xmlns:p="http://schemas.openxmlformats.org/presentationml/2006/main" type="tx">
-  <p:cSld name="Zitat">
+  <p:cSld name="Foto">
     <p:spTree>
       <p:nvGrpSpPr>
         <p:cNvPr id="1" name=""/>
@@ -1284,7 +1268,7 @@
   <p:clrMapOvr>
     <a:masterClrMapping/>
   </p:clrMapOvr>
-  <p:transition xmlns:p14="http://schemas.microsoft.com/office/powerpoint/2010/main" spd="med"/>
+  <p:transition spd="med"/>
 </p:sldLayout>
 </file>
 
@@ -1447,11 +1431,10 @@
     <p:sldLayoutId id="2147483655" r:id="rId6"/>
     <p:sldLayoutId id="2147483656" r:id="rId7"/>
     <p:sldLayoutId id="2147483657" r:id="rId8"/>
-    <p:sldLayoutId id="2147483658" r:id="rId9"/>
-    <p:sldLayoutId id="2147483659" r:id="rId10"/>
-    <p:sldLayoutId id="2147483660" r:id="rId11"/>
+    <p:sldLayoutId id="2147483659" r:id="rId9"/>
+    <p:sldLayoutId id="2147483660" r:id="rId10"/>
   </p:sldLayoutIdLst>
-  <p:transition xmlns:p14="http://schemas.microsoft.com/office/powerpoint/2010/main" spd="med"/>
+  <p:transition spd="med"/>
   <p:txStyles>
     <p:titleStyle>
       <a:lvl1pPr algn="ctr" defTabSz="584200">
@@ -1856,7 +1839,7 @@
   <p:clrMapOvr>
     <a:masterClrMapping/>
   </p:clrMapOvr>
-  <p:transition xmlns:p14="http://schemas.microsoft.com/office/powerpoint/2010/main" spd="med"/>
+  <p:transition spd="med"/>
 </p:sld>
 </file>
 
@@ -1908,66 +1891,6 @@
           </a:p>
         </p:txBody>
       </p:sp>
-      <p:pic>
-        <p:nvPicPr>
-          <p:cNvPr id="2" name="Bild 1"/>
-          <p:cNvPicPr>
-            <a:picLocks noChangeAspect="1"/>
-          </p:cNvPicPr>
-          <p:nvPr/>
-        </p:nvPicPr>
-        <p:blipFill>
-          <a:blip r:embed="rId2">
-            <a:extLst>
-              <a:ext uri="{28A0092B-C50C-407E-A947-70E740481C1C}">
-                <a14:useLocalDpi xmlns:a14="http://schemas.microsoft.com/office/drawing/2010/main" val="0"/>
-              </a:ext>
-            </a:extLst>
-          </a:blip>
-          <a:stretch>
-            <a:fillRect/>
-          </a:stretch>
-        </p:blipFill>
-        <p:spPr>
-          <a:xfrm>
-            <a:off x="799694" y="3720859"/>
-            <a:ext cx="5873633" cy="4405225"/>
-          </a:xfrm>
-          <a:prstGeom prst="rect">
-            <a:avLst/>
-          </a:prstGeom>
-        </p:spPr>
-      </p:pic>
-      <p:pic>
-        <p:nvPicPr>
-          <p:cNvPr id="3" name="Bild 2"/>
-          <p:cNvPicPr>
-            <a:picLocks noChangeAspect="1"/>
-          </p:cNvPicPr>
-          <p:nvPr/>
-        </p:nvPicPr>
-        <p:blipFill>
-          <a:blip r:embed="rId3">
-            <a:extLst>
-              <a:ext uri="{28A0092B-C50C-407E-A947-70E740481C1C}">
-                <a14:useLocalDpi xmlns:a14="http://schemas.microsoft.com/office/drawing/2010/main" val="0"/>
-              </a:ext>
-            </a:extLst>
-          </a:blip>
-          <a:stretch>
-            <a:fillRect/>
-          </a:stretch>
-        </p:blipFill>
-        <p:spPr>
-          <a:xfrm>
-            <a:off x="6673327" y="3720859"/>
-            <a:ext cx="5722550" cy="4439730"/>
-          </a:xfrm>
-          <a:prstGeom prst="rect">
-            <a:avLst/>
-          </a:prstGeom>
-        </p:spPr>
-      </p:pic>
       <p:sp>
         <p:nvSpPr>
           <p:cNvPr id="4" name="Textfeld 3"/>
@@ -2146,12 +2069,174 @@
           </a:p>
         </p:txBody>
       </p:sp>
+      <p:sp>
+        <p:nvSpPr>
+          <p:cNvPr id="8" name="Rechteck 7"/>
+          <p:cNvSpPr/>
+          <p:nvPr/>
+        </p:nvSpPr>
+        <p:spPr>
+          <a:xfrm>
+            <a:off x="1848790" y="8136701"/>
+            <a:ext cx="3313728" cy="830997"/>
+          </a:xfrm>
+          <a:prstGeom prst="rect">
+            <a:avLst/>
+          </a:prstGeom>
+        </p:spPr>
+        <p:txBody>
+          <a:bodyPr wrap="none">
+            <a:spAutoFit/>
+          </a:bodyPr>
+          <a:lstStyle/>
+          <a:p>
+            <a:pPr marL="571500" indent="-571500" algn="l">
+              <a:buFont typeface="Arial" charset="0"/>
+              <a:buChar char="•"/>
+            </a:pPr>
+            <a:r>
+              <a:rPr lang="de-DE" sz="2400" dirty="0" err="1" smtClean="0"/>
+              <a:t>Datasize</a:t>
+            </a:r>
+            <a:r>
+              <a:rPr lang="de-DE" sz="2400" dirty="0" smtClean="0"/>
+              <a:t>: 500</a:t>
+            </a:r>
+          </a:p>
+          <a:p>
+            <a:pPr marL="571500" indent="-571500" algn="l">
+              <a:buFont typeface="Arial" charset="0"/>
+              <a:buChar char="•"/>
+            </a:pPr>
+            <a:r>
+              <a:rPr lang="de-DE" sz="2400" dirty="0" err="1" smtClean="0"/>
+              <a:t>Replications</a:t>
+            </a:r>
+            <a:r>
+              <a:rPr lang="de-DE" sz="2400" dirty="0" smtClean="0"/>
+              <a:t>: 1000</a:t>
+            </a:r>
+            <a:endParaRPr lang="de-DE" sz="2400" dirty="0"/>
+          </a:p>
+        </p:txBody>
+      </p:sp>
+      <p:sp>
+        <p:nvSpPr>
+          <p:cNvPr id="10" name="Rechteck 9"/>
+          <p:cNvSpPr/>
+          <p:nvPr/>
+        </p:nvSpPr>
+        <p:spPr>
+          <a:xfrm>
+            <a:off x="7963498" y="8171353"/>
+            <a:ext cx="3313728" cy="830997"/>
+          </a:xfrm>
+          <a:prstGeom prst="rect">
+            <a:avLst/>
+          </a:prstGeom>
+        </p:spPr>
+        <p:txBody>
+          <a:bodyPr wrap="none">
+            <a:spAutoFit/>
+          </a:bodyPr>
+          <a:lstStyle/>
+          <a:p>
+            <a:pPr marL="571500" indent="-571500" algn="l">
+              <a:buFont typeface="Arial" charset="0"/>
+              <a:buChar char="•"/>
+            </a:pPr>
+            <a:r>
+              <a:rPr lang="de-DE" sz="2400" dirty="0" err="1" smtClean="0"/>
+              <a:t>Datasize</a:t>
+            </a:r>
+            <a:r>
+              <a:rPr lang="de-DE" sz="2400" dirty="0" smtClean="0"/>
+              <a:t>: 500</a:t>
+            </a:r>
+          </a:p>
+          <a:p>
+            <a:pPr marL="571500" indent="-571500" algn="l">
+              <a:buFont typeface="Arial" charset="0"/>
+              <a:buChar char="•"/>
+            </a:pPr>
+            <a:r>
+              <a:rPr lang="de-DE" sz="2400" dirty="0" err="1" smtClean="0"/>
+              <a:t>Replications</a:t>
+            </a:r>
+            <a:r>
+              <a:rPr lang="de-DE" sz="2400" dirty="0" smtClean="0"/>
+              <a:t>: 1000</a:t>
+            </a:r>
+            <a:endParaRPr lang="de-DE" sz="2400" dirty="0"/>
+          </a:p>
+        </p:txBody>
+      </p:sp>
+      <p:pic>
+        <p:nvPicPr>
+          <p:cNvPr id="5" name="Bild 4"/>
+          <p:cNvPicPr>
+            <a:picLocks noChangeAspect="1"/>
+          </p:cNvPicPr>
+          <p:nvPr/>
+        </p:nvPicPr>
+        <p:blipFill>
+          <a:blip r:embed="rId2">
+            <a:extLst>
+              <a:ext uri="{28A0092B-C50C-407E-A947-70E740481C1C}">
+                <a14:useLocalDpi xmlns:a14="http://schemas.microsoft.com/office/drawing/2010/main" val="0"/>
+              </a:ext>
+            </a:extLst>
+          </a:blip>
+          <a:stretch>
+            <a:fillRect/>
+          </a:stretch>
+        </p:blipFill>
+        <p:spPr>
+          <a:xfrm>
+            <a:off x="6742611" y="3329102"/>
+            <a:ext cx="5755501" cy="4316626"/>
+          </a:xfrm>
+          <a:prstGeom prst="rect">
+            <a:avLst/>
+          </a:prstGeom>
+        </p:spPr>
+      </p:pic>
+      <p:pic>
+        <p:nvPicPr>
+          <p:cNvPr id="2" name="Bild 1"/>
+          <p:cNvPicPr>
+            <a:picLocks noChangeAspect="1"/>
+          </p:cNvPicPr>
+          <p:nvPr/>
+        </p:nvPicPr>
+        <p:blipFill>
+          <a:blip r:embed="rId3">
+            <a:extLst>
+              <a:ext uri="{28A0092B-C50C-407E-A947-70E740481C1C}">
+                <a14:useLocalDpi xmlns:a14="http://schemas.microsoft.com/office/drawing/2010/main" val="0"/>
+              </a:ext>
+            </a:extLst>
+          </a:blip>
+          <a:stretch>
+            <a:fillRect/>
+          </a:stretch>
+        </p:blipFill>
+        <p:spPr>
+          <a:xfrm>
+            <a:off x="847711" y="3329102"/>
+            <a:ext cx="5760378" cy="4320284"/>
+          </a:xfrm>
+          <a:prstGeom prst="rect">
+            <a:avLst/>
+          </a:prstGeom>
+        </p:spPr>
+      </p:pic>
     </p:spTree>
   </p:cSld>
   <p:clrMapOvr>
     <a:masterClrMapping/>
   </p:clrMapOvr>
-  <p:transition xmlns:p14="http://schemas.microsoft.com/office/powerpoint/2010/main" spd="med"/>
+  <p:transition spd="med"/>
 </p:sld>
 </file>
 
@@ -2207,66 +2292,6 @@
           </a:p>
         </p:txBody>
       </p:sp>
-      <p:pic>
-        <p:nvPicPr>
-          <p:cNvPr id="2" name="Bild 1"/>
-          <p:cNvPicPr>
-            <a:picLocks noChangeAspect="1"/>
-          </p:cNvPicPr>
-          <p:nvPr/>
-        </p:nvPicPr>
-        <p:blipFill>
-          <a:blip r:embed="rId2">
-            <a:extLst>
-              <a:ext uri="{28A0092B-C50C-407E-A947-70E740481C1C}">
-                <a14:useLocalDpi xmlns:a14="http://schemas.microsoft.com/office/drawing/2010/main" val="0"/>
-              </a:ext>
-            </a:extLst>
-          </a:blip>
-          <a:stretch>
-            <a:fillRect/>
-          </a:stretch>
-        </p:blipFill>
-        <p:spPr>
-          <a:xfrm>
-            <a:off x="952500" y="3755366"/>
-            <a:ext cx="5290868" cy="3968151"/>
-          </a:xfrm>
-          <a:prstGeom prst="rect">
-            <a:avLst/>
-          </a:prstGeom>
-        </p:spPr>
-      </p:pic>
-      <p:pic>
-        <p:nvPicPr>
-          <p:cNvPr id="4" name="Bild 3"/>
-          <p:cNvPicPr>
-            <a:picLocks noChangeAspect="1"/>
-          </p:cNvPicPr>
-          <p:nvPr/>
-        </p:nvPicPr>
-        <p:blipFill>
-          <a:blip r:embed="rId3">
-            <a:extLst>
-              <a:ext uri="{28A0092B-C50C-407E-A947-70E740481C1C}">
-                <a14:useLocalDpi xmlns:a14="http://schemas.microsoft.com/office/drawing/2010/main" val="0"/>
-              </a:ext>
-            </a:extLst>
-          </a:blip>
-          <a:stretch>
-            <a:fillRect/>
-          </a:stretch>
-        </p:blipFill>
-        <p:spPr>
-          <a:xfrm>
-            <a:off x="6762031" y="3755366"/>
-            <a:ext cx="5290269" cy="3967702"/>
-          </a:xfrm>
-          <a:prstGeom prst="rect">
-            <a:avLst/>
-          </a:prstGeom>
-        </p:spPr>
-      </p:pic>
       <p:sp>
         <p:nvSpPr>
           <p:cNvPr id="7" name="Textfeld 6"/>
@@ -2275,7 +2300,7 @@
         </p:nvSpPr>
         <p:spPr>
           <a:xfrm>
-            <a:off x="3035403" y="2603500"/>
+            <a:off x="2727395" y="2612081"/>
             <a:ext cx="1384995" cy="656590"/>
           </a:xfrm>
           <a:prstGeom prst="rect">
@@ -2364,7 +2389,7 @@
         </p:nvSpPr>
         <p:spPr>
           <a:xfrm>
-            <a:off x="8635244" y="2638006"/>
+            <a:off x="8508678" y="2655478"/>
             <a:ext cx="2051845" cy="656590"/>
           </a:xfrm>
           <a:prstGeom prst="rect">
@@ -2460,7 +2485,7 @@
             <a:avLst/>
           </a:prstGeom>
           <a:blipFill rotWithShape="1">
-            <a:blip r:embed="rId4">
+            <a:blip r:embed="rId2">
               <a:biLevel thresh="25000"/>
             </a:blip>
             <a:srcRect/>
@@ -2538,7 +2563,7 @@
             <a:avLst/>
           </a:prstGeom>
           <a:blipFill rotWithShape="1">
-            <a:blip r:embed="rId4">
+            <a:blip r:embed="rId2">
               <a:biLevel thresh="25000"/>
             </a:blip>
             <a:srcRect/>
@@ -2616,7 +2641,7 @@
             <a:avLst/>
           </a:prstGeom>
           <a:blipFill rotWithShape="1">
-            <a:blip r:embed="rId4">
+            <a:blip r:embed="rId2">
               <a:biLevel thresh="25000"/>
             </a:blip>
             <a:srcRect/>
@@ -2679,12 +2704,174 @@
           </a:p>
         </p:txBody>
       </p:sp>
+      <p:sp>
+        <p:nvSpPr>
+          <p:cNvPr id="12" name="Rechteck 11"/>
+          <p:cNvSpPr/>
+          <p:nvPr/>
+        </p:nvSpPr>
+        <p:spPr>
+          <a:xfrm>
+            <a:off x="1848790" y="8136701"/>
+            <a:ext cx="3142207" cy="830997"/>
+          </a:xfrm>
+          <a:prstGeom prst="rect">
+            <a:avLst/>
+          </a:prstGeom>
+        </p:spPr>
+        <p:txBody>
+          <a:bodyPr wrap="none">
+            <a:spAutoFit/>
+          </a:bodyPr>
+          <a:lstStyle/>
+          <a:p>
+            <a:pPr marL="571500" indent="-571500" algn="l">
+              <a:buFont typeface="Arial" charset="0"/>
+              <a:buChar char="•"/>
+            </a:pPr>
+            <a:r>
+              <a:rPr lang="de-DE" sz="2400" dirty="0" err="1" smtClean="0"/>
+              <a:t>Datasize</a:t>
+            </a:r>
+            <a:r>
+              <a:rPr lang="de-DE" sz="2400" dirty="0" smtClean="0"/>
+              <a:t>: 1000</a:t>
+            </a:r>
+          </a:p>
+          <a:p>
+            <a:pPr marL="571500" indent="-571500" algn="l">
+              <a:buFont typeface="Arial" charset="0"/>
+              <a:buChar char="•"/>
+            </a:pPr>
+            <a:r>
+              <a:rPr lang="de-DE" sz="2400" dirty="0" err="1" smtClean="0"/>
+              <a:t>Replications</a:t>
+            </a:r>
+            <a:r>
+              <a:rPr lang="de-DE" sz="2400" dirty="0" smtClean="0"/>
+              <a:t>: 500</a:t>
+            </a:r>
+            <a:endParaRPr lang="de-DE" sz="2400" dirty="0"/>
+          </a:p>
+        </p:txBody>
+      </p:sp>
+      <p:sp>
+        <p:nvSpPr>
+          <p:cNvPr id="13" name="Rechteck 12"/>
+          <p:cNvSpPr/>
+          <p:nvPr/>
+        </p:nvSpPr>
+        <p:spPr>
+          <a:xfrm>
+            <a:off x="7963498" y="8171353"/>
+            <a:ext cx="3142207" cy="830997"/>
+          </a:xfrm>
+          <a:prstGeom prst="rect">
+            <a:avLst/>
+          </a:prstGeom>
+        </p:spPr>
+        <p:txBody>
+          <a:bodyPr wrap="none">
+            <a:spAutoFit/>
+          </a:bodyPr>
+          <a:lstStyle/>
+          <a:p>
+            <a:pPr marL="571500" indent="-571500" algn="l">
+              <a:buFont typeface="Arial" charset="0"/>
+              <a:buChar char="•"/>
+            </a:pPr>
+            <a:r>
+              <a:rPr lang="de-DE" sz="2400" dirty="0" err="1" smtClean="0"/>
+              <a:t>Datasize</a:t>
+            </a:r>
+            <a:r>
+              <a:rPr lang="de-DE" sz="2400" dirty="0" smtClean="0"/>
+              <a:t>: 1000</a:t>
+            </a:r>
+          </a:p>
+          <a:p>
+            <a:pPr marL="571500" indent="-571500" algn="l">
+              <a:buFont typeface="Arial" charset="0"/>
+              <a:buChar char="•"/>
+            </a:pPr>
+            <a:r>
+              <a:rPr lang="de-DE" sz="2400" dirty="0" err="1" smtClean="0"/>
+              <a:t>Replications</a:t>
+            </a:r>
+            <a:r>
+              <a:rPr lang="de-DE" sz="2400" dirty="0" smtClean="0"/>
+              <a:t>: 500</a:t>
+            </a:r>
+            <a:endParaRPr lang="de-DE" sz="2400" dirty="0"/>
+          </a:p>
+        </p:txBody>
+      </p:sp>
+      <p:pic>
+        <p:nvPicPr>
+          <p:cNvPr id="3" name="Bild 2"/>
+          <p:cNvPicPr>
+            <a:picLocks noChangeAspect="1"/>
+          </p:cNvPicPr>
+          <p:nvPr/>
+        </p:nvPicPr>
+        <p:blipFill>
+          <a:blip r:embed="rId3">
+            <a:extLst>
+              <a:ext uri="{28A0092B-C50C-407E-A947-70E740481C1C}">
+                <a14:useLocalDpi xmlns:a14="http://schemas.microsoft.com/office/drawing/2010/main" val="0"/>
+              </a:ext>
+            </a:extLst>
+          </a:blip>
+          <a:stretch>
+            <a:fillRect/>
+          </a:stretch>
+        </p:blipFill>
+        <p:spPr>
+          <a:xfrm>
+            <a:off x="545475" y="3433648"/>
+            <a:ext cx="5748836" cy="4311627"/>
+          </a:xfrm>
+          <a:prstGeom prst="rect">
+            <a:avLst/>
+          </a:prstGeom>
+        </p:spPr>
+      </p:pic>
+      <p:pic>
+        <p:nvPicPr>
+          <p:cNvPr id="5" name="Bild 4"/>
+          <p:cNvPicPr>
+            <a:picLocks noChangeAspect="1"/>
+          </p:cNvPicPr>
+          <p:nvPr/>
+        </p:nvPicPr>
+        <p:blipFill>
+          <a:blip r:embed="rId4">
+            <a:extLst>
+              <a:ext uri="{28A0092B-C50C-407E-A947-70E740481C1C}">
+                <a14:useLocalDpi xmlns:a14="http://schemas.microsoft.com/office/drawing/2010/main" val="0"/>
+              </a:ext>
+            </a:extLst>
+          </a:blip>
+          <a:stretch>
+            <a:fillRect/>
+          </a:stretch>
+        </p:blipFill>
+        <p:spPr>
+          <a:xfrm>
+            <a:off x="6657987" y="3403862"/>
+            <a:ext cx="5753228" cy="4314921"/>
+          </a:xfrm>
+          <a:prstGeom prst="rect">
+            <a:avLst/>
+          </a:prstGeom>
+        </p:spPr>
+      </p:pic>
     </p:spTree>
   </p:cSld>
   <p:clrMapOvr>
     <a:masterClrMapping/>
   </p:clrMapOvr>
-  <p:transition xmlns:p14="http://schemas.microsoft.com/office/powerpoint/2010/main" spd="med"/>
+  <p:transition spd="med"/>
 </p:sld>
 </file>
 
@@ -2757,7 +2944,7 @@
         </p:spPr>
         <p:txBody>
           <a:bodyPr>
-            <a:normAutofit/>
+            <a:normAutofit lnSpcReduction="10000"/>
           </a:bodyPr>
           <a:lstStyle/>
           <a:p>
@@ -2796,11 +2983,7 @@
             </a:r>
             <a:r>
               <a:rPr lang="de-DE" sz="2800" dirty="0" smtClean="0"/>
-              <a:t>: </a:t>
-            </a:r>
-            <a:r>
-              <a:rPr lang="de-DE" sz="2800" dirty="0" smtClean="0"/>
-              <a:t>Positive </a:t>
+              <a:t>: Positive </a:t>
             </a:r>
             <a:r>
               <a:rPr lang="de-DE" sz="2800" dirty="0" err="1" smtClean="0"/>
@@ -2914,7 +3097,6 @@
               <a:rPr lang="de-DE" sz="2800" dirty="0" smtClean="0"/>
               <a:t>).</a:t>
             </a:r>
-            <a:endParaRPr lang="de-DE" sz="2800" dirty="0" smtClean="0"/>
           </a:p>
           <a:p>
             <a:pPr lvl="0">
@@ -3065,7 +3247,7 @@
   <p:clrMapOvr>
     <a:masterClrMapping/>
   </p:clrMapOvr>
-  <p:transition xmlns:p14="http://schemas.microsoft.com/office/powerpoint/2010/main" spd="med"/>
+  <p:transition spd="med"/>
 </p:sld>
 </file>
 
@@ -3292,119 +3474,7 @@
   <p:clrMapOvr>
     <a:masterClrMapping/>
   </p:clrMapOvr>
-  <p:transition xmlns:p14="http://schemas.microsoft.com/office/powerpoint/2010/main" spd="med"/>
-</p:sld>
-</file>
-
-<file path=ppt/slides/slide14.xml><?xml version="1.0" encoding="utf-8"?>
-<p:sld xmlns:a="http://schemas.openxmlformats.org/drawingml/2006/main" xmlns:r="http://schemas.openxmlformats.org/officeDocument/2006/relationships" xmlns:p="http://schemas.openxmlformats.org/presentationml/2006/main">
-  <p:cSld>
-    <p:spTree>
-      <p:nvGrpSpPr>
-        <p:cNvPr id="1" name=""/>
-        <p:cNvGrpSpPr/>
-        <p:nvPr/>
-      </p:nvGrpSpPr>
-      <p:grpSpPr>
-        <a:xfrm>
-          <a:off x="0" y="0"/>
-          <a:ext cx="0" cy="0"/>
-          <a:chOff x="0" y="0"/>
-          <a:chExt cx="0" cy="0"/>
-        </a:xfrm>
-      </p:grpSpPr>
-      <p:sp>
-        <p:nvSpPr>
-          <p:cNvPr id="88" name="Shape 88"/>
-          <p:cNvSpPr/>
-          <p:nvPr/>
-        </p:nvSpPr>
-        <p:spPr>
-          <a:xfrm>
-            <a:off x="1270000" y="6362700"/>
-            <a:ext cx="10464800" cy="469900"/>
-          </a:xfrm>
-          <a:prstGeom prst="rect">
-            <a:avLst/>
-          </a:prstGeom>
-          <a:ln w="12700">
-            <a:miter lim="400000"/>
-          </a:ln>
-          <a:extLst>
-            <a:ext uri="{C572A759-6A51-4108-AA02-DFA0A04FC94B}">
-              <ma14:wrappingTextBoxFlag xmlns:ma14="http://schemas.microsoft.com/office/mac/drawingml/2011/main" val="1"/>
-            </a:ext>
-          </a:extLst>
-        </p:spPr>
-        <p:txBody>
-          <a:bodyPr lIns="0" tIns="0" rIns="0" bIns="0">
-            <a:spAutoFit/>
-          </a:bodyPr>
-          <a:lstStyle>
-            <a:lvl1pPr>
-              <a:defRPr sz="2400"/>
-            </a:lvl1pPr>
-          </a:lstStyle>
-          <a:p>
-            <a:pPr lvl="0">
-              <a:defRPr sz="1800"/>
-            </a:pPr>
-            <a:r>
-              <a:rPr sz="2400"/>
-              <a:t>Herr Einstein</a:t>
-            </a:r>
-          </a:p>
-        </p:txBody>
-      </p:sp>
-      <p:sp>
-        <p:nvSpPr>
-          <p:cNvPr id="89" name="Shape 89"/>
-          <p:cNvSpPr/>
-          <p:nvPr/>
-        </p:nvSpPr>
-        <p:spPr>
-          <a:xfrm>
-            <a:off x="1270000" y="4267200"/>
-            <a:ext cx="10464800" cy="685800"/>
-          </a:xfrm>
-          <a:prstGeom prst="rect">
-            <a:avLst/>
-          </a:prstGeom>
-          <a:ln w="12700">
-            <a:miter lim="400000"/>
-          </a:ln>
-          <a:extLst>
-            <a:ext uri="{C572A759-6A51-4108-AA02-DFA0A04FC94B}">
-              <ma14:wrappingTextBoxFlag xmlns:ma14="http://schemas.microsoft.com/office/mac/drawingml/2011/main" val="1"/>
-            </a:ext>
-          </a:extLst>
-        </p:spPr>
-        <p:txBody>
-          <a:bodyPr lIns="0" tIns="0" rIns="0" bIns="0" anchor="ctr">
-            <a:spAutoFit/>
-          </a:bodyPr>
-          <a:lstStyle>
-            <a:lvl1pPr>
-              <a:defRPr sz="3800"/>
-            </a:lvl1pPr>
-          </a:lstStyle>
-          <a:p>
-            <a:pPr lvl="0">
-              <a:defRPr sz="1800"/>
-            </a:pPr>
-            <a:r>
-              <a:rPr sz="3800"/>
-              <a:t>„Kernels are powerfull!“ </a:t>
-            </a:r>
-          </a:p>
-        </p:txBody>
-      </p:sp>
-    </p:spTree>
-  </p:cSld>
-  <p:clrMapOvr>
-    <a:masterClrMapping/>
-  </p:clrMapOvr>
-  <p:transition xmlns:p14="http://schemas.microsoft.com/office/powerpoint/2010/main" spd="med"/>
+  <p:transition spd="med"/>
 </p:sld>
 </file>
 
@@ -3688,7 +3758,7 @@
   <p:clrMapOvr>
     <a:masterClrMapping/>
   </p:clrMapOvr>
-  <p:transition xmlns:p14="http://schemas.microsoft.com/office/powerpoint/2010/main" spd="med"/>
+  <p:transition spd="med"/>
 </p:sld>
 </file>
 
@@ -4077,7 +4147,7 @@
   <p:clrMapOvr>
     <a:masterClrMapping/>
   </p:clrMapOvr>
-  <p:transition xmlns:p14="http://schemas.microsoft.com/office/powerpoint/2010/main" spd="med"/>
+  <p:transition spd="med"/>
 </p:sld>
 </file>
 
@@ -4510,7 +4580,7 @@
   <p:clrMapOvr>
     <a:masterClrMapping/>
   </p:clrMapOvr>
-  <p:transition xmlns:p14="http://schemas.microsoft.com/office/powerpoint/2010/main" spd="med"/>
+  <p:transition spd="med"/>
 </p:sld>
 </file>
 
@@ -5108,11 +5178,11 @@
   <p:clrMapOvr>
     <a:masterClrMapping/>
   </p:clrMapOvr>
-  <p:transition xmlns:p14="http://schemas.microsoft.com/office/powerpoint/2010/main" spd="med"/>
+  <p:transition spd="med"/>
   <p:timing>
     <p:tnLst>
       <p:par>
-        <p:cTn xmlns:p14="http://schemas.microsoft.com/office/powerpoint/2010/main" id="1" dur="indefinite" restart="never" nodeType="tmRoot"/>
+        <p:cTn id="1" dur="indefinite" restart="never" nodeType="tmRoot"/>
       </p:par>
     </p:tnLst>
   </p:timing>
@@ -5391,15 +5461,7 @@
                   <a:srgbClr val="000000"/>
                 </a:solidFill>
               </a:rPr>
-              <a:t>C</a:t>
-            </a:r>
-            <a:r>
-              <a:rPr lang="en-US" sz="1800" dirty="0" smtClean="0">
-                <a:solidFill>
-                  <a:srgbClr val="000000"/>
-                </a:solidFill>
-              </a:rPr>
-              <a:t>onstant c</a:t>
+              <a:t>Constant c</a:t>
             </a:r>
             <a:endParaRPr lang="en-US" sz="1800" dirty="0">
               <a:solidFill>
@@ -6185,15 +6247,7 @@
                   <a:srgbClr val="000000"/>
                 </a:solidFill>
               </a:rPr>
-              <a:t>D</a:t>
-            </a:r>
-            <a:r>
-              <a:rPr lang="en-US" sz="1800" dirty="0" smtClean="0">
-                <a:solidFill>
-                  <a:srgbClr val="000000"/>
-                </a:solidFill>
-              </a:rPr>
-              <a:t>istance function d(</a:t>
+              <a:t>Distance function d(</a:t>
             </a:r>
             <a:r>
               <a:rPr lang="en-US" sz="1800" dirty="0" err="1" smtClean="0">
@@ -6561,11 +6615,11 @@
   <p:clrMapOvr>
     <a:masterClrMapping/>
   </p:clrMapOvr>
-  <p:transition xmlns:p14="http://schemas.microsoft.com/office/powerpoint/2010/main" spd="med"/>
+  <p:transition spd="med"/>
   <p:timing>
     <p:tnLst>
       <p:par>
-        <p:cTn xmlns:p14="http://schemas.microsoft.com/office/powerpoint/2010/main" id="1" dur="indefinite" restart="never" nodeType="tmRoot"/>
+        <p:cTn id="1" dur="indefinite" restart="never" nodeType="tmRoot"/>
       </p:par>
     </p:tnLst>
   </p:timing>
@@ -6908,11 +6962,11 @@
   <p:clrMapOvr>
     <a:masterClrMapping/>
   </p:clrMapOvr>
-  <p:transition xmlns:p14="http://schemas.microsoft.com/office/powerpoint/2010/main" spd="med"/>
+  <p:transition spd="med"/>
   <p:timing>
     <p:tnLst>
       <p:par>
-        <p:cTn xmlns:p14="http://schemas.microsoft.com/office/powerpoint/2010/main" id="1" dur="indefinite" restart="never" nodeType="tmRoot"/>
+        <p:cTn id="1" dur="indefinite" restart="never" nodeType="tmRoot"/>
       </p:par>
     </p:tnLst>
   </p:timing>
@@ -7319,131 +7373,6 @@
             <a:endParaRPr lang="de-DE" sz="2800" dirty="0" smtClean="0"/>
           </a:p>
           <a:p>
-            <a:pPr algn="l">
-              <a:spcBef>
-                <a:spcPts val="1800"/>
-              </a:spcBef>
-              <a:defRPr sz="1800"/>
-            </a:pPr>
-            <a:r>
-              <a:rPr lang="de-DE" sz="2800" dirty="0" err="1" smtClean="0"/>
-              <a:t>Following</a:t>
-            </a:r>
-            <a:r>
-              <a:rPr lang="de-DE" sz="2800" dirty="0" smtClean="0"/>
-              <a:t> </a:t>
-            </a:r>
-            <a:r>
-              <a:rPr lang="de-DE" sz="2800" dirty="0" err="1" smtClean="0"/>
-              <a:t>slides</a:t>
-            </a:r>
-            <a:r>
-              <a:rPr lang="de-DE" sz="2800" dirty="0" smtClean="0"/>
-              <a:t> </a:t>
-            </a:r>
-            <a:r>
-              <a:rPr lang="de-DE" sz="2800" dirty="0" err="1" smtClean="0"/>
-              <a:t>contain</a:t>
-            </a:r>
-            <a:r>
-              <a:rPr lang="de-DE" sz="2800" dirty="0" smtClean="0"/>
-              <a:t> </a:t>
-            </a:r>
-            <a:r>
-              <a:rPr lang="de-DE" sz="2800" dirty="0" err="1" smtClean="0"/>
-              <a:t>results</a:t>
-            </a:r>
-            <a:r>
-              <a:rPr lang="de-DE" sz="2800" dirty="0" smtClean="0"/>
-              <a:t> </a:t>
-            </a:r>
-            <a:r>
-              <a:rPr lang="de-DE" sz="2800" dirty="0" err="1" smtClean="0"/>
-              <a:t>from</a:t>
-            </a:r>
-            <a:r>
-              <a:rPr lang="de-DE" sz="2800" dirty="0" smtClean="0"/>
-              <a:t> </a:t>
-            </a:r>
-            <a:r>
-              <a:rPr lang="de-DE" sz="2800" dirty="0" err="1" smtClean="0"/>
-              <a:t>data</a:t>
-            </a:r>
-            <a:r>
-              <a:rPr lang="de-DE" sz="2800" dirty="0" smtClean="0"/>
-              <a:t> </a:t>
-            </a:r>
-            <a:r>
-              <a:rPr lang="de-DE" sz="2800" dirty="0" err="1" smtClean="0"/>
-              <a:t>simulated</a:t>
-            </a:r>
-            <a:r>
-              <a:rPr lang="de-DE" sz="2800" dirty="0" smtClean="0"/>
-              <a:t> </a:t>
-            </a:r>
-            <a:r>
-              <a:rPr lang="de-DE" sz="2800" dirty="0" err="1" smtClean="0"/>
-              <a:t>according</a:t>
-            </a:r>
-            <a:r>
-              <a:rPr lang="de-DE" sz="2800" dirty="0" smtClean="0"/>
-              <a:t> </a:t>
-            </a:r>
-            <a:r>
-              <a:rPr lang="de-DE" sz="2800" dirty="0" err="1" smtClean="0"/>
-              <a:t>to</a:t>
-            </a:r>
-            <a:r>
-              <a:rPr lang="de-DE" sz="2800" dirty="0" smtClean="0"/>
-              <a:t> </a:t>
-            </a:r>
-            <a:r>
-              <a:rPr lang="de-DE" sz="2800" dirty="0" err="1" smtClean="0"/>
-              <a:t>the</a:t>
-            </a:r>
-            <a:r>
-              <a:rPr lang="de-DE" sz="2800" dirty="0" smtClean="0"/>
-              <a:t> "Hyperplane" </a:t>
-            </a:r>
-            <a:r>
-              <a:rPr lang="de-DE" sz="2800" dirty="0" err="1" smtClean="0"/>
-              <a:t>approach</a:t>
-            </a:r>
-            <a:r>
-              <a:rPr lang="de-DE" sz="2800" dirty="0" smtClean="0"/>
-              <a:t>. </a:t>
-            </a:r>
-            <a:r>
-              <a:rPr lang="de-DE" sz="2800" dirty="0" err="1" smtClean="0"/>
-              <a:t>With</a:t>
-            </a:r>
-            <a:endParaRPr lang="de-DE" sz="2800" dirty="0" smtClean="0"/>
-          </a:p>
-          <a:p>
-            <a:pPr lvl="1" algn="l">
-              <a:spcBef>
-                <a:spcPts val="1800"/>
-              </a:spcBef>
-              <a:defRPr sz="1800"/>
-            </a:pPr>
-            <a:r>
-              <a:rPr lang="de-DE" sz="2800" dirty="0" err="1" smtClean="0"/>
-              <a:t>Observations</a:t>
-            </a:r>
-            <a:r>
-              <a:rPr lang="de-DE" sz="2800" dirty="0" smtClean="0"/>
-              <a:t>: 1000, Bootstrap-</a:t>
-            </a:r>
-            <a:r>
-              <a:rPr lang="de-DE" sz="2800" dirty="0" err="1" smtClean="0"/>
-              <a:t>Replications</a:t>
-            </a:r>
-            <a:r>
-              <a:rPr lang="de-DE" sz="2800" dirty="0" smtClean="0"/>
-              <a:t>: 100, X-Dimension: 4</a:t>
-            </a:r>
-          </a:p>
-          <a:p>
             <a:pPr marL="0" indent="0" algn="l">
               <a:spcBef>
                 <a:spcPts val="1800"/>
@@ -7451,7 +7380,10 @@
               <a:buNone/>
               <a:defRPr sz="1800"/>
             </a:pPr>
-            <a:endParaRPr lang="de-DE" sz="2800" dirty="0" smtClean="0"/>
+            <a:r>
+              <a:rPr lang="de-DE" sz="2800" dirty="0" smtClean="0"/>
+              <a:t>Model ........</a:t>
+            </a:r>
           </a:p>
         </p:txBody>
       </p:sp>
@@ -7465,11 +7397,11 @@
   <p:clrMapOvr>
     <a:masterClrMapping/>
   </p:clrMapOvr>
-  <p:transition xmlns:p14="http://schemas.microsoft.com/office/powerpoint/2010/main" spd="med"/>
+  <p:transition spd="med"/>
   <p:timing>
     <p:tnLst>
       <p:par>
-        <p:cTn xmlns:p14="http://schemas.microsoft.com/office/powerpoint/2010/main" id="1" dur="indefinite" restart="never" nodeType="tmRoot"/>
+        <p:cTn id="1" dur="indefinite" restart="never" nodeType="tmRoot"/>
       </p:par>
     </p:tnLst>
   </p:timing>
@@ -7524,33 +7456,6 @@
           </a:p>
         </p:txBody>
       </p:sp>
-      <p:pic>
-        <p:nvPicPr>
-          <p:cNvPr id="76" name="change_C_2016-06-24 18:19:36_n=100_replication=1000_numver_of_datasets=10_kernel=linear_data= dataSimulation([0.8, 0.7, 0.9, -0.3], 1, 0, n).png"/>
-          <p:cNvPicPr/>
-          <p:nvPr/>
-        </p:nvPicPr>
-        <p:blipFill>
-          <a:blip r:embed="rId2">
-            <a:extLst/>
-          </a:blip>
-          <a:stretch>
-            <a:fillRect/>
-          </a:stretch>
-        </p:blipFill>
-        <p:spPr>
-          <a:xfrm>
-            <a:off x="628770" y="3797527"/>
-            <a:ext cx="5582249" cy="4186687"/>
-          </a:xfrm>
-          <a:prstGeom prst="rect">
-            <a:avLst/>
-          </a:prstGeom>
-          <a:ln w="12700">
-            <a:miter lim="400000"/>
-          </a:ln>
-        </p:spPr>
-      </p:pic>
       <p:sp>
         <p:nvSpPr>
           <p:cNvPr id="6" name="Textfeld 5"/>
@@ -7559,7 +7464,7 @@
         </p:nvSpPr>
         <p:spPr>
           <a:xfrm>
-            <a:off x="3035403" y="2603500"/>
+            <a:off x="2813155" y="2619146"/>
             <a:ext cx="1384995" cy="656590"/>
           </a:xfrm>
           <a:prstGeom prst="rect">
@@ -7648,7 +7553,7 @@
         </p:nvSpPr>
         <p:spPr>
           <a:xfrm>
-            <a:off x="8635244" y="2638006"/>
+            <a:off x="8574045" y="2645426"/>
             <a:ext cx="2051845" cy="656590"/>
           </a:xfrm>
           <a:prstGeom prst="rect">
@@ -7729,36 +7634,6 @@
           </a:p>
         </p:txBody>
       </p:sp>
-      <p:pic>
-        <p:nvPicPr>
-          <p:cNvPr id="2" name="Bild 1"/>
-          <p:cNvPicPr>
-            <a:picLocks noChangeAspect="1"/>
-          </p:cNvPicPr>
-          <p:nvPr/>
-        </p:nvPicPr>
-        <p:blipFill>
-          <a:blip r:embed="rId3">
-            <a:extLst>
-              <a:ext uri="{28A0092B-C50C-407E-A947-70E740481C1C}">
-                <a14:useLocalDpi xmlns:a14="http://schemas.microsoft.com/office/drawing/2010/main" val="0"/>
-              </a:ext>
-            </a:extLst>
-          </a:blip>
-          <a:stretch>
-            <a:fillRect/>
-          </a:stretch>
-        </p:blipFill>
-        <p:spPr>
-          <a:xfrm>
-            <a:off x="6729280" y="3858728"/>
-            <a:ext cx="5569857" cy="4064283"/>
-          </a:xfrm>
-          <a:prstGeom prst="rect">
-            <a:avLst/>
-          </a:prstGeom>
-        </p:spPr>
-      </p:pic>
       <p:sp>
         <p:nvSpPr>
           <p:cNvPr id="3" name="Rechteck 2"/>
@@ -7774,7 +7649,7 @@
             <a:avLst/>
           </a:prstGeom>
           <a:blipFill rotWithShape="1">
-            <a:blip r:embed="rId4">
+            <a:blip r:embed="rId2">
               <a:biLevel thresh="25000"/>
             </a:blip>
             <a:srcRect/>
@@ -7837,16 +7712,270 @@
           </a:p>
         </p:txBody>
       </p:sp>
+      <p:sp>
+        <p:nvSpPr>
+          <p:cNvPr id="4" name="Textfeld 3"/>
+          <p:cNvSpPr txBox="1"/>
+          <p:nvPr/>
+        </p:nvSpPr>
+        <p:spPr>
+          <a:xfrm>
+            <a:off x="2667157" y="8531500"/>
+            <a:ext cx="102657" cy="656590"/>
+          </a:xfrm>
+          <a:prstGeom prst="rect">
+            <a:avLst/>
+          </a:prstGeom>
+          <a:noFill/>
+          <a:ln w="12700" cap="flat">
+            <a:noFill/>
+            <a:miter lim="400000"/>
+          </a:ln>
+          <a:effectLst/>
+        </p:spPr>
+        <p:style>
+          <a:lnRef idx="0">
+            <a:scrgbClr r="0" g="0" b="0"/>
+          </a:lnRef>
+          <a:fillRef idx="0">
+            <a:scrgbClr r="0" g="0" b="0"/>
+          </a:fillRef>
+          <a:effectRef idx="0">
+            <a:scrgbClr r="0" g="0" b="0"/>
+          </a:effectRef>
+          <a:fontRef idx="none"/>
+        </p:style>
+        <p:txBody>
+          <a:bodyPr rot="0" spcFirstLastPara="1" vertOverflow="overflow" horzOverflow="overflow" vert="horz" wrap="none" lIns="50800" tIns="50800" rIns="50800" bIns="50800" numCol="1" spcCol="38100" rtlCol="0" anchor="ctr">
+            <a:spAutoFit/>
+          </a:bodyPr>
+          <a:lstStyle/>
+          <a:p>
+            <a:pPr marL="0" marR="0" indent="0" algn="ctr" defTabSz="584200" rtl="0" fontAlgn="auto" latinLnBrk="1" hangingPunct="0">
+              <a:lnSpc>
+                <a:spcPct val="100000"/>
+              </a:lnSpc>
+              <a:spcBef>
+                <a:spcPts val="0"/>
+              </a:spcBef>
+              <a:spcAft>
+                <a:spcPts val="0"/>
+              </a:spcAft>
+              <a:buClrTx/>
+              <a:buSzTx/>
+              <a:buFontTx/>
+              <a:buNone/>
+              <a:tabLst/>
+            </a:pPr>
+            <a:endParaRPr kumimoji="0" lang="de-DE" sz="3600" b="0" i="0" u="none" strike="noStrike" cap="none" spc="0" normalizeH="0" baseline="0" dirty="0">
+              <a:ln>
+                <a:noFill/>
+              </a:ln>
+              <a:solidFill>
+                <a:srgbClr val="000000"/>
+              </a:solidFill>
+              <a:effectLst/>
+              <a:uFillTx/>
+              <a:latin typeface="+mn-lt"/>
+              <a:ea typeface="+mn-ea"/>
+              <a:cs typeface="+mn-cs"/>
+              <a:sym typeface="Helvetica Light"/>
+            </a:endParaRPr>
+          </a:p>
+        </p:txBody>
+      </p:sp>
+      <p:sp>
+        <p:nvSpPr>
+          <p:cNvPr id="5" name="Rechteck 4"/>
+          <p:cNvSpPr/>
+          <p:nvPr/>
+        </p:nvSpPr>
+        <p:spPr>
+          <a:xfrm>
+            <a:off x="1848790" y="8136701"/>
+            <a:ext cx="3313728" cy="1200329"/>
+          </a:xfrm>
+          <a:prstGeom prst="rect">
+            <a:avLst/>
+          </a:prstGeom>
+        </p:spPr>
+        <p:txBody>
+          <a:bodyPr wrap="none">
+            <a:spAutoFit/>
+          </a:bodyPr>
+          <a:lstStyle/>
+          <a:p>
+            <a:pPr marL="571500" indent="-571500" algn="l">
+              <a:buFont typeface="Arial" charset="0"/>
+              <a:buChar char="•"/>
+            </a:pPr>
+            <a:r>
+              <a:rPr lang="de-DE" sz="2400" dirty="0" smtClean="0"/>
+              <a:t>Datasets: 20</a:t>
+            </a:r>
+          </a:p>
+          <a:p>
+            <a:pPr marL="571500" indent="-571500" algn="l">
+              <a:buFont typeface="Arial" charset="0"/>
+              <a:buChar char="•"/>
+            </a:pPr>
+            <a:r>
+              <a:rPr lang="de-DE" sz="2400" dirty="0" err="1" smtClean="0"/>
+              <a:t>Datasize</a:t>
+            </a:r>
+            <a:r>
+              <a:rPr lang="de-DE" sz="2400" dirty="0" smtClean="0"/>
+              <a:t>: 100</a:t>
+            </a:r>
+          </a:p>
+          <a:p>
+            <a:pPr marL="571500" indent="-571500" algn="l">
+              <a:buFont typeface="Arial" charset="0"/>
+              <a:buChar char="•"/>
+            </a:pPr>
+            <a:r>
+              <a:rPr lang="de-DE" sz="2400" dirty="0" err="1" smtClean="0"/>
+              <a:t>Replications</a:t>
+            </a:r>
+            <a:r>
+              <a:rPr lang="de-DE" sz="2400" dirty="0" smtClean="0"/>
+              <a:t>: 1000</a:t>
+            </a:r>
+            <a:endParaRPr lang="de-DE" sz="2400" dirty="0"/>
+          </a:p>
+        </p:txBody>
+      </p:sp>
+      <p:sp>
+        <p:nvSpPr>
+          <p:cNvPr id="10" name="Rechteck 9"/>
+          <p:cNvSpPr/>
+          <p:nvPr/>
+        </p:nvSpPr>
+        <p:spPr>
+          <a:xfrm>
+            <a:off x="7943104" y="8136700"/>
+            <a:ext cx="3313728" cy="1200329"/>
+          </a:xfrm>
+          <a:prstGeom prst="rect">
+            <a:avLst/>
+          </a:prstGeom>
+        </p:spPr>
+        <p:txBody>
+          <a:bodyPr wrap="none">
+            <a:spAutoFit/>
+          </a:bodyPr>
+          <a:lstStyle/>
+          <a:p>
+            <a:pPr marL="571500" indent="-571500" algn="l">
+              <a:buFont typeface="Arial" charset="0"/>
+              <a:buChar char="•"/>
+            </a:pPr>
+            <a:r>
+              <a:rPr lang="de-DE" sz="2400" dirty="0" smtClean="0"/>
+              <a:t>Datasets: 20</a:t>
+            </a:r>
+          </a:p>
+          <a:p>
+            <a:pPr marL="571500" indent="-571500" algn="l">
+              <a:buFont typeface="Arial" charset="0"/>
+              <a:buChar char="•"/>
+            </a:pPr>
+            <a:r>
+              <a:rPr lang="de-DE" sz="2400" dirty="0" err="1" smtClean="0"/>
+              <a:t>Datasize</a:t>
+            </a:r>
+            <a:r>
+              <a:rPr lang="de-DE" sz="2400" dirty="0" smtClean="0"/>
+              <a:t>: 100</a:t>
+            </a:r>
+          </a:p>
+          <a:p>
+            <a:pPr marL="571500" indent="-571500" algn="l">
+              <a:buFont typeface="Arial" charset="0"/>
+              <a:buChar char="•"/>
+            </a:pPr>
+            <a:r>
+              <a:rPr lang="de-DE" sz="2400" dirty="0" err="1" smtClean="0"/>
+              <a:t>Replications</a:t>
+            </a:r>
+            <a:r>
+              <a:rPr lang="de-DE" sz="2400" dirty="0" smtClean="0"/>
+              <a:t>: 1000</a:t>
+            </a:r>
+            <a:endParaRPr lang="de-DE" sz="2400" dirty="0"/>
+          </a:p>
+        </p:txBody>
+      </p:sp>
+      <p:pic>
+        <p:nvPicPr>
+          <p:cNvPr id="11" name="Bild 10"/>
+          <p:cNvPicPr>
+            <a:picLocks noChangeAspect="1"/>
+          </p:cNvPicPr>
+          <p:nvPr/>
+        </p:nvPicPr>
+        <p:blipFill>
+          <a:blip r:embed="rId3">
+            <a:extLst>
+              <a:ext uri="{28A0092B-C50C-407E-A947-70E740481C1C}">
+                <a14:useLocalDpi xmlns:a14="http://schemas.microsoft.com/office/drawing/2010/main" val="0"/>
+              </a:ext>
+            </a:extLst>
+          </a:blip>
+          <a:stretch>
+            <a:fillRect/>
+          </a:stretch>
+        </p:blipFill>
+        <p:spPr>
+          <a:xfrm>
+            <a:off x="6720785" y="3473986"/>
+            <a:ext cx="5758366" cy="4318774"/>
+          </a:xfrm>
+          <a:prstGeom prst="rect">
+            <a:avLst/>
+          </a:prstGeom>
+        </p:spPr>
+      </p:pic>
+      <p:pic>
+        <p:nvPicPr>
+          <p:cNvPr id="12" name="Bild 11"/>
+          <p:cNvPicPr>
+            <a:picLocks noChangeAspect="1"/>
+          </p:cNvPicPr>
+          <p:nvPr/>
+        </p:nvPicPr>
+        <p:blipFill>
+          <a:blip r:embed="rId4">
+            <a:extLst>
+              <a:ext uri="{28A0092B-C50C-407E-A947-70E740481C1C}">
+                <a14:useLocalDpi xmlns:a14="http://schemas.microsoft.com/office/drawing/2010/main" val="0"/>
+              </a:ext>
+            </a:extLst>
+          </a:blip>
+          <a:stretch>
+            <a:fillRect/>
+          </a:stretch>
+        </p:blipFill>
+        <p:spPr>
+          <a:xfrm>
+            <a:off x="626471" y="3473986"/>
+            <a:ext cx="5758365" cy="4318774"/>
+          </a:xfrm>
+          <a:prstGeom prst="rect">
+            <a:avLst/>
+          </a:prstGeom>
+        </p:spPr>
+      </p:pic>
     </p:spTree>
   </p:cSld>
   <p:clrMapOvr>
     <a:masterClrMapping/>
   </p:clrMapOvr>
-  <p:transition xmlns:p14="http://schemas.microsoft.com/office/powerpoint/2010/main" spd="med"/>
+  <p:transition spd="med"/>
   <p:timing>
     <p:tnLst>
       <p:par>
-        <p:cTn xmlns:p14="http://schemas.microsoft.com/office/powerpoint/2010/main" id="1" dur="indefinite" restart="never" nodeType="tmRoot"/>
+        <p:cTn id="1" dur="indefinite" restart="never" nodeType="tmRoot"/>
       </p:par>
     </p:tnLst>
   </p:timing>
